--- a/CaseStudy2.pptx
+++ b/CaseStudy2.pptx
@@ -8,20 +8,20 @@
     <p:sldId id="282" r:id="rId2"/>
     <p:sldId id="257" r:id="rId3"/>
     <p:sldId id="279" r:id="rId4"/>
-    <p:sldId id="297" r:id="rId5"/>
-    <p:sldId id="283" r:id="rId6"/>
-    <p:sldId id="292" r:id="rId7"/>
-    <p:sldId id="290" r:id="rId8"/>
+    <p:sldId id="292" r:id="rId5"/>
+    <p:sldId id="297" r:id="rId6"/>
+    <p:sldId id="283" r:id="rId7"/>
+    <p:sldId id="285" r:id="rId8"/>
     <p:sldId id="286" r:id="rId9"/>
-    <p:sldId id="285" r:id="rId10"/>
+    <p:sldId id="290" r:id="rId10"/>
     <p:sldId id="289" r:id="rId11"/>
     <p:sldId id="287" r:id="rId12"/>
     <p:sldId id="265" r:id="rId13"/>
     <p:sldId id="293" r:id="rId14"/>
     <p:sldId id="295" r:id="rId15"/>
     <p:sldId id="269" r:id="rId16"/>
-    <p:sldId id="294" r:id="rId17"/>
-    <p:sldId id="296" r:id="rId18"/>
+    <p:sldId id="296" r:id="rId17"/>
+    <p:sldId id="294" r:id="rId18"/>
     <p:sldId id="263" r:id="rId19"/>
     <p:sldId id="262" r:id="rId20"/>
   </p:sldIdLst>
@@ -3183,16 +3183,6 @@
               <a:t>DDS Analytics</a:t>
             </a:r>
           </a:p>
-          <a:p>
-            <a:r>
-              <a:rPr lang="en-US" dirty="0">
-                <a:solidFill>
-                  <a:srgbClr val="FFFFFF"/>
-                </a:solidFill>
-              </a:rPr>
-              <a:t>December 9, 2023</a:t>
-            </a:r>
-          </a:p>
         </p:txBody>
       </p:sp>
     </p:spTree>
@@ -3280,37 +3270,6 @@
                                           <p:spTgt spid="5">
                                             <p:txEl>
                                               <p:pRg st="0" end="0"/>
-                                            </p:txEl>
-                                          </p:spTgt>
-                                        </p:tgtEl>
-                                        <p:attrNameLst>
-                                          <p:attrName>style.visibility</p:attrName>
-                                        </p:attrNameLst>
-                                      </p:cBhvr>
-                                      <p:to>
-                                        <p:strVal val="visible"/>
-                                      </p:to>
-                                    </p:set>
-                                  </p:childTnLst>
-                                </p:cTn>
-                              </p:par>
-                              <p:par>
-                                <p:cTn id="10" presetID="1" presetClass="entr" presetSubtype="0" fill="hold" grpId="0" nodeType="withEffect">
-                                  <p:stCondLst>
-                                    <p:cond delay="500"/>
-                                  </p:stCondLst>
-                                  <p:childTnLst>
-                                    <p:set>
-                                      <p:cBhvr>
-                                        <p:cTn id="11" dur="1" fill="hold">
-                                          <p:stCondLst>
-                                            <p:cond delay="749"/>
-                                          </p:stCondLst>
-                                        </p:cTn>
-                                        <p:tgtEl>
-                                          <p:spTgt spid="5">
-                                            <p:txEl>
-                                              <p:pRg st="1" end="1"/>
                                             </p:txEl>
                                           </p:spTgt>
                                         </p:tgtEl>
@@ -3650,124 +3609,39 @@
       </p:pic>
       <p:sp>
         <p:nvSpPr>
-          <p:cNvPr id="2" name="Rectangle 1">
+          <p:cNvPr id="4" name="TextBox 3">
             <a:extLst>
               <a:ext uri="{FF2B5EF4-FFF2-40B4-BE49-F238E27FC236}">
-                <a16:creationId xmlns:a16="http://schemas.microsoft.com/office/drawing/2014/main" id="{C362CF07-DB22-B61B-7D8C-481066C16E7B}"/>
+                <a16:creationId xmlns:a16="http://schemas.microsoft.com/office/drawing/2014/main" id="{56713703-DFC2-178E-8D70-90D0701686DE}"/>
               </a:ext>
             </a:extLst>
           </p:cNvPr>
-          <p:cNvSpPr/>
+          <p:cNvSpPr txBox="1"/>
           <p:nvPr/>
         </p:nvSpPr>
         <p:spPr>
           <a:xfrm>
-            <a:off x="955040" y="2915920"/>
-            <a:ext cx="1148080" cy="904240"/>
+            <a:off x="641180" y="2279060"/>
+            <a:ext cx="5458120" cy="2308324"/>
           </a:xfrm>
           <a:prstGeom prst="rect">
             <a:avLst/>
           </a:prstGeom>
           <a:noFill/>
-          <a:ln w="3175">
-            <a:solidFill>
-              <a:schemeClr val="bg1">
-                <a:alpha val="49000"/>
-              </a:schemeClr>
-            </a:solidFill>
-          </a:ln>
-          <a:effectLst>
-            <a:glow rad="139700">
-              <a:srgbClr val="92D050">
-                <a:alpha val="40000"/>
-              </a:srgbClr>
-            </a:glow>
-          </a:effectLst>
         </p:spPr>
-        <p:style>
-          <a:lnRef idx="2">
-            <a:schemeClr val="accent1">
-              <a:shade val="15000"/>
-            </a:schemeClr>
-          </a:lnRef>
-          <a:fillRef idx="1">
-            <a:schemeClr val="accent1"/>
-          </a:fillRef>
-          <a:effectRef idx="0">
-            <a:schemeClr val="accent1"/>
-          </a:effectRef>
-          <a:fontRef idx="minor">
-            <a:schemeClr val="lt1"/>
-          </a:fontRef>
-        </p:style>
-        <p:txBody>
-          <a:bodyPr rtlCol="0" anchor="ctr"/>
+        <p:txBody>
+          <a:bodyPr wrap="square" rtlCol="0">
+            <a:spAutoFit/>
+          </a:bodyPr>
           <a:lstStyle/>
           <a:p>
-            <a:pPr algn="ctr"/>
-            <a:endParaRPr lang="en-US"/>
-          </a:p>
-        </p:txBody>
-      </p:sp>
-      <p:sp>
-        <p:nvSpPr>
-          <p:cNvPr id="3" name="Rectangle 2">
-            <a:extLst>
-              <a:ext uri="{FF2B5EF4-FFF2-40B4-BE49-F238E27FC236}">
-                <a16:creationId xmlns:a16="http://schemas.microsoft.com/office/drawing/2014/main" id="{A87F974B-CC4E-F502-183F-EAA48423C3B0}"/>
-              </a:ext>
-            </a:extLst>
-          </p:cNvPr>
-          <p:cNvSpPr/>
-          <p:nvPr/>
-        </p:nvSpPr>
-        <p:spPr>
-          <a:xfrm>
-            <a:off x="3206072" y="2946400"/>
-            <a:ext cx="1148080" cy="904240"/>
-          </a:xfrm>
-          <a:prstGeom prst="rect">
-            <a:avLst/>
-          </a:prstGeom>
-          <a:noFill/>
-          <a:ln w="3175">
-            <a:solidFill>
-              <a:schemeClr val="bg1">
-                <a:alpha val="49000"/>
-              </a:schemeClr>
-            </a:solidFill>
-          </a:ln>
-          <a:effectLst>
-            <a:glow rad="101600">
-              <a:schemeClr val="accent1">
-                <a:satMod val="175000"/>
-                <a:alpha val="40000"/>
-              </a:schemeClr>
-            </a:glow>
-          </a:effectLst>
-        </p:spPr>
-        <p:style>
-          <a:lnRef idx="2">
-            <a:schemeClr val="accent1">
-              <a:shade val="15000"/>
-            </a:schemeClr>
-          </a:lnRef>
-          <a:fillRef idx="1">
-            <a:schemeClr val="accent1"/>
-          </a:fillRef>
-          <a:effectRef idx="0">
-            <a:schemeClr val="accent1"/>
-          </a:effectRef>
-          <a:fontRef idx="minor">
-            <a:schemeClr val="lt1"/>
-          </a:fontRef>
-        </p:style>
-        <p:txBody>
-          <a:bodyPr rtlCol="0" anchor="ctr"/>
-          <a:lstStyle/>
-          <a:p>
-            <a:pPr algn="ctr"/>
-            <a:endParaRPr lang="en-US"/>
+            <a:r>
+              <a:rPr lang="en-US" sz="7200" dirty="0">
+                <a:latin typeface="Aharoni" panose="020F0502020204030204" pitchFamily="2" charset="-79"/>
+                <a:cs typeface="Aharoni" panose="020F0502020204030204" pitchFamily="2" charset="-79"/>
+              </a:rPr>
+              <a:t>Income Distribution</a:t>
+            </a:r>
           </a:p>
         </p:txBody>
       </p:sp>
@@ -3793,6 +3667,9 @@
                     <p:cTn id="3" fill="hold">
                       <p:stCondLst>
                         <p:cond delay="indefinite"/>
+                        <p:cond evt="onBegin" delay="0">
+                          <p:tn val="2"/>
+                        </p:cond>
                       </p:stCondLst>
                       <p:childTnLst>
                         <p:par>
@@ -3802,28 +3679,37 @@
                             </p:stCondLst>
                             <p:childTnLst>
                               <p:par>
-                                <p:cTn id="5" presetID="26" presetClass="emph" presetSubtype="0" fill="hold" nodeType="clickEffect">
+                                <p:cTn id="5" presetID="10" presetClass="entr" presetSubtype="0" fill="hold" grpId="0" nodeType="withEffect">
                                   <p:stCondLst>
                                     <p:cond delay="0"/>
                                   </p:stCondLst>
                                   <p:childTnLst>
-                                    <p:animEffect transition="out" filter="fade">
-                                      <p:cBhvr>
-                                        <p:cTn id="6" dur="500" tmFilter="0, 0; .2, .5; .8, .5; 1, 0"/>
-                                        <p:tgtEl>
-                                          <p:spTgt spid="8"/>
+                                    <p:set>
+                                      <p:cBhvr>
+                                        <p:cTn id="6" dur="1" fill="hold">
+                                          <p:stCondLst>
+                                            <p:cond delay="0"/>
+                                          </p:stCondLst>
+                                        </p:cTn>
+                                        <p:tgtEl>
+                                          <p:spTgt spid="4"/>
+                                        </p:tgtEl>
+                                        <p:attrNameLst>
+                                          <p:attrName>style.visibility</p:attrName>
+                                        </p:attrNameLst>
+                                      </p:cBhvr>
+                                      <p:to>
+                                        <p:strVal val="visible"/>
+                                      </p:to>
+                                    </p:set>
+                                    <p:animEffect transition="in" filter="fade">
+                                      <p:cBhvr>
+                                        <p:cTn id="7" dur="500"/>
+                                        <p:tgtEl>
+                                          <p:spTgt spid="4"/>
                                         </p:tgtEl>
                                       </p:cBhvr>
                                     </p:animEffect>
-                                    <p:animScale>
-                                      <p:cBhvr>
-                                        <p:cTn id="7" dur="250" autoRev="1" fill="hold"/>
-                                        <p:tgtEl>
-                                          <p:spTgt spid="8"/>
-                                        </p:tgtEl>
-                                      </p:cBhvr>
-                                      <p:by x="105000" y="105000"/>
-                                    </p:animScale>
                                   </p:childTnLst>
                                 </p:cTn>
                               </p:par>
@@ -3846,20 +3732,55 @@
                             </p:stCondLst>
                             <p:childTnLst>
                               <p:par>
-                                <p:cTn id="10" presetID="1" presetClass="entr" presetSubtype="0" fill="hold" grpId="0" nodeType="clickEffect">
+                                <p:cTn id="10" presetID="10" presetClass="exit" presetSubtype="0" fill="hold" grpId="1" nodeType="clickEffect">
+                                  <p:stCondLst>
+                                    <p:cond delay="0"/>
+                                  </p:stCondLst>
+                                  <p:childTnLst>
+                                    <p:animEffect transition="out" filter="fade">
+                                      <p:cBhvr>
+                                        <p:cTn id="11" dur="500"/>
+                                        <p:tgtEl>
+                                          <p:spTgt spid="4"/>
+                                        </p:tgtEl>
+                                      </p:cBhvr>
+                                    </p:animEffect>
+                                    <p:set>
+                                      <p:cBhvr>
+                                        <p:cTn id="12" dur="1" fill="hold">
+                                          <p:stCondLst>
+                                            <p:cond delay="499"/>
+                                          </p:stCondLst>
+                                        </p:cTn>
+                                        <p:tgtEl>
+                                          <p:spTgt spid="4"/>
+                                        </p:tgtEl>
+                                        <p:attrNameLst>
+                                          <p:attrName>style.visibility</p:attrName>
+                                        </p:attrNameLst>
+                                      </p:cBhvr>
+                                      <p:to>
+                                        <p:strVal val="hidden"/>
+                                      </p:to>
+                                    </p:set>
+                                  </p:childTnLst>
+                                </p:cTn>
+                              </p:par>
+                              <p:par>
+                                <p:cTn id="13" presetID="10" presetClass="entr" presetSubtype="0" fill="hold" nodeType="withEffect">
                                   <p:stCondLst>
                                     <p:cond delay="0"/>
                                   </p:stCondLst>
                                   <p:childTnLst>
                                     <p:set>
                                       <p:cBhvr>
-                                        <p:cTn id="11" dur="1" fill="hold">
+                                        <p:cTn id="14" dur="1" fill="hold">
                                           <p:stCondLst>
                                             <p:cond delay="0"/>
                                           </p:stCondLst>
                                         </p:cTn>
                                         <p:tgtEl>
-                                          <p:spTgt spid="2"/>
+                                          <p:spTgt spid="8"/>
                                         </p:tgtEl>
                                         <p:attrNameLst>
                                           <p:attrName>style.visibility</p:attrName>
@@ -3869,6 +3790,49 @@
                                         <p:strVal val="visible"/>
                                       </p:to>
                                     </p:set>
+                                    <p:animEffect transition="in" filter="fade">
+                                      <p:cBhvr>
+                                        <p:cTn id="15" dur="500"/>
+                                        <p:tgtEl>
+                                          <p:spTgt spid="8"/>
+                                        </p:tgtEl>
+                                      </p:cBhvr>
+                                    </p:animEffect>
+                                  </p:childTnLst>
+                                </p:cTn>
+                              </p:par>
+                              <p:par>
+                                <p:cTn id="16" presetID="10" presetClass="entr" presetSubtype="0" fill="hold" nodeType="withEffect">
+                                  <p:stCondLst>
+                                    <p:cond delay="0"/>
+                                  </p:stCondLst>
+                                  <p:childTnLst>
+                                    <p:set>
+                                      <p:cBhvr>
+                                        <p:cTn id="17" dur="1" fill="hold">
+                                          <p:stCondLst>
+                                            <p:cond delay="0"/>
+                                          </p:stCondLst>
+                                        </p:cTn>
+                                        <p:tgtEl>
+                                          <p:spTgt spid="10"/>
+                                        </p:tgtEl>
+                                        <p:attrNameLst>
+                                          <p:attrName>style.visibility</p:attrName>
+                                        </p:attrNameLst>
+                                      </p:cBhvr>
+                                      <p:to>
+                                        <p:strVal val="visible"/>
+                                      </p:to>
+                                    </p:set>
+                                    <p:animEffect transition="in" filter="fade">
+                                      <p:cBhvr>
+                                        <p:cTn id="18" dur="500"/>
+                                        <p:tgtEl>
+                                          <p:spTgt spid="10"/>
+                                        </p:tgtEl>
+                                      </p:cBhvr>
+                                    </p:animEffect>
                                   </p:childTnLst>
                                 </p:cTn>
                               </p:par>
@@ -3879,41 +3843,40 @@
                     </p:cTn>
                   </p:par>
                   <p:par>
-                    <p:cTn id="12" fill="hold">
+                    <p:cTn id="19" fill="hold">
                       <p:stCondLst>
                         <p:cond delay="indefinite"/>
                       </p:stCondLst>
                       <p:childTnLst>
                         <p:par>
-                          <p:cTn id="13" fill="hold">
+                          <p:cTn id="20" fill="hold">
                             <p:stCondLst>
                               <p:cond delay="0"/>
                             </p:stCondLst>
                             <p:childTnLst>
                               <p:par>
-                                <p:cTn id="14" presetID="1" presetClass="entr" presetSubtype="0" fill="hold" grpId="0" nodeType="clickEffect">
+                                <p:cTn id="21" presetID="26" presetClass="emph" presetSubtype="0" fill="hold" nodeType="clickEffect">
                                   <p:stCondLst>
                                     <p:cond delay="0"/>
                                   </p:stCondLst>
                                   <p:childTnLst>
-                                    <p:set>
-                                      <p:cBhvr>
-                                        <p:cTn id="15" dur="1" fill="hold">
-                                          <p:stCondLst>
-                                            <p:cond delay="0"/>
-                                          </p:stCondLst>
-                                        </p:cTn>
-                                        <p:tgtEl>
-                                          <p:spTgt spid="3"/>
-                                        </p:tgtEl>
-                                        <p:attrNameLst>
-                                          <p:attrName>style.visibility</p:attrName>
-                                        </p:attrNameLst>
-                                      </p:cBhvr>
-                                      <p:to>
-                                        <p:strVal val="visible"/>
-                                      </p:to>
-                                    </p:set>
+                                    <p:animEffect transition="out" filter="fade">
+                                      <p:cBhvr>
+                                        <p:cTn id="22" dur="500" tmFilter="0, 0; .2, .5; .8, .5; 1, 0"/>
+                                        <p:tgtEl>
+                                          <p:spTgt spid="8"/>
+                                        </p:tgtEl>
+                                      </p:cBhvr>
+                                    </p:animEffect>
+                                    <p:animScale>
+                                      <p:cBhvr>
+                                        <p:cTn id="23" dur="250" autoRev="1" fill="hold"/>
+                                        <p:tgtEl>
+                                          <p:spTgt spid="8"/>
+                                        </p:tgtEl>
+                                      </p:cBhvr>
+                                      <p:by x="105000" y="105000"/>
+                                    </p:animScale>
                                   </p:childTnLst>
                                 </p:cTn>
                               </p:par>
@@ -3924,26 +3887,26 @@
                     </p:cTn>
                   </p:par>
                   <p:par>
-                    <p:cTn id="16" fill="hold">
+                    <p:cTn id="24" fill="hold">
                       <p:stCondLst>
                         <p:cond delay="indefinite"/>
                       </p:stCondLst>
                       <p:childTnLst>
                         <p:par>
-                          <p:cTn id="17" fill="hold">
+                          <p:cTn id="25" fill="hold">
                             <p:stCondLst>
                               <p:cond delay="0"/>
                             </p:stCondLst>
                             <p:childTnLst>
                               <p:par>
-                                <p:cTn id="18" presetID="26" presetClass="emph" presetSubtype="0" fill="hold" nodeType="clickEffect">
+                                <p:cTn id="26" presetID="26" presetClass="emph" presetSubtype="0" fill="hold" nodeType="clickEffect">
                                   <p:stCondLst>
                                     <p:cond delay="0"/>
                                   </p:stCondLst>
                                   <p:childTnLst>
                                     <p:animEffect transition="out" filter="fade">
                                       <p:cBhvr>
-                                        <p:cTn id="19" dur="500" tmFilter="0, 0; .2, .5; .8, .5; 1, 0"/>
+                                        <p:cTn id="27" dur="500" tmFilter="0, 0; .2, .5; .8, .5; 1, 0"/>
                                         <p:tgtEl>
                                           <p:spTgt spid="10"/>
                                         </p:tgtEl>
@@ -3951,7 +3914,7 @@
                                     </p:animEffect>
                                     <p:animScale>
                                       <p:cBhvr>
-                                        <p:cTn id="20" dur="250" autoRev="1" fill="hold"/>
+                                        <p:cTn id="28" dur="250" autoRev="1" fill="hold"/>
                                         <p:tgtEl>
                                           <p:spTgt spid="10"/>
                                         </p:tgtEl>
@@ -3989,8 +3952,8 @@
       </p:par>
     </p:tnLst>
     <p:bldLst>
-      <p:bldP spid="2" grpId="0" animBg="1"/>
-      <p:bldP spid="3" grpId="0" animBg="1"/>
+      <p:bldP spid="4" grpId="0"/>
+      <p:bldP spid="4" grpId="1"/>
     </p:bldLst>
   </p:timing>
 </p:sld>
@@ -4187,6 +4150,44 @@
           </a:prstGeom>
         </p:spPr>
       </p:pic>
+      <p:sp>
+        <p:nvSpPr>
+          <p:cNvPr id="2" name="TextBox 1">
+            <a:extLst>
+              <a:ext uri="{FF2B5EF4-FFF2-40B4-BE49-F238E27FC236}">
+                <a16:creationId xmlns:a16="http://schemas.microsoft.com/office/drawing/2014/main" id="{CC5D8AC1-32AA-63C8-FCC4-2E48B9B28C1D}"/>
+              </a:ext>
+            </a:extLst>
+          </p:cNvPr>
+          <p:cNvSpPr txBox="1"/>
+          <p:nvPr/>
+        </p:nvSpPr>
+        <p:spPr>
+          <a:xfrm>
+            <a:off x="946752" y="1997839"/>
+            <a:ext cx="4561840" cy="3139321"/>
+          </a:xfrm>
+          <a:prstGeom prst="rect">
+            <a:avLst/>
+          </a:prstGeom>
+          <a:noFill/>
+        </p:spPr>
+        <p:txBody>
+          <a:bodyPr wrap="square" rtlCol="0">
+            <a:spAutoFit/>
+          </a:bodyPr>
+          <a:lstStyle/>
+          <a:p>
+            <a:r>
+              <a:rPr lang="en-US" sz="6600" dirty="0">
+                <a:latin typeface="Aharoni" panose="020F0502020204030204" pitchFamily="2" charset="-79"/>
+                <a:cs typeface="Aharoni" panose="020F0502020204030204" pitchFamily="2" charset="-79"/>
+              </a:rPr>
+              <a:t>Income Variability &amp; Spread</a:t>
+            </a:r>
+          </a:p>
+        </p:txBody>
+      </p:sp>
     </p:spTree>
     <p:extLst>
       <p:ext uri="{BB962C8B-B14F-4D97-AF65-F5344CB8AC3E}">
@@ -4221,7 +4222,7 @@
                             </p:stCondLst>
                             <p:childTnLst>
                               <p:par>
-                                <p:cTn id="5" presetID="10" presetClass="entr" presetSubtype="0" fill="hold" nodeType="withEffect">
+                                <p:cTn id="5" presetID="10" presetClass="entr" presetSubtype="0" fill="hold" grpId="1" nodeType="withEffect">
                                   <p:stCondLst>
                                     <p:cond delay="0"/>
                                   </p:stCondLst>
@@ -4234,7 +4235,7 @@
                                           </p:stCondLst>
                                         </p:cTn>
                                         <p:tgtEl>
-                                          <p:spTgt spid="6"/>
+                                          <p:spTgt spid="2"/>
                                         </p:tgtEl>
                                         <p:attrNameLst>
                                           <p:attrName>style.visibility</p:attrName>
@@ -4248,10 +4249,98 @@
                                       <p:cBhvr>
                                         <p:cTn id="7" dur="500"/>
                                         <p:tgtEl>
+                                          <p:spTgt spid="2"/>
+                                        </p:tgtEl>
+                                      </p:cBhvr>
+                                    </p:animEffect>
+                                  </p:childTnLst>
+                                </p:cTn>
+                              </p:par>
+                            </p:childTnLst>
+                          </p:cTn>
+                        </p:par>
+                      </p:childTnLst>
+                    </p:cTn>
+                  </p:par>
+                  <p:par>
+                    <p:cTn id="8" fill="hold">
+                      <p:stCondLst>
+                        <p:cond delay="indefinite"/>
+                      </p:stCondLst>
+                      <p:childTnLst>
+                        <p:par>
+                          <p:cTn id="9" fill="hold">
+                            <p:stCondLst>
+                              <p:cond delay="0"/>
+                            </p:stCondLst>
+                            <p:childTnLst>
+                              <p:par>
+                                <p:cTn id="10" presetID="10" presetClass="entr" presetSubtype="0" fill="hold" nodeType="clickEffect">
+                                  <p:stCondLst>
+                                    <p:cond delay="0"/>
+                                  </p:stCondLst>
+                                  <p:childTnLst>
+                                    <p:set>
+                                      <p:cBhvr>
+                                        <p:cTn id="11" dur="1" fill="hold">
+                                          <p:stCondLst>
+                                            <p:cond delay="0"/>
+                                          </p:stCondLst>
+                                        </p:cTn>
+                                        <p:tgtEl>
                                           <p:spTgt spid="6"/>
                                         </p:tgtEl>
+                                        <p:attrNameLst>
+                                          <p:attrName>style.visibility</p:attrName>
+                                        </p:attrNameLst>
+                                      </p:cBhvr>
+                                      <p:to>
+                                        <p:strVal val="visible"/>
+                                      </p:to>
+                                    </p:set>
+                                    <p:animEffect transition="in" filter="fade">
+                                      <p:cBhvr>
+                                        <p:cTn id="12" dur="500"/>
+                                        <p:tgtEl>
+                                          <p:spTgt spid="6"/>
+                                        </p:tgtEl>
                                       </p:cBhvr>
                                     </p:animEffect>
+                                  </p:childTnLst>
+                                </p:cTn>
+                              </p:par>
+                              <p:par>
+                                <p:cTn id="13" presetID="10" presetClass="exit" presetSubtype="0" fill="hold" grpId="0" nodeType="withEffect">
+                                  <p:stCondLst>
+                                    <p:cond delay="0"/>
+                                  </p:stCondLst>
+                                  <p:childTnLst>
+                                    <p:animEffect transition="out" filter="fade">
+                                      <p:cBhvr>
+                                        <p:cTn id="14" dur="500"/>
+                                        <p:tgtEl>
+                                          <p:spTgt spid="2"/>
+                                        </p:tgtEl>
+                                      </p:cBhvr>
+                                    </p:animEffect>
+                                    <p:set>
+                                      <p:cBhvr>
+                                        <p:cTn id="15" dur="1" fill="hold">
+                                          <p:stCondLst>
+                                            <p:cond delay="499"/>
+                                          </p:stCondLst>
+                                        </p:cTn>
+                                        <p:tgtEl>
+                                          <p:spTgt spid="2"/>
+                                        </p:tgtEl>
+                                        <p:attrNameLst>
+                                          <p:attrName>style.visibility</p:attrName>
+                                        </p:attrNameLst>
+                                      </p:cBhvr>
+                                      <p:to>
+                                        <p:strVal val="hidden"/>
+                                      </p:to>
+                                    </p:set>
                                   </p:childTnLst>
                                 </p:cTn>
                               </p:par>
@@ -4282,6 +4371,10 @@
         </p:cTn>
       </p:par>
     </p:tnLst>
+    <p:bldLst>
+      <p:bldP spid="2" grpId="0"/>
+      <p:bldP spid="2" grpId="1"/>
+    </p:bldLst>
   </p:timing>
 </p:sld>
 </file>
@@ -5074,6 +5167,109 @@
           </a:p>
         </p:txBody>
       </p:sp>
+      <p:sp>
+        <p:nvSpPr>
+          <p:cNvPr id="4" name="TextBox 3">
+            <a:extLst>
+              <a:ext uri="{FF2B5EF4-FFF2-40B4-BE49-F238E27FC236}">
+                <a16:creationId xmlns:a16="http://schemas.microsoft.com/office/drawing/2014/main" id="{F1976B5D-5F0A-2629-4E59-A72ED5848A07}"/>
+              </a:ext>
+            </a:extLst>
+          </p:cNvPr>
+          <p:cNvSpPr txBox="1"/>
+          <p:nvPr/>
+        </p:nvSpPr>
+        <p:spPr>
+          <a:xfrm>
+            <a:off x="718236" y="3735547"/>
+            <a:ext cx="4561840" cy="2554545"/>
+          </a:xfrm>
+          <a:prstGeom prst="rect">
+            <a:avLst/>
+          </a:prstGeom>
+          <a:noFill/>
+        </p:spPr>
+        <p:txBody>
+          <a:bodyPr wrap="square" rtlCol="0">
+            <a:spAutoFit/>
+          </a:bodyPr>
+          <a:lstStyle/>
+          <a:p>
+            <a:r>
+              <a:rPr lang="en-US" sz="8000" dirty="0">
+                <a:latin typeface="Aharoni" panose="020F0502020204030204" pitchFamily="2" charset="-79"/>
+                <a:cs typeface="Aharoni" panose="020F0502020204030204" pitchFamily="2" charset="-79"/>
+              </a:rPr>
+              <a:t>Job Role</a:t>
+            </a:r>
+          </a:p>
+          <a:p>
+            <a:r>
+              <a:rPr lang="en-US" sz="8000" dirty="0">
+                <a:latin typeface="Aharoni" panose="020F0502020204030204" pitchFamily="2" charset="-79"/>
+                <a:cs typeface="Aharoni" panose="020F0502020204030204" pitchFamily="2" charset="-79"/>
+              </a:rPr>
+              <a:t>Attrition</a:t>
+            </a:r>
+          </a:p>
+        </p:txBody>
+      </p:sp>
+      <p:sp>
+        <p:nvSpPr>
+          <p:cNvPr id="6" name="Rectangle 5">
+            <a:extLst>
+              <a:ext uri="{FF2B5EF4-FFF2-40B4-BE49-F238E27FC236}">
+                <a16:creationId xmlns:a16="http://schemas.microsoft.com/office/drawing/2014/main" id="{1624F8E5-769A-517A-1481-4EDD3A44CCDA}"/>
+              </a:ext>
+            </a:extLst>
+          </p:cNvPr>
+          <p:cNvSpPr/>
+          <p:nvPr/>
+        </p:nvSpPr>
+        <p:spPr>
+          <a:xfrm>
+            <a:off x="9479280" y="3770561"/>
+            <a:ext cx="1351280" cy="934720"/>
+          </a:xfrm>
+          <a:prstGeom prst="rect">
+            <a:avLst/>
+          </a:prstGeom>
+          <a:noFill/>
+          <a:ln w="25400">
+            <a:solidFill>
+              <a:schemeClr val="tx1">
+                <a:alpha val="51000"/>
+              </a:schemeClr>
+            </a:solidFill>
+            <a:prstDash val="sysDash"/>
+          </a:ln>
+          <a:effectLst/>
+        </p:spPr>
+        <p:style>
+          <a:lnRef idx="2">
+            <a:schemeClr val="accent1">
+              <a:shade val="15000"/>
+            </a:schemeClr>
+          </a:lnRef>
+          <a:fillRef idx="1">
+            <a:schemeClr val="accent1"/>
+          </a:fillRef>
+          <a:effectRef idx="0">
+            <a:schemeClr val="accent1"/>
+          </a:effectRef>
+          <a:fontRef idx="minor">
+            <a:schemeClr val="lt1"/>
+          </a:fontRef>
+        </p:style>
+        <p:txBody>
+          <a:bodyPr rtlCol="0" anchor="ctr"/>
+          <a:lstStyle/>
+          <a:p>
+            <a:pPr algn="ctr"/>
+            <a:endParaRPr lang="en-US"/>
+          </a:p>
+        </p:txBody>
+      </p:sp>
     </p:spTree>
     <p:extLst>
       <p:ext uri="{BB962C8B-B14F-4D97-AF65-F5344CB8AC3E}">
@@ -5105,14 +5301,172 @@
                             </p:stCondLst>
                             <p:childTnLst>
                               <p:par>
-                                <p:cTn id="5" presetID="26" presetClass="emph" presetSubtype="0" fill="hold" nodeType="clickEffect">
+                                <p:cTn id="5" presetID="10" presetClass="entr" presetSubtype="0" fill="hold" nodeType="clickEffect">
+                                  <p:stCondLst>
+                                    <p:cond delay="0"/>
+                                  </p:stCondLst>
+                                  <p:childTnLst>
+                                    <p:set>
+                                      <p:cBhvr>
+                                        <p:cTn id="6" dur="1" fill="hold">
+                                          <p:stCondLst>
+                                            <p:cond delay="0"/>
+                                          </p:stCondLst>
+                                        </p:cTn>
+                                        <p:tgtEl>
+                                          <p:spTgt spid="9"/>
+                                        </p:tgtEl>
+                                        <p:attrNameLst>
+                                          <p:attrName>style.visibility</p:attrName>
+                                        </p:attrNameLst>
+                                      </p:cBhvr>
+                                      <p:to>
+                                        <p:strVal val="visible"/>
+                                      </p:to>
+                                    </p:set>
+                                    <p:animEffect transition="in" filter="fade">
+                                      <p:cBhvr>
+                                        <p:cTn id="7" dur="500"/>
+                                        <p:tgtEl>
+                                          <p:spTgt spid="9"/>
+                                        </p:tgtEl>
+                                      </p:cBhvr>
+                                    </p:animEffect>
+                                  </p:childTnLst>
+                                </p:cTn>
+                              </p:par>
+                              <p:par>
+                                <p:cTn id="8" presetID="10" presetClass="entr" presetSubtype="0" fill="hold" nodeType="withEffect">
+                                  <p:stCondLst>
+                                    <p:cond delay="0"/>
+                                  </p:stCondLst>
+                                  <p:childTnLst>
+                                    <p:set>
+                                      <p:cBhvr>
+                                        <p:cTn id="9" dur="1" fill="hold">
+                                          <p:stCondLst>
+                                            <p:cond delay="0"/>
+                                          </p:stCondLst>
+                                        </p:cTn>
+                                        <p:tgtEl>
+                                          <p:spTgt spid="8"/>
+                                        </p:tgtEl>
+                                        <p:attrNameLst>
+                                          <p:attrName>style.visibility</p:attrName>
+                                        </p:attrNameLst>
+                                      </p:cBhvr>
+                                      <p:to>
+                                        <p:strVal val="visible"/>
+                                      </p:to>
+                                    </p:set>
+                                    <p:animEffect transition="in" filter="fade">
+                                      <p:cBhvr>
+                                        <p:cTn id="10" dur="500"/>
+                                        <p:tgtEl>
+                                          <p:spTgt spid="8"/>
+                                        </p:tgtEl>
+                                      </p:cBhvr>
+                                    </p:animEffect>
+                                  </p:childTnLst>
+                                </p:cTn>
+                              </p:par>
+                              <p:par>
+                                <p:cTn id="11" presetID="10" presetClass="exit" presetSubtype="0" fill="hold" grpId="0" nodeType="withEffect">
                                   <p:stCondLst>
                                     <p:cond delay="0"/>
                                   </p:stCondLst>
                                   <p:childTnLst>
                                     <p:animEffect transition="out" filter="fade">
                                       <p:cBhvr>
-                                        <p:cTn id="6" dur="500" tmFilter="0, 0; .2, .5; .8, .5; 1, 0"/>
+                                        <p:cTn id="12" dur="500"/>
+                                        <p:tgtEl>
+                                          <p:spTgt spid="4"/>
+                                        </p:tgtEl>
+                                      </p:cBhvr>
+                                    </p:animEffect>
+                                    <p:set>
+                                      <p:cBhvr>
+                                        <p:cTn id="13" dur="1" fill="hold">
+                                          <p:stCondLst>
+                                            <p:cond delay="499"/>
+                                          </p:stCondLst>
+                                        </p:cTn>
+                                        <p:tgtEl>
+                                          <p:spTgt spid="4"/>
+                                        </p:tgtEl>
+                                        <p:attrNameLst>
+                                          <p:attrName>style.visibility</p:attrName>
+                                        </p:attrNameLst>
+                                      </p:cBhvr>
+                                      <p:to>
+                                        <p:strVal val="hidden"/>
+                                      </p:to>
+                                    </p:set>
+                                  </p:childTnLst>
+                                </p:cTn>
+                              </p:par>
+                            </p:childTnLst>
+                          </p:cTn>
+                        </p:par>
+                      </p:childTnLst>
+                    </p:cTn>
+                  </p:par>
+                  <p:par>
+                    <p:cTn id="14" fill="hold">
+                      <p:stCondLst>
+                        <p:cond delay="indefinite"/>
+                      </p:stCondLst>
+                      <p:childTnLst>
+                        <p:par>
+                          <p:cTn id="15" fill="hold">
+                            <p:stCondLst>
+                              <p:cond delay="0"/>
+                            </p:stCondLst>
+                            <p:childTnLst>
+                              <p:par>
+                                <p:cTn id="16" presetID="16" presetClass="entr" presetSubtype="21" fill="hold" grpId="0" nodeType="clickEffect">
+                                  <p:stCondLst>
+                                    <p:cond delay="0"/>
+                                  </p:stCondLst>
+                                  <p:childTnLst>
+                                    <p:set>
+                                      <p:cBhvr>
+                                        <p:cTn id="17" dur="1" fill="hold">
+                                          <p:stCondLst>
+                                            <p:cond delay="0"/>
+                                          </p:stCondLst>
+                                        </p:cTn>
+                                        <p:tgtEl>
+                                          <p:spTgt spid="5"/>
+                                        </p:tgtEl>
+                                        <p:attrNameLst>
+                                          <p:attrName>style.visibility</p:attrName>
+                                        </p:attrNameLst>
+                                      </p:cBhvr>
+                                      <p:to>
+                                        <p:strVal val="visible"/>
+                                      </p:to>
+                                    </p:set>
+                                    <p:animEffect transition="in" filter="barn(inVertical)">
+                                      <p:cBhvr>
+                                        <p:cTn id="18" dur="500"/>
+                                        <p:tgtEl>
+                                          <p:spTgt spid="5"/>
+                                        </p:tgtEl>
+                                      </p:cBhvr>
+                                    </p:animEffect>
+                                  </p:childTnLst>
+                                </p:cTn>
+                              </p:par>
+                              <p:par>
+                                <p:cTn id="19" presetID="26" presetClass="emph" presetSubtype="0" fill="hold" nodeType="withEffect">
+                                  <p:stCondLst>
+                                    <p:cond delay="0"/>
+                                  </p:stCondLst>
+                                  <p:childTnLst>
+                                    <p:animEffect transition="out" filter="fade">
+                                      <p:cBhvr>
+                                        <p:cTn id="20" dur="500" tmFilter="0, 0; .2, .5; .8, .5; 1, 0"/>
                                         <p:tgtEl>
                                           <p:spTgt spid="8"/>
                                         </p:tgtEl>
@@ -5120,7 +5474,7 @@
                                     </p:animEffect>
                                     <p:animScale>
                                       <p:cBhvr>
-                                        <p:cTn id="7" dur="250" autoRev="1" fill="hold"/>
+                                        <p:cTn id="21" dur="250" autoRev="1" fill="hold"/>
                                         <p:tgtEl>
                                           <p:spTgt spid="8"/>
                                         </p:tgtEl>
@@ -5137,79 +5491,26 @@
                     </p:cTn>
                   </p:par>
                   <p:par>
-                    <p:cTn id="8" fill="hold">
+                    <p:cTn id="22" fill="hold">
                       <p:stCondLst>
                         <p:cond delay="indefinite"/>
                       </p:stCondLst>
                       <p:childTnLst>
                         <p:par>
-                          <p:cTn id="9" fill="hold">
+                          <p:cTn id="23" fill="hold">
                             <p:stCondLst>
                               <p:cond delay="0"/>
                             </p:stCondLst>
                             <p:childTnLst>
                               <p:par>
-                                <p:cTn id="10" presetID="16" presetClass="entr" presetSubtype="21" fill="hold" grpId="0" nodeType="clickEffect">
-                                  <p:stCondLst>
-                                    <p:cond delay="0"/>
-                                  </p:stCondLst>
-                                  <p:childTnLst>
-                                    <p:set>
-                                      <p:cBhvr>
-                                        <p:cTn id="11" dur="1" fill="hold">
-                                          <p:stCondLst>
-                                            <p:cond delay="0"/>
-                                          </p:stCondLst>
-                                        </p:cTn>
-                                        <p:tgtEl>
-                                          <p:spTgt spid="5"/>
-                                        </p:tgtEl>
-                                        <p:attrNameLst>
-                                          <p:attrName>style.visibility</p:attrName>
-                                        </p:attrNameLst>
-                                      </p:cBhvr>
-                                      <p:to>
-                                        <p:strVal val="visible"/>
-                                      </p:to>
-                                    </p:set>
-                                    <p:animEffect transition="in" filter="barn(inVertical)">
-                                      <p:cBhvr>
-                                        <p:cTn id="12" dur="500"/>
-                                        <p:tgtEl>
-                                          <p:spTgt spid="5"/>
-                                        </p:tgtEl>
-                                      </p:cBhvr>
-                                    </p:animEffect>
-                                  </p:childTnLst>
-                                </p:cTn>
-                              </p:par>
-                            </p:childTnLst>
-                          </p:cTn>
-                        </p:par>
-                      </p:childTnLst>
-                    </p:cTn>
-                  </p:par>
-                  <p:par>
-                    <p:cTn id="13" fill="hold">
-                      <p:stCondLst>
-                        <p:cond delay="indefinite"/>
-                      </p:stCondLst>
-                      <p:childTnLst>
-                        <p:par>
-                          <p:cTn id="14" fill="hold">
-                            <p:stCondLst>
-                              <p:cond delay="0"/>
-                            </p:stCondLst>
-                            <p:childTnLst>
-                              <p:par>
-                                <p:cTn id="15" presetID="26" presetClass="emph" presetSubtype="0" fill="hold" nodeType="clickEffect">
+                                <p:cTn id="24" presetID="26" presetClass="emph" presetSubtype="0" fill="hold" nodeType="clickEffect">
                                   <p:stCondLst>
                                     <p:cond delay="0"/>
                                   </p:stCondLst>
                                   <p:childTnLst>
                                     <p:animEffect transition="out" filter="fade">
                                       <p:cBhvr>
-                                        <p:cTn id="16" dur="500" tmFilter="0, 0; .2, .5; .8, .5; 1, 0"/>
+                                        <p:cTn id="25" dur="500" tmFilter="0, 0; .2, .5; .8, .5; 1, 0"/>
                                         <p:tgtEl>
                                           <p:spTgt spid="9"/>
                                         </p:tgtEl>
@@ -5217,7 +5518,7 @@
                                     </p:animEffect>
                                     <p:animScale>
                                       <p:cBhvr>
-                                        <p:cTn id="17" dur="250" autoRev="1" fill="hold"/>
+                                        <p:cTn id="26" dur="250" autoRev="1" fill="hold"/>
                                         <p:tgtEl>
                                           <p:spTgt spid="9"/>
                                         </p:tgtEl>
@@ -5234,26 +5535,26 @@
                     </p:cTn>
                   </p:par>
                   <p:par>
-                    <p:cTn id="18" fill="hold">
+                    <p:cTn id="27" fill="hold">
                       <p:stCondLst>
                         <p:cond delay="indefinite"/>
                       </p:stCondLst>
                       <p:childTnLst>
                         <p:par>
-                          <p:cTn id="19" fill="hold">
+                          <p:cTn id="28" fill="hold">
                             <p:stCondLst>
                               <p:cond delay="0"/>
                             </p:stCondLst>
                             <p:childTnLst>
                               <p:par>
-                                <p:cTn id="20" presetID="16" presetClass="entr" presetSubtype="21" fill="hold" grpId="0" nodeType="clickEffect">
+                                <p:cTn id="29" presetID="16" presetClass="entr" presetSubtype="21" fill="hold" grpId="0" nodeType="clickEffect">
                                   <p:stCondLst>
                                     <p:cond delay="0"/>
                                   </p:stCondLst>
                                   <p:childTnLst>
                                     <p:set>
                                       <p:cBhvr>
-                                        <p:cTn id="21" dur="1" fill="hold">
+                                        <p:cTn id="30" dur="1" fill="hold">
                                           <p:stCondLst>
                                             <p:cond delay="0"/>
                                           </p:stCondLst>
@@ -5271,7 +5572,7 @@
                                     </p:set>
                                     <p:animEffect transition="in" filter="barn(inVertical)">
                                       <p:cBhvr>
-                                        <p:cTn id="22" dur="500"/>
+                                        <p:cTn id="31" dur="500"/>
                                         <p:tgtEl>
                                           <p:spTgt spid="2"/>
                                         </p:tgtEl>
@@ -5281,14 +5582,14 @@
                                 </p:cTn>
                               </p:par>
                               <p:par>
-                                <p:cTn id="23" presetID="16" presetClass="entr" presetSubtype="21" fill="hold" grpId="0" nodeType="withEffect">
+                                <p:cTn id="32" presetID="16" presetClass="entr" presetSubtype="21" fill="hold" grpId="0" nodeType="withEffect">
                                   <p:stCondLst>
                                     <p:cond delay="0"/>
                                   </p:stCondLst>
                                   <p:childTnLst>
                                     <p:set>
                                       <p:cBhvr>
-                                        <p:cTn id="24" dur="1" fill="hold">
+                                        <p:cTn id="33" dur="1" fill="hold">
                                           <p:stCondLst>
                                             <p:cond delay="0"/>
                                           </p:stCondLst>
@@ -5306,9 +5607,44 @@
                                     </p:set>
                                     <p:animEffect transition="in" filter="barn(inVertical)">
                                       <p:cBhvr>
-                                        <p:cTn id="25" dur="500"/>
+                                        <p:cTn id="34" dur="500"/>
                                         <p:tgtEl>
                                           <p:spTgt spid="3"/>
+                                        </p:tgtEl>
+                                      </p:cBhvr>
+                                    </p:animEffect>
+                                  </p:childTnLst>
+                                </p:cTn>
+                              </p:par>
+                              <p:par>
+                                <p:cTn id="35" presetID="16" presetClass="entr" presetSubtype="21" fill="hold" grpId="0" nodeType="withEffect">
+                                  <p:stCondLst>
+                                    <p:cond delay="0"/>
+                                  </p:stCondLst>
+                                  <p:childTnLst>
+                                    <p:set>
+                                      <p:cBhvr>
+                                        <p:cTn id="36" dur="1" fill="hold">
+                                          <p:stCondLst>
+                                            <p:cond delay="0"/>
+                                          </p:stCondLst>
+                                        </p:cTn>
+                                        <p:tgtEl>
+                                          <p:spTgt spid="6"/>
+                                        </p:tgtEl>
+                                        <p:attrNameLst>
+                                          <p:attrName>style.visibility</p:attrName>
+                                        </p:attrNameLst>
+                                      </p:cBhvr>
+                                      <p:to>
+                                        <p:strVal val="visible"/>
+                                      </p:to>
+                                    </p:set>
+                                    <p:animEffect transition="in" filter="barn(inVertical)">
+                                      <p:cBhvr>
+                                        <p:cTn id="37" dur="500"/>
+                                        <p:tgtEl>
+                                          <p:spTgt spid="6"/>
                                         </p:tgtEl>
                                       </p:cBhvr>
                                     </p:animEffect>
@@ -5346,13 +5682,15 @@
       <p:bldP spid="2" grpId="0" animBg="1"/>
       <p:bldP spid="3" grpId="0" animBg="1"/>
       <p:bldP spid="5" grpId="0" animBg="1"/>
+      <p:bldP spid="4" grpId="0"/>
+      <p:bldP spid="6" grpId="0" animBg="1"/>
     </p:bldLst>
   </p:timing>
 </p:sld>
 </file>
 
 <file path=ppt/slides/slide14.xml><?xml version="1.0" encoding="utf-8"?>
-<p:sld xmlns:a="http://schemas.openxmlformats.org/drawingml/2006/main" xmlns:r="http://schemas.openxmlformats.org/officeDocument/2006/relationships" xmlns:p="http://schemas.openxmlformats.org/presentationml/2006/main">
+<p:sld xmlns:a="http://schemas.openxmlformats.org/drawingml/2006/main" xmlns:r="http://schemas.openxmlformats.org/officeDocument/2006/relationships" xmlns:p="http://schemas.openxmlformats.org/presentationml/2006/main" show="0">
   <p:cSld>
     <p:bg>
       <p:bgPr>
@@ -5745,184 +6083,39 @@
       </p:pic>
       <p:sp>
         <p:nvSpPr>
-          <p:cNvPr id="2" name="Rectangle 1">
+          <p:cNvPr id="4" name="TextBox 3">
             <a:extLst>
               <a:ext uri="{FF2B5EF4-FFF2-40B4-BE49-F238E27FC236}">
-                <a16:creationId xmlns:a16="http://schemas.microsoft.com/office/drawing/2014/main" id="{B9146B0F-596D-D3B4-F223-C98C7ED70615}"/>
+                <a16:creationId xmlns:a16="http://schemas.microsoft.com/office/drawing/2014/main" id="{B661AD45-4299-FACC-2D00-C63A5BF31ABA}"/>
               </a:ext>
             </a:extLst>
           </p:cNvPr>
-          <p:cNvSpPr/>
+          <p:cNvSpPr txBox="1"/>
           <p:nvPr/>
         </p:nvSpPr>
         <p:spPr>
           <a:xfrm>
-            <a:off x="2479040" y="2213208"/>
-            <a:ext cx="965200" cy="651912"/>
+            <a:off x="4894676" y="1990861"/>
+            <a:ext cx="6910259" cy="2554545"/>
           </a:xfrm>
           <a:prstGeom prst="rect">
             <a:avLst/>
           </a:prstGeom>
           <a:noFill/>
-          <a:ln w="3175">
-            <a:solidFill>
-              <a:schemeClr val="bg1">
-                <a:alpha val="49000"/>
-              </a:schemeClr>
-            </a:solidFill>
-          </a:ln>
-          <a:effectLst>
-            <a:glow rad="139700">
-              <a:srgbClr val="E490DC">
-                <a:alpha val="40000"/>
-              </a:srgbClr>
-            </a:glow>
-          </a:effectLst>
         </p:spPr>
-        <p:style>
-          <a:lnRef idx="2">
-            <a:schemeClr val="accent1">
-              <a:shade val="15000"/>
-            </a:schemeClr>
-          </a:lnRef>
-          <a:fillRef idx="1">
-            <a:schemeClr val="accent1"/>
-          </a:fillRef>
-          <a:effectRef idx="0">
-            <a:schemeClr val="accent1"/>
-          </a:effectRef>
-          <a:fontRef idx="minor">
-            <a:schemeClr val="lt1"/>
-          </a:fontRef>
-        </p:style>
-        <p:txBody>
-          <a:bodyPr rtlCol="0" anchor="ctr"/>
+        <p:txBody>
+          <a:bodyPr wrap="square" rtlCol="0">
+            <a:spAutoFit/>
+          </a:bodyPr>
           <a:lstStyle/>
           <a:p>
-            <a:pPr algn="ctr"/>
-            <a:endParaRPr lang="en-US"/>
-          </a:p>
-        </p:txBody>
-      </p:sp>
-      <p:sp>
-        <p:nvSpPr>
-          <p:cNvPr id="3" name="Rectangle 2">
-            <a:extLst>
-              <a:ext uri="{FF2B5EF4-FFF2-40B4-BE49-F238E27FC236}">
-                <a16:creationId xmlns:a16="http://schemas.microsoft.com/office/drawing/2014/main" id="{6D97D4D0-E97A-C9BF-A29B-D26D0E1DA46B}"/>
-              </a:ext>
-            </a:extLst>
-          </p:cNvPr>
-          <p:cNvSpPr/>
-          <p:nvPr/>
-        </p:nvSpPr>
-        <p:spPr>
-          <a:xfrm>
-            <a:off x="1624119" y="800232"/>
-            <a:ext cx="965200" cy="651912"/>
-          </a:xfrm>
-          <a:prstGeom prst="rect">
-            <a:avLst/>
-          </a:prstGeom>
-          <a:noFill/>
-          <a:ln w="3175">
-            <a:solidFill>
-              <a:schemeClr val="bg1">
-                <a:alpha val="49000"/>
-              </a:schemeClr>
-            </a:solidFill>
-          </a:ln>
-          <a:effectLst>
-            <a:glow rad="139700">
-              <a:srgbClr val="C00000">
-                <a:alpha val="40000"/>
-              </a:srgbClr>
-            </a:glow>
-          </a:effectLst>
-        </p:spPr>
-        <p:style>
-          <a:lnRef idx="2">
-            <a:schemeClr val="accent1">
-              <a:shade val="15000"/>
-            </a:schemeClr>
-          </a:lnRef>
-          <a:fillRef idx="1">
-            <a:schemeClr val="accent1"/>
-          </a:fillRef>
-          <a:effectRef idx="0">
-            <a:schemeClr val="accent1"/>
-          </a:effectRef>
-          <a:fontRef idx="minor">
-            <a:schemeClr val="lt1"/>
-          </a:fontRef>
-        </p:style>
-        <p:txBody>
-          <a:bodyPr rtlCol="0" anchor="ctr"/>
-          <a:lstStyle/>
-          <a:p>
-            <a:pPr algn="ctr"/>
-            <a:endParaRPr lang="en-US"/>
-          </a:p>
-        </p:txBody>
-      </p:sp>
-      <p:sp>
-        <p:nvSpPr>
-          <p:cNvPr id="5" name="Rectangle 4">
-            <a:extLst>
-              <a:ext uri="{FF2B5EF4-FFF2-40B4-BE49-F238E27FC236}">
-                <a16:creationId xmlns:a16="http://schemas.microsoft.com/office/drawing/2014/main" id="{4E24A02D-0C3B-E300-69F4-1BEBB4E1D6C1}"/>
-              </a:ext>
-            </a:extLst>
-          </p:cNvPr>
-          <p:cNvSpPr/>
-          <p:nvPr/>
-        </p:nvSpPr>
-        <p:spPr>
-          <a:xfrm>
-            <a:off x="5532954" y="2777088"/>
-            <a:ext cx="1406326" cy="1104032"/>
-          </a:xfrm>
-          <a:prstGeom prst="rect">
-            <a:avLst/>
-          </a:prstGeom>
-          <a:noFill/>
-          <a:ln w="3175">
-            <a:solidFill>
-              <a:schemeClr val="bg1">
-                <a:alpha val="49000"/>
-              </a:schemeClr>
-            </a:solidFill>
-          </a:ln>
-          <a:effectLst>
-            <a:glow rad="139700">
-              <a:srgbClr val="00B050">
-                <a:alpha val="40000"/>
-              </a:srgbClr>
-            </a:glow>
-          </a:effectLst>
-        </p:spPr>
-        <p:style>
-          <a:lnRef idx="2">
-            <a:schemeClr val="accent1">
-              <a:shade val="15000"/>
-            </a:schemeClr>
-          </a:lnRef>
-          <a:fillRef idx="1">
-            <a:schemeClr val="accent1"/>
-          </a:fillRef>
-          <a:effectRef idx="0">
-            <a:schemeClr val="accent1"/>
-          </a:effectRef>
-          <a:fontRef idx="minor">
-            <a:schemeClr val="lt1"/>
-          </a:fontRef>
-        </p:style>
-        <p:txBody>
-          <a:bodyPr rtlCol="0" anchor="ctr"/>
-          <a:lstStyle/>
-          <a:p>
-            <a:pPr algn="ctr"/>
-            <a:endParaRPr lang="en-US"/>
+            <a:r>
+              <a:rPr lang="en-US" sz="8000" dirty="0">
+                <a:latin typeface="Aharoni" panose="020F0502020204030204" pitchFamily="2" charset="-79"/>
+                <a:cs typeface="Aharoni" panose="020F0502020204030204" pitchFamily="2" charset="-79"/>
+              </a:rPr>
+              <a:t>Performance Metrics</a:t>
+            </a:r>
           </a:p>
         </p:txBody>
       </p:sp>
@@ -5948,6 +6141,9 @@
                     <p:cTn id="3" fill="hold">
                       <p:stCondLst>
                         <p:cond delay="indefinite"/>
+                        <p:cond evt="onBegin" delay="0">
+                          <p:tn val="2"/>
+                        </p:cond>
                       </p:stCondLst>
                       <p:childTnLst>
                         <p:par>
@@ -5957,28 +6153,37 @@
                             </p:stCondLst>
                             <p:childTnLst>
                               <p:par>
-                                <p:cTn id="5" presetID="26" presetClass="emph" presetSubtype="0" fill="hold" nodeType="clickEffect">
+                                <p:cTn id="5" presetID="10" presetClass="entr" presetSubtype="0" fill="hold" grpId="1" nodeType="withEffect">
                                   <p:stCondLst>
                                     <p:cond delay="0"/>
                                   </p:stCondLst>
                                   <p:childTnLst>
-                                    <p:animEffect transition="out" filter="fade">
-                                      <p:cBhvr>
-                                        <p:cTn id="6" dur="500" tmFilter="0, 0; .2, .5; .8, .5; 1, 0"/>
-                                        <p:tgtEl>
-                                          <p:spTgt spid="11"/>
+                                    <p:set>
+                                      <p:cBhvr>
+                                        <p:cTn id="6" dur="1" fill="hold">
+                                          <p:stCondLst>
+                                            <p:cond delay="0"/>
+                                          </p:stCondLst>
+                                        </p:cTn>
+                                        <p:tgtEl>
+                                          <p:spTgt spid="4"/>
+                                        </p:tgtEl>
+                                        <p:attrNameLst>
+                                          <p:attrName>style.visibility</p:attrName>
+                                        </p:attrNameLst>
+                                      </p:cBhvr>
+                                      <p:to>
+                                        <p:strVal val="visible"/>
+                                      </p:to>
+                                    </p:set>
+                                    <p:animEffect transition="in" filter="fade">
+                                      <p:cBhvr>
+                                        <p:cTn id="7" dur="500"/>
+                                        <p:tgtEl>
+                                          <p:spTgt spid="4"/>
                                         </p:tgtEl>
                                       </p:cBhvr>
                                     </p:animEffect>
-                                    <p:animScale>
-                                      <p:cBhvr>
-                                        <p:cTn id="7" dur="250" autoRev="1" fill="hold"/>
-                                        <p:tgtEl>
-                                          <p:spTgt spid="11"/>
-                                        </p:tgtEl>
-                                      </p:cBhvr>
-                                      <p:by x="105000" y="105000"/>
-                                    </p:animScale>
                                   </p:childTnLst>
                                 </p:cTn>
                               </p:par>
@@ -6001,20 +6206,55 @@
                             </p:stCondLst>
                             <p:childTnLst>
                               <p:par>
-                                <p:cTn id="10" presetID="1" presetClass="entr" presetSubtype="0" fill="hold" grpId="0" nodeType="clickEffect">
+                                <p:cTn id="10" presetID="10" presetClass="exit" presetSubtype="0" fill="hold" grpId="0" nodeType="clickEffect">
+                                  <p:stCondLst>
+                                    <p:cond delay="0"/>
+                                  </p:stCondLst>
+                                  <p:childTnLst>
+                                    <p:animEffect transition="out" filter="fade">
+                                      <p:cBhvr>
+                                        <p:cTn id="11" dur="500"/>
+                                        <p:tgtEl>
+                                          <p:spTgt spid="4"/>
+                                        </p:tgtEl>
+                                      </p:cBhvr>
+                                    </p:animEffect>
+                                    <p:set>
+                                      <p:cBhvr>
+                                        <p:cTn id="12" dur="1" fill="hold">
+                                          <p:stCondLst>
+                                            <p:cond delay="499"/>
+                                          </p:stCondLst>
+                                        </p:cTn>
+                                        <p:tgtEl>
+                                          <p:spTgt spid="4"/>
+                                        </p:tgtEl>
+                                        <p:attrNameLst>
+                                          <p:attrName>style.visibility</p:attrName>
+                                        </p:attrNameLst>
+                                      </p:cBhvr>
+                                      <p:to>
+                                        <p:strVal val="hidden"/>
+                                      </p:to>
+                                    </p:set>
+                                  </p:childTnLst>
+                                </p:cTn>
+                              </p:par>
+                              <p:par>
+                                <p:cTn id="13" presetID="10" presetClass="entr" presetSubtype="0" fill="hold" nodeType="withEffect">
                                   <p:stCondLst>
                                     <p:cond delay="0"/>
                                   </p:stCondLst>
                                   <p:childTnLst>
                                     <p:set>
                                       <p:cBhvr>
-                                        <p:cTn id="11" dur="1" fill="hold">
+                                        <p:cTn id="14" dur="1" fill="hold">
                                           <p:stCondLst>
                                             <p:cond delay="0"/>
                                           </p:stCondLst>
                                         </p:cTn>
                                         <p:tgtEl>
-                                          <p:spTgt spid="3"/>
+                                          <p:spTgt spid="11"/>
                                         </p:tgtEl>
                                         <p:attrNameLst>
                                           <p:attrName>style.visibility</p:attrName>
@@ -6024,6 +6264,84 @@
                                         <p:strVal val="visible"/>
                                       </p:to>
                                     </p:set>
+                                    <p:animEffect transition="in" filter="fade">
+                                      <p:cBhvr>
+                                        <p:cTn id="15" dur="500"/>
+                                        <p:tgtEl>
+                                          <p:spTgt spid="11"/>
+                                        </p:tgtEl>
+                                      </p:cBhvr>
+                                    </p:animEffect>
+                                  </p:childTnLst>
+                                </p:cTn>
+                              </p:par>
+                              <p:par>
+                                <p:cTn id="16" presetID="10" presetClass="entr" presetSubtype="0" fill="hold" nodeType="withEffect">
+                                  <p:stCondLst>
+                                    <p:cond delay="0"/>
+                                  </p:stCondLst>
+                                  <p:childTnLst>
+                                    <p:set>
+                                      <p:cBhvr>
+                                        <p:cTn id="17" dur="1" fill="hold">
+                                          <p:stCondLst>
+                                            <p:cond delay="0"/>
+                                          </p:stCondLst>
+                                        </p:cTn>
+                                        <p:tgtEl>
+                                          <p:spTgt spid="7"/>
+                                        </p:tgtEl>
+                                        <p:attrNameLst>
+                                          <p:attrName>style.visibility</p:attrName>
+                                        </p:attrNameLst>
+                                      </p:cBhvr>
+                                      <p:to>
+                                        <p:strVal val="visible"/>
+                                      </p:to>
+                                    </p:set>
+                                    <p:animEffect transition="in" filter="fade">
+                                      <p:cBhvr>
+                                        <p:cTn id="18" dur="500"/>
+                                        <p:tgtEl>
+                                          <p:spTgt spid="7"/>
+                                        </p:tgtEl>
+                                      </p:cBhvr>
+                                    </p:animEffect>
+                                  </p:childTnLst>
+                                </p:cTn>
+                              </p:par>
+                              <p:par>
+                                <p:cTn id="19" presetID="10" presetClass="entr" presetSubtype="0" fill="hold" nodeType="withEffect">
+                                  <p:stCondLst>
+                                    <p:cond delay="0"/>
+                                  </p:stCondLst>
+                                  <p:childTnLst>
+                                    <p:set>
+                                      <p:cBhvr>
+                                        <p:cTn id="20" dur="1" fill="hold">
+                                          <p:stCondLst>
+                                            <p:cond delay="0"/>
+                                          </p:stCondLst>
+                                        </p:cTn>
+                                        <p:tgtEl>
+                                          <p:spTgt spid="9"/>
+                                        </p:tgtEl>
+                                        <p:attrNameLst>
+                                          <p:attrName>style.visibility</p:attrName>
+                                        </p:attrNameLst>
+                                      </p:cBhvr>
+                                      <p:to>
+                                        <p:strVal val="visible"/>
+                                      </p:to>
+                                    </p:set>
+                                    <p:animEffect transition="in" filter="fade">
+                                      <p:cBhvr>
+                                        <p:cTn id="21" dur="500"/>
+                                        <p:tgtEl>
+                                          <p:spTgt spid="9"/>
+                                        </p:tgtEl>
+                                      </p:cBhvr>
+                                    </p:animEffect>
                                   </p:childTnLst>
                                 </p:cTn>
                               </p:par>
@@ -6034,81 +6352,36 @@
                     </p:cTn>
                   </p:par>
                   <p:par>
-                    <p:cTn id="12" fill="hold">
+                    <p:cTn id="22" fill="hold">
                       <p:stCondLst>
                         <p:cond delay="indefinite"/>
                       </p:stCondLst>
                       <p:childTnLst>
                         <p:par>
-                          <p:cTn id="13" fill="hold">
+                          <p:cTn id="23" fill="hold">
                             <p:stCondLst>
                               <p:cond delay="0"/>
                             </p:stCondLst>
                             <p:childTnLst>
                               <p:par>
-                                <p:cTn id="14" presetID="1" presetClass="entr" presetSubtype="0" fill="hold" grpId="0" nodeType="clickEffect">
-                                  <p:stCondLst>
-                                    <p:cond delay="0"/>
-                                  </p:stCondLst>
-                                  <p:childTnLst>
-                                    <p:set>
-                                      <p:cBhvr>
-                                        <p:cTn id="15" dur="1" fill="hold">
-                                          <p:stCondLst>
-                                            <p:cond delay="0"/>
-                                          </p:stCondLst>
-                                        </p:cTn>
-                                        <p:tgtEl>
-                                          <p:spTgt spid="2"/>
-                                        </p:tgtEl>
-                                        <p:attrNameLst>
-                                          <p:attrName>style.visibility</p:attrName>
-                                        </p:attrNameLst>
-                                      </p:cBhvr>
-                                      <p:to>
-                                        <p:strVal val="visible"/>
-                                      </p:to>
-                                    </p:set>
-                                  </p:childTnLst>
-                                </p:cTn>
-                              </p:par>
-                            </p:childTnLst>
-                          </p:cTn>
-                        </p:par>
-                      </p:childTnLst>
-                    </p:cTn>
-                  </p:par>
-                  <p:par>
-                    <p:cTn id="16" fill="hold">
-                      <p:stCondLst>
-                        <p:cond delay="indefinite"/>
-                      </p:stCondLst>
-                      <p:childTnLst>
-                        <p:par>
-                          <p:cTn id="17" fill="hold">
-                            <p:stCondLst>
-                              <p:cond delay="0"/>
-                            </p:stCondLst>
-                            <p:childTnLst>
-                              <p:par>
-                                <p:cTn id="18" presetID="26" presetClass="emph" presetSubtype="0" fill="hold" nodeType="clickEffect">
+                                <p:cTn id="24" presetID="26" presetClass="emph" presetSubtype="0" fill="hold" nodeType="clickEffect">
                                   <p:stCondLst>
                                     <p:cond delay="0"/>
                                   </p:stCondLst>
                                   <p:childTnLst>
                                     <p:animEffect transition="out" filter="fade">
                                       <p:cBhvr>
-                                        <p:cTn id="19" dur="500" tmFilter="0, 0; .2, .5; .8, .5; 1, 0"/>
-                                        <p:tgtEl>
-                                          <p:spTgt spid="7"/>
+                                        <p:cTn id="25" dur="500" tmFilter="0, 0; .2, .5; .8, .5; 1, 0"/>
+                                        <p:tgtEl>
+                                          <p:spTgt spid="11"/>
                                         </p:tgtEl>
                                       </p:cBhvr>
                                     </p:animEffect>
                                     <p:animScale>
                                       <p:cBhvr>
-                                        <p:cTn id="20" dur="250" autoRev="1" fill="hold"/>
-                                        <p:tgtEl>
-                                          <p:spTgt spid="7"/>
+                                        <p:cTn id="26" dur="250" autoRev="1" fill="hold"/>
+                                        <p:tgtEl>
+                                          <p:spTgt spid="11"/>
                                         </p:tgtEl>
                                       </p:cBhvr>
                                       <p:by x="105000" y="105000"/>
@@ -6123,36 +6396,36 @@
                     </p:cTn>
                   </p:par>
                   <p:par>
-                    <p:cTn id="21" fill="hold">
+                    <p:cTn id="27" fill="hold">
                       <p:stCondLst>
                         <p:cond delay="indefinite"/>
                       </p:stCondLst>
                       <p:childTnLst>
                         <p:par>
-                          <p:cTn id="22" fill="hold">
+                          <p:cTn id="28" fill="hold">
                             <p:stCondLst>
                               <p:cond delay="0"/>
                             </p:stCondLst>
                             <p:childTnLst>
                               <p:par>
-                                <p:cTn id="23" presetID="26" presetClass="emph" presetSubtype="0" fill="hold" nodeType="clickEffect">
+                                <p:cTn id="29" presetID="26" presetClass="emph" presetSubtype="0" fill="hold" nodeType="clickEffect">
                                   <p:stCondLst>
                                     <p:cond delay="0"/>
                                   </p:stCondLst>
                                   <p:childTnLst>
                                     <p:animEffect transition="out" filter="fade">
                                       <p:cBhvr>
-                                        <p:cTn id="24" dur="500" tmFilter="0, 0; .2, .5; .8, .5; 1, 0"/>
-                                        <p:tgtEl>
-                                          <p:spTgt spid="9"/>
+                                        <p:cTn id="30" dur="500" tmFilter="0, 0; .2, .5; .8, .5; 1, 0"/>
+                                        <p:tgtEl>
+                                          <p:spTgt spid="7"/>
                                         </p:tgtEl>
                                       </p:cBhvr>
                                     </p:animEffect>
                                     <p:animScale>
                                       <p:cBhvr>
-                                        <p:cTn id="25" dur="250" autoRev="1" fill="hold"/>
-                                        <p:tgtEl>
-                                          <p:spTgt spid="9"/>
+                                        <p:cTn id="31" dur="250" autoRev="1" fill="hold"/>
+                                        <p:tgtEl>
+                                          <p:spTgt spid="7"/>
                                         </p:tgtEl>
                                       </p:cBhvr>
                                       <p:by x="105000" y="105000"/>
@@ -6167,41 +6440,40 @@
                     </p:cTn>
                   </p:par>
                   <p:par>
-                    <p:cTn id="26" fill="hold">
+                    <p:cTn id="32" fill="hold">
                       <p:stCondLst>
                         <p:cond delay="indefinite"/>
                       </p:stCondLst>
                       <p:childTnLst>
                         <p:par>
-                          <p:cTn id="27" fill="hold">
+                          <p:cTn id="33" fill="hold">
                             <p:stCondLst>
                               <p:cond delay="0"/>
                             </p:stCondLst>
                             <p:childTnLst>
                               <p:par>
-                                <p:cTn id="28" presetID="1" presetClass="entr" presetSubtype="0" fill="hold" grpId="0" nodeType="clickEffect">
+                                <p:cTn id="34" presetID="26" presetClass="emph" presetSubtype="0" fill="hold" nodeType="clickEffect">
                                   <p:stCondLst>
                                     <p:cond delay="0"/>
                                   </p:stCondLst>
                                   <p:childTnLst>
-                                    <p:set>
-                                      <p:cBhvr>
-                                        <p:cTn id="29" dur="1" fill="hold">
-                                          <p:stCondLst>
-                                            <p:cond delay="0"/>
-                                          </p:stCondLst>
-                                        </p:cTn>
-                                        <p:tgtEl>
-                                          <p:spTgt spid="5"/>
-                                        </p:tgtEl>
-                                        <p:attrNameLst>
-                                          <p:attrName>style.visibility</p:attrName>
-                                        </p:attrNameLst>
-                                      </p:cBhvr>
-                                      <p:to>
-                                        <p:strVal val="visible"/>
-                                      </p:to>
-                                    </p:set>
+                                    <p:animEffect transition="out" filter="fade">
+                                      <p:cBhvr>
+                                        <p:cTn id="35" dur="500" tmFilter="0, 0; .2, .5; .8, .5; 1, 0"/>
+                                        <p:tgtEl>
+                                          <p:spTgt spid="9"/>
+                                        </p:tgtEl>
+                                      </p:cBhvr>
+                                    </p:animEffect>
+                                    <p:animScale>
+                                      <p:cBhvr>
+                                        <p:cTn id="36" dur="250" autoRev="1" fill="hold"/>
+                                        <p:tgtEl>
+                                          <p:spTgt spid="9"/>
+                                        </p:tgtEl>
+                                      </p:cBhvr>
+                                      <p:by x="105000" y="105000"/>
+                                    </p:animScale>
                                   </p:childTnLst>
                                 </p:cTn>
                               </p:par>
@@ -6233,9 +6505,8 @@
       </p:par>
     </p:tnLst>
     <p:bldLst>
-      <p:bldP spid="2" grpId="0" animBg="1"/>
-      <p:bldP spid="3" grpId="0" animBg="1"/>
-      <p:bldP spid="5" grpId="0" animBg="1"/>
+      <p:bldP spid="4" grpId="0"/>
+      <p:bldP spid="4" grpId="1"/>
     </p:bldLst>
   </p:timing>
 </p:sld>
@@ -6701,6 +6972,529 @@
       </p:grpSpPr>
       <p:sp>
         <p:nvSpPr>
+          <p:cNvPr id="10" name="Rectangle 9">
+            <a:extLst>
+              <a:ext uri="{FF2B5EF4-FFF2-40B4-BE49-F238E27FC236}">
+                <a16:creationId xmlns:a16="http://schemas.microsoft.com/office/drawing/2014/main" id="{32BC26D8-82FB-445E-AA49-62A77D7C1EE0}"/>
+              </a:ext>
+              <a:ext uri="{C183D7F6-B498-43B3-948B-1728B52AA6E4}">
+                <adec:decorative xmlns:adec="http://schemas.microsoft.com/office/drawing/2017/decorative" val="1"/>
+              </a:ext>
+            </a:extLst>
+          </p:cNvPr>
+          <p:cNvSpPr>
+            <a:spLocks noGrp="1" noRot="1" noChangeAspect="1" noMove="1" noResize="1" noEditPoints="1" noAdjustHandles="1" noChangeArrowheads="1" noChangeShapeType="1" noTextEdit="1"/>
+          </p:cNvSpPr>
+          <p:nvPr>
+            <p:extLst>
+              <p:ext uri="{386F3935-93C4-4BCD-93E2-E3B085C9AB24}">
+                <p16:designElem xmlns:p16="http://schemas.microsoft.com/office/powerpoint/2015/main" val="1"/>
+              </p:ext>
+            </p:extLst>
+          </p:nvPr>
+        </p:nvSpPr>
+        <p:spPr>
+          <a:xfrm>
+            <a:off x="0" y="0"/>
+            <a:ext cx="12192000" cy="6858000"/>
+          </a:xfrm>
+          <a:prstGeom prst="rect">
+            <a:avLst/>
+          </a:prstGeom>
+          <a:solidFill>
+            <a:srgbClr val="51323D"/>
+          </a:solidFill>
+          <a:ln>
+            <a:noFill/>
+          </a:ln>
+        </p:spPr>
+        <p:style>
+          <a:lnRef idx="2">
+            <a:schemeClr val="accent1">
+              <a:shade val="50000"/>
+            </a:schemeClr>
+          </a:lnRef>
+          <a:fillRef idx="1">
+            <a:schemeClr val="accent1"/>
+          </a:fillRef>
+          <a:effectRef idx="0">
+            <a:schemeClr val="accent1"/>
+          </a:effectRef>
+          <a:fontRef idx="minor">
+            <a:schemeClr val="lt1"/>
+          </a:fontRef>
+        </p:style>
+        <p:txBody>
+          <a:bodyPr rtlCol="0" anchor="ctr"/>
+          <a:lstStyle/>
+          <a:p>
+            <a:pPr algn="ctr"/>
+            <a:endParaRPr lang="en-US"/>
+          </a:p>
+        </p:txBody>
+      </p:sp>
+      <p:sp>
+        <p:nvSpPr>
+          <p:cNvPr id="12" name="Rectangle 11">
+            <a:extLst>
+              <a:ext uri="{FF2B5EF4-FFF2-40B4-BE49-F238E27FC236}">
+                <a16:creationId xmlns:a16="http://schemas.microsoft.com/office/drawing/2014/main" id="{CB44330D-EA18-4254-AA95-EB49948539B8}"/>
+              </a:ext>
+              <a:ext uri="{C183D7F6-B498-43B3-948B-1728B52AA6E4}">
+                <adec:decorative xmlns:adec="http://schemas.microsoft.com/office/drawing/2017/decorative" val="1"/>
+              </a:ext>
+            </a:extLst>
+          </p:cNvPr>
+          <p:cNvSpPr>
+            <a:spLocks noGrp="1" noRot="1" noChangeAspect="1" noMove="1" noResize="1" noEditPoints="1" noAdjustHandles="1" noChangeArrowheads="1" noChangeShapeType="1" noTextEdit="1"/>
+          </p:cNvSpPr>
+          <p:nvPr>
+            <p:extLst>
+              <p:ext uri="{386F3935-93C4-4BCD-93E2-E3B085C9AB24}">
+                <p16:designElem xmlns:p16="http://schemas.microsoft.com/office/powerpoint/2015/main" val="1"/>
+              </p:ext>
+            </p:extLst>
+          </p:nvPr>
+        </p:nvSpPr>
+        <p:spPr>
+          <a:xfrm>
+            <a:off x="477012" y="480060"/>
+            <a:ext cx="11237976" cy="5897880"/>
+          </a:xfrm>
+          <a:prstGeom prst="rect">
+            <a:avLst/>
+          </a:prstGeom>
+          <a:solidFill>
+            <a:srgbClr val="FFFFFF"/>
+          </a:solidFill>
+          <a:ln>
+            <a:noFill/>
+          </a:ln>
+        </p:spPr>
+        <p:style>
+          <a:lnRef idx="2">
+            <a:schemeClr val="accent1">
+              <a:shade val="50000"/>
+            </a:schemeClr>
+          </a:lnRef>
+          <a:fillRef idx="1">
+            <a:schemeClr val="accent1"/>
+          </a:fillRef>
+          <a:effectRef idx="0">
+            <a:schemeClr val="accent1"/>
+          </a:effectRef>
+          <a:fontRef idx="minor">
+            <a:schemeClr val="lt1"/>
+          </a:fontRef>
+        </p:style>
+        <p:txBody>
+          <a:bodyPr rtlCol="0" anchor="ctr"/>
+          <a:lstStyle/>
+          <a:p>
+            <a:pPr algn="ctr"/>
+            <a:endParaRPr lang="en-US"/>
+          </a:p>
+        </p:txBody>
+      </p:sp>
+      <p:pic>
+        <p:nvPicPr>
+          <p:cNvPr id="5" name="Picture 4">
+            <a:extLst>
+              <a:ext uri="{FF2B5EF4-FFF2-40B4-BE49-F238E27FC236}">
+                <a16:creationId xmlns:a16="http://schemas.microsoft.com/office/drawing/2014/main" id="{49A7359A-924A-69DF-D7A8-0CA6F4EF6155}"/>
+              </a:ext>
+            </a:extLst>
+          </p:cNvPr>
+          <p:cNvPicPr>
+            <a:picLocks noChangeAspect="1"/>
+          </p:cNvPicPr>
+          <p:nvPr/>
+        </p:nvPicPr>
+        <p:blipFill>
+          <a:blip r:embed="rId2">
+            <a:extLst>
+              <a:ext uri="{28A0092B-C50C-407E-A947-70E740481C1C}">
+                <a14:useLocalDpi xmlns:a14="http://schemas.microsoft.com/office/drawing/2010/main" val="0"/>
+              </a:ext>
+            </a:extLst>
+          </a:blip>
+          <a:stretch>
+            <a:fillRect/>
+          </a:stretch>
+        </p:blipFill>
+        <p:spPr>
+          <a:xfrm>
+            <a:off x="643467" y="675471"/>
+            <a:ext cx="10905066" cy="5507057"/>
+          </a:xfrm>
+          <a:prstGeom prst="rect">
+            <a:avLst/>
+          </a:prstGeom>
+        </p:spPr>
+      </p:pic>
+      <p:sp>
+        <p:nvSpPr>
+          <p:cNvPr id="13" name="Callout: Left Arrow 12">
+            <a:extLst>
+              <a:ext uri="{FF2B5EF4-FFF2-40B4-BE49-F238E27FC236}">
+                <a16:creationId xmlns:a16="http://schemas.microsoft.com/office/drawing/2014/main" id="{164E8342-8D8A-BC42-63C8-6157B0EFB90A}"/>
+              </a:ext>
+            </a:extLst>
+          </p:cNvPr>
+          <p:cNvSpPr/>
+          <p:nvPr/>
+        </p:nvSpPr>
+        <p:spPr>
+          <a:xfrm>
+            <a:off x="3332480" y="5189136"/>
+            <a:ext cx="1341120" cy="914400"/>
+          </a:xfrm>
+          <a:prstGeom prst="leftArrowCallout">
+            <a:avLst/>
+          </a:prstGeom>
+        </p:spPr>
+        <p:style>
+          <a:lnRef idx="0">
+            <a:schemeClr val="accent3"/>
+          </a:lnRef>
+          <a:fillRef idx="3">
+            <a:schemeClr val="accent3"/>
+          </a:fillRef>
+          <a:effectRef idx="3">
+            <a:schemeClr val="accent3"/>
+          </a:effectRef>
+          <a:fontRef idx="minor">
+            <a:schemeClr val="lt1"/>
+          </a:fontRef>
+        </p:style>
+        <p:txBody>
+          <a:bodyPr rtlCol="0" anchor="ctr"/>
+          <a:lstStyle/>
+          <a:p>
+            <a:pPr algn="ctr"/>
+            <a:r>
+              <a:rPr lang="en-US" dirty="0"/>
+              <a:t>81.6%</a:t>
+            </a:r>
+          </a:p>
+        </p:txBody>
+      </p:sp>
+      <p:sp>
+        <p:nvSpPr>
+          <p:cNvPr id="3" name="Callout: Left Arrow 2">
+            <a:extLst>
+              <a:ext uri="{FF2B5EF4-FFF2-40B4-BE49-F238E27FC236}">
+                <a16:creationId xmlns:a16="http://schemas.microsoft.com/office/drawing/2014/main" id="{E9FD7358-F221-1612-23D7-5958B1694315}"/>
+              </a:ext>
+            </a:extLst>
+          </p:cNvPr>
+          <p:cNvSpPr/>
+          <p:nvPr/>
+        </p:nvSpPr>
+        <p:spPr>
+          <a:xfrm>
+            <a:off x="3263499" y="2847144"/>
+            <a:ext cx="1341120" cy="914400"/>
+          </a:xfrm>
+          <a:prstGeom prst="leftArrowCallout">
+            <a:avLst/>
+          </a:prstGeom>
+        </p:spPr>
+        <p:style>
+          <a:lnRef idx="0">
+            <a:schemeClr val="accent3"/>
+          </a:lnRef>
+          <a:fillRef idx="3">
+            <a:schemeClr val="accent3"/>
+          </a:fillRef>
+          <a:effectRef idx="3">
+            <a:schemeClr val="accent3"/>
+          </a:effectRef>
+          <a:fontRef idx="minor">
+            <a:schemeClr val="lt1"/>
+          </a:fontRef>
+        </p:style>
+        <p:txBody>
+          <a:bodyPr rtlCol="0" anchor="ctr"/>
+          <a:lstStyle/>
+          <a:p>
+            <a:pPr algn="ctr"/>
+            <a:r>
+              <a:rPr lang="en-US" dirty="0"/>
+              <a:t>70/30</a:t>
+            </a:r>
+          </a:p>
+        </p:txBody>
+      </p:sp>
+    </p:spTree>
+    <p:extLst>
+      <p:ext uri="{BB962C8B-B14F-4D97-AF65-F5344CB8AC3E}">
+        <p14:creationId xmlns:p14="http://schemas.microsoft.com/office/powerpoint/2010/main" val="3044354952"/>
+      </p:ext>
+    </p:extLst>
+  </p:cSld>
+  <p:clrMapOvr>
+    <a:masterClrMapping/>
+  </p:clrMapOvr>
+  <p:timing>
+    <p:tnLst>
+      <p:par>
+        <p:cTn id="1" dur="indefinite" restart="never" nodeType="tmRoot">
+          <p:childTnLst>
+            <p:seq concurrent="1" nextAc="seek">
+              <p:cTn id="2" dur="indefinite" nodeType="mainSeq">
+                <p:childTnLst>
+                  <p:par>
+                    <p:cTn id="3" fill="hold">
+                      <p:stCondLst>
+                        <p:cond delay="indefinite"/>
+                      </p:stCondLst>
+                      <p:childTnLst>
+                        <p:par>
+                          <p:cTn id="4" fill="hold">
+                            <p:stCondLst>
+                              <p:cond delay="0"/>
+                            </p:stCondLst>
+                            <p:childTnLst>
+                              <p:par>
+                                <p:cTn id="5" presetID="10" presetClass="entr" presetSubtype="0" fill="hold" nodeType="clickEffect">
+                                  <p:stCondLst>
+                                    <p:cond delay="0"/>
+                                  </p:stCondLst>
+                                  <p:childTnLst>
+                                    <p:set>
+                                      <p:cBhvr>
+                                        <p:cTn id="6" dur="1" fill="hold">
+                                          <p:stCondLst>
+                                            <p:cond delay="0"/>
+                                          </p:stCondLst>
+                                        </p:cTn>
+                                        <p:tgtEl>
+                                          <p:spTgt spid="5"/>
+                                        </p:tgtEl>
+                                        <p:attrNameLst>
+                                          <p:attrName>style.visibility</p:attrName>
+                                        </p:attrNameLst>
+                                      </p:cBhvr>
+                                      <p:to>
+                                        <p:strVal val="visible"/>
+                                      </p:to>
+                                    </p:set>
+                                    <p:animEffect transition="in" filter="fade">
+                                      <p:cBhvr>
+                                        <p:cTn id="7" dur="500"/>
+                                        <p:tgtEl>
+                                          <p:spTgt spid="5"/>
+                                        </p:tgtEl>
+                                      </p:cBhvr>
+                                    </p:animEffect>
+                                  </p:childTnLst>
+                                </p:cTn>
+                              </p:par>
+                            </p:childTnLst>
+                          </p:cTn>
+                        </p:par>
+                      </p:childTnLst>
+                    </p:cTn>
+                  </p:par>
+                  <p:par>
+                    <p:cTn id="8" fill="hold">
+                      <p:stCondLst>
+                        <p:cond delay="indefinite"/>
+                      </p:stCondLst>
+                      <p:childTnLst>
+                        <p:par>
+                          <p:cTn id="9" fill="hold">
+                            <p:stCondLst>
+                              <p:cond delay="0"/>
+                            </p:stCondLst>
+                            <p:childTnLst>
+                              <p:par>
+                                <p:cTn id="10" presetID="10" presetClass="entr" presetSubtype="0" fill="hold" grpId="0" nodeType="clickEffect">
+                                  <p:stCondLst>
+                                    <p:cond delay="0"/>
+                                  </p:stCondLst>
+                                  <p:childTnLst>
+                                    <p:set>
+                                      <p:cBhvr>
+                                        <p:cTn id="11" dur="1" fill="hold">
+                                          <p:stCondLst>
+                                            <p:cond delay="0"/>
+                                          </p:stCondLst>
+                                        </p:cTn>
+                                        <p:tgtEl>
+                                          <p:spTgt spid="3"/>
+                                        </p:tgtEl>
+                                        <p:attrNameLst>
+                                          <p:attrName>style.visibility</p:attrName>
+                                        </p:attrNameLst>
+                                      </p:cBhvr>
+                                      <p:to>
+                                        <p:strVal val="visible"/>
+                                      </p:to>
+                                    </p:set>
+                                    <p:animEffect transition="in" filter="fade">
+                                      <p:cBhvr>
+                                        <p:cTn id="12" dur="500"/>
+                                        <p:tgtEl>
+                                          <p:spTgt spid="3"/>
+                                        </p:tgtEl>
+                                      </p:cBhvr>
+                                    </p:animEffect>
+                                  </p:childTnLst>
+                                </p:cTn>
+                              </p:par>
+                            </p:childTnLst>
+                          </p:cTn>
+                        </p:par>
+                      </p:childTnLst>
+                    </p:cTn>
+                  </p:par>
+                  <p:par>
+                    <p:cTn id="13" fill="hold">
+                      <p:stCondLst>
+                        <p:cond delay="indefinite"/>
+                      </p:stCondLst>
+                      <p:childTnLst>
+                        <p:par>
+                          <p:cTn id="14" fill="hold">
+                            <p:stCondLst>
+                              <p:cond delay="0"/>
+                            </p:stCondLst>
+                            <p:childTnLst>
+                              <p:par>
+                                <p:cTn id="15" presetID="10" presetClass="entr" presetSubtype="0" fill="hold" grpId="0" nodeType="clickEffect">
+                                  <p:stCondLst>
+                                    <p:cond delay="0"/>
+                                  </p:stCondLst>
+                                  <p:childTnLst>
+                                    <p:set>
+                                      <p:cBhvr>
+                                        <p:cTn id="16" dur="1" fill="hold">
+                                          <p:stCondLst>
+                                            <p:cond delay="0"/>
+                                          </p:stCondLst>
+                                        </p:cTn>
+                                        <p:tgtEl>
+                                          <p:spTgt spid="13"/>
+                                        </p:tgtEl>
+                                        <p:attrNameLst>
+                                          <p:attrName>style.visibility</p:attrName>
+                                        </p:attrNameLst>
+                                      </p:cBhvr>
+                                      <p:to>
+                                        <p:strVal val="visible"/>
+                                      </p:to>
+                                    </p:set>
+                                    <p:animEffect transition="in" filter="fade">
+                                      <p:cBhvr>
+                                        <p:cTn id="17" dur="500"/>
+                                        <p:tgtEl>
+                                          <p:spTgt spid="13"/>
+                                        </p:tgtEl>
+                                      </p:cBhvr>
+                                    </p:animEffect>
+                                  </p:childTnLst>
+                                </p:cTn>
+                              </p:par>
+                              <p:par>
+                                <p:cTn id="18" presetID="10" presetClass="exit" presetSubtype="0" fill="hold" grpId="1" nodeType="withEffect">
+                                  <p:stCondLst>
+                                    <p:cond delay="0"/>
+                                  </p:stCondLst>
+                                  <p:childTnLst>
+                                    <p:animEffect transition="out" filter="fade">
+                                      <p:cBhvr>
+                                        <p:cTn id="19" dur="500"/>
+                                        <p:tgtEl>
+                                          <p:spTgt spid="3"/>
+                                        </p:tgtEl>
+                                      </p:cBhvr>
+                                    </p:animEffect>
+                                    <p:set>
+                                      <p:cBhvr>
+                                        <p:cTn id="20" dur="1" fill="hold">
+                                          <p:stCondLst>
+                                            <p:cond delay="499"/>
+                                          </p:stCondLst>
+                                        </p:cTn>
+                                        <p:tgtEl>
+                                          <p:spTgt spid="3"/>
+                                        </p:tgtEl>
+                                        <p:attrNameLst>
+                                          <p:attrName>style.visibility</p:attrName>
+                                        </p:attrNameLst>
+                                      </p:cBhvr>
+                                      <p:to>
+                                        <p:strVal val="hidden"/>
+                                      </p:to>
+                                    </p:set>
+                                  </p:childTnLst>
+                                </p:cTn>
+                              </p:par>
+                            </p:childTnLst>
+                          </p:cTn>
+                        </p:par>
+                      </p:childTnLst>
+                    </p:cTn>
+                  </p:par>
+                </p:childTnLst>
+              </p:cTn>
+              <p:prevCondLst>
+                <p:cond evt="onPrev" delay="0">
+                  <p:tgtEl>
+                    <p:sldTgt/>
+                  </p:tgtEl>
+                </p:cond>
+              </p:prevCondLst>
+              <p:nextCondLst>
+                <p:cond evt="onNext" delay="0">
+                  <p:tgtEl>
+                    <p:sldTgt/>
+                  </p:tgtEl>
+                </p:cond>
+              </p:nextCondLst>
+            </p:seq>
+          </p:childTnLst>
+        </p:cTn>
+      </p:par>
+    </p:tnLst>
+    <p:bldLst>
+      <p:bldP spid="13" grpId="0" animBg="1"/>
+      <p:bldP spid="3" grpId="0" animBg="1"/>
+      <p:bldP spid="3" grpId="1" animBg="1"/>
+    </p:bldLst>
+  </p:timing>
+</p:sld>
+</file>
+
+<file path=ppt/slides/slide17.xml><?xml version="1.0" encoding="utf-8"?>
+<p:sld xmlns:a="http://schemas.openxmlformats.org/drawingml/2006/main" xmlns:r="http://schemas.openxmlformats.org/officeDocument/2006/relationships" xmlns:p="http://schemas.openxmlformats.org/presentationml/2006/main">
+  <p:cSld>
+    <p:bg>
+      <p:bgPr>
+        <a:solidFill>
+          <a:schemeClr val="bg1"/>
+        </a:solidFill>
+        <a:effectLst/>
+      </p:bgPr>
+    </p:bg>
+    <p:spTree>
+      <p:nvGrpSpPr>
+        <p:cNvPr id="1" name=""/>
+        <p:cNvGrpSpPr/>
+        <p:nvPr/>
+      </p:nvGrpSpPr>
+      <p:grpSpPr>
+        <a:xfrm>
+          <a:off x="0" y="0"/>
+          <a:ext cx="0" cy="0"/>
+          <a:chOff x="0" y="0"/>
+          <a:chExt cx="0" cy="0"/>
+        </a:xfrm>
+      </p:grpSpPr>
+      <p:sp>
+        <p:nvSpPr>
           <p:cNvPr id="16" name="Rectangle 15">
             <a:extLst>
               <a:ext uri="{FF2B5EF4-FFF2-40B4-BE49-F238E27FC236}">
@@ -6959,395 +7753,6 @@
         </p:cTn>
       </p:par>
     </p:tnLst>
-  </p:timing>
-</p:sld>
-</file>
-
-<file path=ppt/slides/slide17.xml><?xml version="1.0" encoding="utf-8"?>
-<p:sld xmlns:a="http://schemas.openxmlformats.org/drawingml/2006/main" xmlns:r="http://schemas.openxmlformats.org/officeDocument/2006/relationships" xmlns:p="http://schemas.openxmlformats.org/presentationml/2006/main">
-  <p:cSld>
-    <p:bg>
-      <p:bgPr>
-        <a:solidFill>
-          <a:schemeClr val="bg1"/>
-        </a:solidFill>
-        <a:effectLst/>
-      </p:bgPr>
-    </p:bg>
-    <p:spTree>
-      <p:nvGrpSpPr>
-        <p:cNvPr id="1" name=""/>
-        <p:cNvGrpSpPr/>
-        <p:nvPr/>
-      </p:nvGrpSpPr>
-      <p:grpSpPr>
-        <a:xfrm>
-          <a:off x="0" y="0"/>
-          <a:ext cx="0" cy="0"/>
-          <a:chOff x="0" y="0"/>
-          <a:chExt cx="0" cy="0"/>
-        </a:xfrm>
-      </p:grpSpPr>
-      <p:sp>
-        <p:nvSpPr>
-          <p:cNvPr id="10" name="Rectangle 9">
-            <a:extLst>
-              <a:ext uri="{FF2B5EF4-FFF2-40B4-BE49-F238E27FC236}">
-                <a16:creationId xmlns:a16="http://schemas.microsoft.com/office/drawing/2014/main" id="{32BC26D8-82FB-445E-AA49-62A77D7C1EE0}"/>
-              </a:ext>
-              <a:ext uri="{C183D7F6-B498-43B3-948B-1728B52AA6E4}">
-                <adec:decorative xmlns:adec="http://schemas.microsoft.com/office/drawing/2017/decorative" val="1"/>
-              </a:ext>
-            </a:extLst>
-          </p:cNvPr>
-          <p:cNvSpPr>
-            <a:spLocks noGrp="1" noRot="1" noChangeAspect="1" noMove="1" noResize="1" noEditPoints="1" noAdjustHandles="1" noChangeArrowheads="1" noChangeShapeType="1" noTextEdit="1"/>
-          </p:cNvSpPr>
-          <p:nvPr>
-            <p:extLst>
-              <p:ext uri="{386F3935-93C4-4BCD-93E2-E3B085C9AB24}">
-                <p16:designElem xmlns:p16="http://schemas.microsoft.com/office/powerpoint/2015/main" val="1"/>
-              </p:ext>
-            </p:extLst>
-          </p:nvPr>
-        </p:nvSpPr>
-        <p:spPr>
-          <a:xfrm>
-            <a:off x="0" y="0"/>
-            <a:ext cx="12192000" cy="6858000"/>
-          </a:xfrm>
-          <a:prstGeom prst="rect">
-            <a:avLst/>
-          </a:prstGeom>
-          <a:solidFill>
-            <a:srgbClr val="51323D"/>
-          </a:solidFill>
-          <a:ln>
-            <a:noFill/>
-          </a:ln>
-        </p:spPr>
-        <p:style>
-          <a:lnRef idx="2">
-            <a:schemeClr val="accent1">
-              <a:shade val="50000"/>
-            </a:schemeClr>
-          </a:lnRef>
-          <a:fillRef idx="1">
-            <a:schemeClr val="accent1"/>
-          </a:fillRef>
-          <a:effectRef idx="0">
-            <a:schemeClr val="accent1"/>
-          </a:effectRef>
-          <a:fontRef idx="minor">
-            <a:schemeClr val="lt1"/>
-          </a:fontRef>
-        </p:style>
-        <p:txBody>
-          <a:bodyPr rtlCol="0" anchor="ctr"/>
-          <a:lstStyle/>
-          <a:p>
-            <a:pPr algn="ctr"/>
-            <a:endParaRPr lang="en-US"/>
-          </a:p>
-        </p:txBody>
-      </p:sp>
-      <p:sp>
-        <p:nvSpPr>
-          <p:cNvPr id="12" name="Rectangle 11">
-            <a:extLst>
-              <a:ext uri="{FF2B5EF4-FFF2-40B4-BE49-F238E27FC236}">
-                <a16:creationId xmlns:a16="http://schemas.microsoft.com/office/drawing/2014/main" id="{CB44330D-EA18-4254-AA95-EB49948539B8}"/>
-              </a:ext>
-              <a:ext uri="{C183D7F6-B498-43B3-948B-1728B52AA6E4}">
-                <adec:decorative xmlns:adec="http://schemas.microsoft.com/office/drawing/2017/decorative" val="1"/>
-              </a:ext>
-            </a:extLst>
-          </p:cNvPr>
-          <p:cNvSpPr>
-            <a:spLocks noGrp="1" noRot="1" noChangeAspect="1" noMove="1" noResize="1" noEditPoints="1" noAdjustHandles="1" noChangeArrowheads="1" noChangeShapeType="1" noTextEdit="1"/>
-          </p:cNvSpPr>
-          <p:nvPr>
-            <p:extLst>
-              <p:ext uri="{386F3935-93C4-4BCD-93E2-E3B085C9AB24}">
-                <p16:designElem xmlns:p16="http://schemas.microsoft.com/office/powerpoint/2015/main" val="1"/>
-              </p:ext>
-            </p:extLst>
-          </p:nvPr>
-        </p:nvSpPr>
-        <p:spPr>
-          <a:xfrm>
-            <a:off x="477012" y="480060"/>
-            <a:ext cx="11237976" cy="5897880"/>
-          </a:xfrm>
-          <a:prstGeom prst="rect">
-            <a:avLst/>
-          </a:prstGeom>
-          <a:solidFill>
-            <a:srgbClr val="FFFFFF"/>
-          </a:solidFill>
-          <a:ln>
-            <a:noFill/>
-          </a:ln>
-        </p:spPr>
-        <p:style>
-          <a:lnRef idx="2">
-            <a:schemeClr val="accent1">
-              <a:shade val="50000"/>
-            </a:schemeClr>
-          </a:lnRef>
-          <a:fillRef idx="1">
-            <a:schemeClr val="accent1"/>
-          </a:fillRef>
-          <a:effectRef idx="0">
-            <a:schemeClr val="accent1"/>
-          </a:effectRef>
-          <a:fontRef idx="minor">
-            <a:schemeClr val="lt1"/>
-          </a:fontRef>
-        </p:style>
-        <p:txBody>
-          <a:bodyPr rtlCol="0" anchor="ctr"/>
-          <a:lstStyle/>
-          <a:p>
-            <a:pPr algn="ctr"/>
-            <a:endParaRPr lang="en-US"/>
-          </a:p>
-        </p:txBody>
-      </p:sp>
-      <p:pic>
-        <p:nvPicPr>
-          <p:cNvPr id="5" name="Picture 4">
-            <a:extLst>
-              <a:ext uri="{FF2B5EF4-FFF2-40B4-BE49-F238E27FC236}">
-                <a16:creationId xmlns:a16="http://schemas.microsoft.com/office/drawing/2014/main" id="{49A7359A-924A-69DF-D7A8-0CA6F4EF6155}"/>
-              </a:ext>
-            </a:extLst>
-          </p:cNvPr>
-          <p:cNvPicPr>
-            <a:picLocks noChangeAspect="1"/>
-          </p:cNvPicPr>
-          <p:nvPr/>
-        </p:nvPicPr>
-        <p:blipFill>
-          <a:blip r:embed="rId2">
-            <a:extLst>
-              <a:ext uri="{28A0092B-C50C-407E-A947-70E740481C1C}">
-                <a14:useLocalDpi xmlns:a14="http://schemas.microsoft.com/office/drawing/2010/main" val="0"/>
-              </a:ext>
-            </a:extLst>
-          </a:blip>
-          <a:stretch>
-            <a:fillRect/>
-          </a:stretch>
-        </p:blipFill>
-        <p:spPr>
-          <a:xfrm>
-            <a:off x="643467" y="675471"/>
-            <a:ext cx="10905066" cy="5507057"/>
-          </a:xfrm>
-          <a:prstGeom prst="rect">
-            <a:avLst/>
-          </a:prstGeom>
-        </p:spPr>
-      </p:pic>
-      <p:sp>
-        <p:nvSpPr>
-          <p:cNvPr id="13" name="Callout: Left Arrow 12">
-            <a:extLst>
-              <a:ext uri="{FF2B5EF4-FFF2-40B4-BE49-F238E27FC236}">
-                <a16:creationId xmlns:a16="http://schemas.microsoft.com/office/drawing/2014/main" id="{164E8342-8D8A-BC42-63C8-6157B0EFB90A}"/>
-              </a:ext>
-            </a:extLst>
-          </p:cNvPr>
-          <p:cNvSpPr/>
-          <p:nvPr/>
-        </p:nvSpPr>
-        <p:spPr>
-          <a:xfrm>
-            <a:off x="3332480" y="5189136"/>
-            <a:ext cx="1341120" cy="914400"/>
-          </a:xfrm>
-          <a:prstGeom prst="leftArrowCallout">
-            <a:avLst/>
-          </a:prstGeom>
-        </p:spPr>
-        <p:style>
-          <a:lnRef idx="0">
-            <a:schemeClr val="accent3"/>
-          </a:lnRef>
-          <a:fillRef idx="3">
-            <a:schemeClr val="accent3"/>
-          </a:fillRef>
-          <a:effectRef idx="3">
-            <a:schemeClr val="accent3"/>
-          </a:effectRef>
-          <a:fontRef idx="minor">
-            <a:schemeClr val="lt1"/>
-          </a:fontRef>
-        </p:style>
-        <p:txBody>
-          <a:bodyPr rtlCol="0" anchor="ctr"/>
-          <a:lstStyle/>
-          <a:p>
-            <a:pPr algn="ctr"/>
-            <a:r>
-              <a:rPr lang="en-US" dirty="0"/>
-              <a:t>81.6%</a:t>
-            </a:r>
-          </a:p>
-        </p:txBody>
-      </p:sp>
-    </p:spTree>
-    <p:extLst>
-      <p:ext uri="{BB962C8B-B14F-4D97-AF65-F5344CB8AC3E}">
-        <p14:creationId xmlns:p14="http://schemas.microsoft.com/office/powerpoint/2010/main" val="3044354952"/>
-      </p:ext>
-    </p:extLst>
-  </p:cSld>
-  <p:clrMapOvr>
-    <a:masterClrMapping/>
-  </p:clrMapOvr>
-  <p:timing>
-    <p:tnLst>
-      <p:par>
-        <p:cTn id="1" dur="indefinite" restart="never" nodeType="tmRoot">
-          <p:childTnLst>
-            <p:seq concurrent="1" nextAc="seek">
-              <p:cTn id="2" dur="indefinite" nodeType="mainSeq">
-                <p:childTnLst>
-                  <p:par>
-                    <p:cTn id="3" fill="hold">
-                      <p:stCondLst>
-                        <p:cond delay="indefinite"/>
-                        <p:cond evt="onBegin" delay="0">
-                          <p:tn val="2"/>
-                        </p:cond>
-                      </p:stCondLst>
-                      <p:childTnLst>
-                        <p:par>
-                          <p:cTn id="4" fill="hold">
-                            <p:stCondLst>
-                              <p:cond delay="0"/>
-                            </p:stCondLst>
-                            <p:childTnLst>
-                              <p:par>
-                                <p:cTn id="5" presetID="10" presetClass="entr" presetSubtype="0" fill="hold" nodeType="withEffect">
-                                  <p:stCondLst>
-                                    <p:cond delay="0"/>
-                                  </p:stCondLst>
-                                  <p:childTnLst>
-                                    <p:set>
-                                      <p:cBhvr>
-                                        <p:cTn id="6" dur="1" fill="hold">
-                                          <p:stCondLst>
-                                            <p:cond delay="0"/>
-                                          </p:stCondLst>
-                                        </p:cTn>
-                                        <p:tgtEl>
-                                          <p:spTgt spid="5"/>
-                                        </p:tgtEl>
-                                        <p:attrNameLst>
-                                          <p:attrName>style.visibility</p:attrName>
-                                        </p:attrNameLst>
-                                      </p:cBhvr>
-                                      <p:to>
-                                        <p:strVal val="visible"/>
-                                      </p:to>
-                                    </p:set>
-                                    <p:animEffect transition="in" filter="fade">
-                                      <p:cBhvr>
-                                        <p:cTn id="7" dur="500"/>
-                                        <p:tgtEl>
-                                          <p:spTgt spid="5"/>
-                                        </p:tgtEl>
-                                      </p:cBhvr>
-                                    </p:animEffect>
-                                  </p:childTnLst>
-                                </p:cTn>
-                              </p:par>
-                            </p:childTnLst>
-                          </p:cTn>
-                        </p:par>
-                      </p:childTnLst>
-                    </p:cTn>
-                  </p:par>
-                  <p:par>
-                    <p:cTn id="8" fill="hold">
-                      <p:stCondLst>
-                        <p:cond delay="indefinite"/>
-                      </p:stCondLst>
-                      <p:childTnLst>
-                        <p:par>
-                          <p:cTn id="9" fill="hold">
-                            <p:stCondLst>
-                              <p:cond delay="0"/>
-                            </p:stCondLst>
-                            <p:childTnLst>
-                              <p:par>
-                                <p:cTn id="10" presetID="10" presetClass="entr" presetSubtype="0" fill="hold" grpId="0" nodeType="clickEffect">
-                                  <p:stCondLst>
-                                    <p:cond delay="0"/>
-                                  </p:stCondLst>
-                                  <p:childTnLst>
-                                    <p:set>
-                                      <p:cBhvr>
-                                        <p:cTn id="11" dur="1" fill="hold">
-                                          <p:stCondLst>
-                                            <p:cond delay="0"/>
-                                          </p:stCondLst>
-                                        </p:cTn>
-                                        <p:tgtEl>
-                                          <p:spTgt spid="13"/>
-                                        </p:tgtEl>
-                                        <p:attrNameLst>
-                                          <p:attrName>style.visibility</p:attrName>
-                                        </p:attrNameLst>
-                                      </p:cBhvr>
-                                      <p:to>
-                                        <p:strVal val="visible"/>
-                                      </p:to>
-                                    </p:set>
-                                    <p:animEffect transition="in" filter="fade">
-                                      <p:cBhvr>
-                                        <p:cTn id="12" dur="500"/>
-                                        <p:tgtEl>
-                                          <p:spTgt spid="13"/>
-                                        </p:tgtEl>
-                                      </p:cBhvr>
-                                    </p:animEffect>
-                                  </p:childTnLst>
-                                </p:cTn>
-                              </p:par>
-                            </p:childTnLst>
-                          </p:cTn>
-                        </p:par>
-                      </p:childTnLst>
-                    </p:cTn>
-                  </p:par>
-                </p:childTnLst>
-              </p:cTn>
-              <p:prevCondLst>
-                <p:cond evt="onPrev" delay="0">
-                  <p:tgtEl>
-                    <p:sldTgt/>
-                  </p:tgtEl>
-                </p:cond>
-              </p:prevCondLst>
-              <p:nextCondLst>
-                <p:cond evt="onNext" delay="0">
-                  <p:tgtEl>
-                    <p:sldTgt/>
-                  </p:tgtEl>
-                </p:cond>
-              </p:nextCondLst>
-            </p:seq>
-          </p:childTnLst>
-        </p:cTn>
-      </p:par>
-    </p:tnLst>
-    <p:bldLst>
-      <p:bldP spid="13" grpId="0" animBg="1"/>
-    </p:bldLst>
   </p:timing>
 </p:sld>
 </file>
@@ -9216,7 +9621,7 @@
                   <a:srgbClr val="FFFFFF"/>
                 </a:solidFill>
               </a:rPr>
-              <a:t>Trends &amp; Observations</a:t>
+              <a:t>Company Snapshot</a:t>
             </a:r>
           </a:p>
         </p:txBody>
@@ -9256,7 +9661,7 @@
                   <a:srgbClr val="FFFFFF"/>
                 </a:solidFill>
               </a:rPr>
-              <a:t>Company Snapshot</a:t>
+              <a:t>Trends &amp; Observations</a:t>
             </a:r>
           </a:p>
         </p:txBody>
@@ -9434,6 +9839,427 @@
       </p:grpSpPr>
       <p:sp>
         <p:nvSpPr>
+          <p:cNvPr id="17" name="Rectangle 16">
+            <a:extLst>
+              <a:ext uri="{FF2B5EF4-FFF2-40B4-BE49-F238E27FC236}">
+                <a16:creationId xmlns:a16="http://schemas.microsoft.com/office/drawing/2014/main" id="{32BC26D8-82FB-445E-AA49-62A77D7C1EE0}"/>
+              </a:ext>
+              <a:ext uri="{C183D7F6-B498-43B3-948B-1728B52AA6E4}">
+                <adec:decorative xmlns:adec="http://schemas.microsoft.com/office/drawing/2017/decorative" val="1"/>
+              </a:ext>
+            </a:extLst>
+          </p:cNvPr>
+          <p:cNvSpPr>
+            <a:spLocks noGrp="1" noRot="1" noChangeAspect="1" noMove="1" noResize="1" noEditPoints="1" noAdjustHandles="1" noChangeArrowheads="1" noChangeShapeType="1" noTextEdit="1"/>
+          </p:cNvSpPr>
+          <p:nvPr>
+            <p:extLst>
+              <p:ext uri="{386F3935-93C4-4BCD-93E2-E3B085C9AB24}">
+                <p16:designElem xmlns:p16="http://schemas.microsoft.com/office/powerpoint/2015/main" val="1"/>
+              </p:ext>
+            </p:extLst>
+          </p:nvPr>
+        </p:nvSpPr>
+        <p:spPr>
+          <a:xfrm>
+            <a:off x="0" y="0"/>
+            <a:ext cx="12192000" cy="6858000"/>
+          </a:xfrm>
+          <a:prstGeom prst="rect">
+            <a:avLst/>
+          </a:prstGeom>
+          <a:solidFill>
+            <a:schemeClr val="tx1">
+              <a:lumMod val="65000"/>
+              <a:lumOff val="35000"/>
+            </a:schemeClr>
+          </a:solidFill>
+          <a:ln>
+            <a:noFill/>
+          </a:ln>
+        </p:spPr>
+        <p:style>
+          <a:lnRef idx="2">
+            <a:schemeClr val="accent1">
+              <a:shade val="50000"/>
+            </a:schemeClr>
+          </a:lnRef>
+          <a:fillRef idx="1">
+            <a:schemeClr val="accent1"/>
+          </a:fillRef>
+          <a:effectRef idx="0">
+            <a:schemeClr val="accent1"/>
+          </a:effectRef>
+          <a:fontRef idx="minor">
+            <a:schemeClr val="lt1"/>
+          </a:fontRef>
+        </p:style>
+        <p:txBody>
+          <a:bodyPr rtlCol="0" anchor="ctr"/>
+          <a:lstStyle/>
+          <a:p>
+            <a:pPr algn="ctr"/>
+            <a:endParaRPr lang="en-US"/>
+          </a:p>
+        </p:txBody>
+      </p:sp>
+      <p:sp>
+        <p:nvSpPr>
+          <p:cNvPr id="19" name="Rectangle 18">
+            <a:extLst>
+              <a:ext uri="{FF2B5EF4-FFF2-40B4-BE49-F238E27FC236}">
+                <a16:creationId xmlns:a16="http://schemas.microsoft.com/office/drawing/2014/main" id="{CB44330D-EA18-4254-AA95-EB49948539B8}"/>
+              </a:ext>
+              <a:ext uri="{C183D7F6-B498-43B3-948B-1728B52AA6E4}">
+                <adec:decorative xmlns:adec="http://schemas.microsoft.com/office/drawing/2017/decorative" val="1"/>
+              </a:ext>
+            </a:extLst>
+          </p:cNvPr>
+          <p:cNvSpPr>
+            <a:spLocks noGrp="1" noRot="1" noChangeAspect="1" noMove="1" noResize="1" noEditPoints="1" noAdjustHandles="1" noChangeArrowheads="1" noChangeShapeType="1" noTextEdit="1"/>
+          </p:cNvSpPr>
+          <p:nvPr>
+            <p:extLst>
+              <p:ext uri="{386F3935-93C4-4BCD-93E2-E3B085C9AB24}">
+                <p16:designElem xmlns:p16="http://schemas.microsoft.com/office/powerpoint/2015/main" val="1"/>
+              </p:ext>
+            </p:extLst>
+          </p:nvPr>
+        </p:nvSpPr>
+        <p:spPr>
+          <a:xfrm>
+            <a:off x="477012" y="480060"/>
+            <a:ext cx="11237976" cy="5897880"/>
+          </a:xfrm>
+          <a:prstGeom prst="rect">
+            <a:avLst/>
+          </a:prstGeom>
+          <a:solidFill>
+            <a:srgbClr val="FFFFFF"/>
+          </a:solidFill>
+          <a:ln>
+            <a:noFill/>
+          </a:ln>
+        </p:spPr>
+        <p:style>
+          <a:lnRef idx="2">
+            <a:schemeClr val="accent1">
+              <a:shade val="50000"/>
+            </a:schemeClr>
+          </a:lnRef>
+          <a:fillRef idx="1">
+            <a:schemeClr val="accent1"/>
+          </a:fillRef>
+          <a:effectRef idx="0">
+            <a:schemeClr val="accent1"/>
+          </a:effectRef>
+          <a:fontRef idx="minor">
+            <a:schemeClr val="lt1"/>
+          </a:fontRef>
+        </p:style>
+        <p:txBody>
+          <a:bodyPr rtlCol="0" anchor="ctr"/>
+          <a:lstStyle/>
+          <a:p>
+            <a:pPr algn="ctr"/>
+            <a:endParaRPr lang="en-US"/>
+          </a:p>
+        </p:txBody>
+      </p:sp>
+      <p:pic>
+        <p:nvPicPr>
+          <p:cNvPr id="5" name="Content Placeholder 4" descr="A graph of different colored bars&#10;&#10;Description automatically generated">
+            <a:extLst>
+              <a:ext uri="{FF2B5EF4-FFF2-40B4-BE49-F238E27FC236}">
+                <a16:creationId xmlns:a16="http://schemas.microsoft.com/office/drawing/2014/main" id="{01B0CB76-E3A4-ECD2-F6F8-9E3674E56A6A}"/>
+              </a:ext>
+            </a:extLst>
+          </p:cNvPr>
+          <p:cNvPicPr>
+            <a:picLocks noGrp="1" noChangeAspect="1"/>
+          </p:cNvPicPr>
+          <p:nvPr>
+            <p:ph idx="1"/>
+          </p:nvPr>
+        </p:nvPicPr>
+        <p:blipFill>
+          <a:blip r:embed="rId2">
+            <a:extLst>
+              <a:ext uri="{28A0092B-C50C-407E-A947-70E740481C1C}">
+                <a14:useLocalDpi xmlns:a14="http://schemas.microsoft.com/office/drawing/2010/main" val="0"/>
+              </a:ext>
+            </a:extLst>
+          </a:blip>
+          <a:stretch>
+            <a:fillRect/>
+          </a:stretch>
+        </p:blipFill>
+        <p:spPr>
+          <a:xfrm>
+            <a:off x="2672490" y="643467"/>
+            <a:ext cx="6847020" cy="5571066"/>
+          </a:xfrm>
+          <a:prstGeom prst="rect">
+            <a:avLst/>
+          </a:prstGeom>
+        </p:spPr>
+      </p:pic>
+      <p:sp>
+        <p:nvSpPr>
+          <p:cNvPr id="4" name="TextBox 3">
+            <a:extLst>
+              <a:ext uri="{FF2B5EF4-FFF2-40B4-BE49-F238E27FC236}">
+                <a16:creationId xmlns:a16="http://schemas.microsoft.com/office/drawing/2014/main" id="{EFDFB541-8570-3267-3D44-0A10CE56C922}"/>
+              </a:ext>
+            </a:extLst>
+          </p:cNvPr>
+          <p:cNvSpPr txBox="1"/>
+          <p:nvPr/>
+        </p:nvSpPr>
+        <p:spPr>
+          <a:xfrm>
+            <a:off x="3815080" y="2767280"/>
+            <a:ext cx="5954562" cy="2308324"/>
+          </a:xfrm>
+          <a:prstGeom prst="rect">
+            <a:avLst/>
+          </a:prstGeom>
+          <a:noFill/>
+        </p:spPr>
+        <p:txBody>
+          <a:bodyPr wrap="square" rtlCol="0">
+            <a:spAutoFit/>
+          </a:bodyPr>
+          <a:lstStyle/>
+          <a:p>
+            <a:r>
+              <a:rPr lang="en-US" sz="7200" dirty="0">
+                <a:latin typeface="Aharoni" panose="020F0502020204030204" pitchFamily="2" charset="-79"/>
+                <a:cs typeface="Aharoni" panose="020F0502020204030204" pitchFamily="2" charset="-79"/>
+              </a:rPr>
+              <a:t>Frequency  Distribution</a:t>
+            </a:r>
+          </a:p>
+        </p:txBody>
+      </p:sp>
+    </p:spTree>
+    <p:extLst>
+      <p:ext uri="{BB962C8B-B14F-4D97-AF65-F5344CB8AC3E}">
+        <p14:creationId xmlns:p14="http://schemas.microsoft.com/office/powerpoint/2010/main" val="1201429773"/>
+      </p:ext>
+    </p:extLst>
+  </p:cSld>
+  <p:clrMapOvr>
+    <a:masterClrMapping/>
+  </p:clrMapOvr>
+  <p:timing>
+    <p:tnLst>
+      <p:par>
+        <p:cTn id="1" dur="indefinite" restart="never" nodeType="tmRoot">
+          <p:childTnLst>
+            <p:seq concurrent="1" nextAc="seek">
+              <p:cTn id="2" dur="indefinite" nodeType="mainSeq">
+                <p:childTnLst>
+                  <p:par>
+                    <p:cTn id="3" fill="hold">
+                      <p:stCondLst>
+                        <p:cond delay="indefinite"/>
+                        <p:cond evt="onBegin" delay="0">
+                          <p:tn val="2"/>
+                        </p:cond>
+                      </p:stCondLst>
+                      <p:childTnLst>
+                        <p:par>
+                          <p:cTn id="4" fill="hold">
+                            <p:stCondLst>
+                              <p:cond delay="0"/>
+                            </p:stCondLst>
+                            <p:childTnLst>
+                              <p:par>
+                                <p:cTn id="5" presetID="10" presetClass="entr" presetSubtype="0" fill="hold" grpId="1" nodeType="withEffect">
+                                  <p:stCondLst>
+                                    <p:cond delay="0"/>
+                                  </p:stCondLst>
+                                  <p:childTnLst>
+                                    <p:set>
+                                      <p:cBhvr>
+                                        <p:cTn id="6" dur="1" fill="hold">
+                                          <p:stCondLst>
+                                            <p:cond delay="0"/>
+                                          </p:stCondLst>
+                                        </p:cTn>
+                                        <p:tgtEl>
+                                          <p:spTgt spid="4"/>
+                                        </p:tgtEl>
+                                        <p:attrNameLst>
+                                          <p:attrName>style.visibility</p:attrName>
+                                        </p:attrNameLst>
+                                      </p:cBhvr>
+                                      <p:to>
+                                        <p:strVal val="visible"/>
+                                      </p:to>
+                                    </p:set>
+                                    <p:animEffect transition="in" filter="fade">
+                                      <p:cBhvr>
+                                        <p:cTn id="7" dur="500"/>
+                                        <p:tgtEl>
+                                          <p:spTgt spid="4"/>
+                                        </p:tgtEl>
+                                      </p:cBhvr>
+                                    </p:animEffect>
+                                  </p:childTnLst>
+                                </p:cTn>
+                              </p:par>
+                            </p:childTnLst>
+                          </p:cTn>
+                        </p:par>
+                      </p:childTnLst>
+                    </p:cTn>
+                  </p:par>
+                  <p:par>
+                    <p:cTn id="8" fill="hold">
+                      <p:stCondLst>
+                        <p:cond delay="indefinite"/>
+                      </p:stCondLst>
+                      <p:childTnLst>
+                        <p:par>
+                          <p:cTn id="9" fill="hold">
+                            <p:stCondLst>
+                              <p:cond delay="0"/>
+                            </p:stCondLst>
+                            <p:childTnLst>
+                              <p:par>
+                                <p:cTn id="10" presetID="10" presetClass="entr" presetSubtype="0" fill="hold" nodeType="clickEffect">
+                                  <p:stCondLst>
+                                    <p:cond delay="0"/>
+                                  </p:stCondLst>
+                                  <p:childTnLst>
+                                    <p:set>
+                                      <p:cBhvr>
+                                        <p:cTn id="11" dur="1" fill="hold">
+                                          <p:stCondLst>
+                                            <p:cond delay="0"/>
+                                          </p:stCondLst>
+                                        </p:cTn>
+                                        <p:tgtEl>
+                                          <p:spTgt spid="5"/>
+                                        </p:tgtEl>
+                                        <p:attrNameLst>
+                                          <p:attrName>style.visibility</p:attrName>
+                                        </p:attrNameLst>
+                                      </p:cBhvr>
+                                      <p:to>
+                                        <p:strVal val="visible"/>
+                                      </p:to>
+                                    </p:set>
+                                    <p:animEffect transition="in" filter="fade">
+                                      <p:cBhvr>
+                                        <p:cTn id="12" dur="500"/>
+                                        <p:tgtEl>
+                                          <p:spTgt spid="5"/>
+                                        </p:tgtEl>
+                                      </p:cBhvr>
+                                    </p:animEffect>
+                                  </p:childTnLst>
+                                </p:cTn>
+                              </p:par>
+                              <p:par>
+                                <p:cTn id="13" presetID="10" presetClass="exit" presetSubtype="0" fill="hold" grpId="0" nodeType="withEffect">
+                                  <p:stCondLst>
+                                    <p:cond delay="0"/>
+                                  </p:stCondLst>
+                                  <p:childTnLst>
+                                    <p:animEffect transition="out" filter="fade">
+                                      <p:cBhvr>
+                                        <p:cTn id="14" dur="500"/>
+                                        <p:tgtEl>
+                                          <p:spTgt spid="4"/>
+                                        </p:tgtEl>
+                                      </p:cBhvr>
+                                    </p:animEffect>
+                                    <p:set>
+                                      <p:cBhvr>
+                                        <p:cTn id="15" dur="1" fill="hold">
+                                          <p:stCondLst>
+                                            <p:cond delay="499"/>
+                                          </p:stCondLst>
+                                        </p:cTn>
+                                        <p:tgtEl>
+                                          <p:spTgt spid="4"/>
+                                        </p:tgtEl>
+                                        <p:attrNameLst>
+                                          <p:attrName>style.visibility</p:attrName>
+                                        </p:attrNameLst>
+                                      </p:cBhvr>
+                                      <p:to>
+                                        <p:strVal val="hidden"/>
+                                      </p:to>
+                                    </p:set>
+                                  </p:childTnLst>
+                                </p:cTn>
+                              </p:par>
+                            </p:childTnLst>
+                          </p:cTn>
+                        </p:par>
+                      </p:childTnLst>
+                    </p:cTn>
+                  </p:par>
+                </p:childTnLst>
+              </p:cTn>
+              <p:prevCondLst>
+                <p:cond evt="onPrev" delay="0">
+                  <p:tgtEl>
+                    <p:sldTgt/>
+                  </p:tgtEl>
+                </p:cond>
+              </p:prevCondLst>
+              <p:nextCondLst>
+                <p:cond evt="onNext" delay="0">
+                  <p:tgtEl>
+                    <p:sldTgt/>
+                  </p:tgtEl>
+                </p:cond>
+              </p:nextCondLst>
+            </p:seq>
+          </p:childTnLst>
+        </p:cTn>
+      </p:par>
+    </p:tnLst>
+    <p:bldLst>
+      <p:bldP spid="4" grpId="0"/>
+      <p:bldP spid="4" grpId="1"/>
+    </p:bldLst>
+  </p:timing>
+</p:sld>
+</file>
+
+<file path=ppt/slides/slide5.xml><?xml version="1.0" encoding="utf-8"?>
+<p:sld xmlns:a="http://schemas.openxmlformats.org/drawingml/2006/main" xmlns:r="http://schemas.openxmlformats.org/officeDocument/2006/relationships" xmlns:p="http://schemas.openxmlformats.org/presentationml/2006/main">
+  <p:cSld>
+    <p:bg>
+      <p:bgPr>
+        <a:solidFill>
+          <a:schemeClr val="bg1"/>
+        </a:solidFill>
+        <a:effectLst/>
+      </p:bgPr>
+    </p:bg>
+    <p:spTree>
+      <p:nvGrpSpPr>
+        <p:cNvPr id="1" name=""/>
+        <p:cNvGrpSpPr/>
+        <p:nvPr/>
+      </p:nvGrpSpPr>
+      <p:grpSpPr>
+        <a:xfrm>
+          <a:off x="0" y="0"/>
+          <a:ext cx="0" cy="0"/>
+          <a:chOff x="0" y="0"/>
+          <a:chExt cx="0" cy="0"/>
+        </a:xfrm>
+      </p:grpSpPr>
+      <p:sp>
+        <p:nvSpPr>
           <p:cNvPr id="22" name="Rectangle 21">
             <a:extLst>
               <a:ext uri="{FF2B5EF4-FFF2-40B4-BE49-F238E27FC236}">
@@ -9801,187 +10627,39 @@
       </p:pic>
       <p:sp>
         <p:nvSpPr>
-          <p:cNvPr id="2" name="Rectangle 1">
+          <p:cNvPr id="8" name="TextBox 7">
             <a:extLst>
               <a:ext uri="{FF2B5EF4-FFF2-40B4-BE49-F238E27FC236}">
-                <a16:creationId xmlns:a16="http://schemas.microsoft.com/office/drawing/2014/main" id="{101FB3FE-8399-073A-CCDB-68F8EE3057B9}"/>
+                <a16:creationId xmlns:a16="http://schemas.microsoft.com/office/drawing/2014/main" id="{B2132C47-0FAB-D996-EC79-EF342E810CD3}"/>
               </a:ext>
             </a:extLst>
           </p:cNvPr>
-          <p:cNvSpPr/>
+          <p:cNvSpPr txBox="1"/>
           <p:nvPr/>
         </p:nvSpPr>
         <p:spPr>
           <a:xfrm>
-            <a:off x="7782560" y="2346960"/>
-            <a:ext cx="741680" cy="1767839"/>
+            <a:off x="5114463" y="3268134"/>
+            <a:ext cx="4561840" cy="2123658"/>
           </a:xfrm>
           <a:prstGeom prst="rect">
             <a:avLst/>
           </a:prstGeom>
           <a:noFill/>
-          <a:ln w="3175">
-            <a:solidFill>
-              <a:schemeClr val="bg1">
-                <a:alpha val="49000"/>
-              </a:schemeClr>
-            </a:solidFill>
-          </a:ln>
-          <a:effectLst>
-            <a:glow rad="139700">
-              <a:schemeClr val="accent6">
-                <a:satMod val="175000"/>
-                <a:alpha val="40000"/>
-              </a:schemeClr>
-            </a:glow>
-          </a:effectLst>
         </p:spPr>
-        <p:style>
-          <a:lnRef idx="2">
-            <a:schemeClr val="accent1">
-              <a:shade val="15000"/>
-            </a:schemeClr>
-          </a:lnRef>
-          <a:fillRef idx="1">
-            <a:schemeClr val="accent1"/>
-          </a:fillRef>
-          <a:effectRef idx="0">
-            <a:schemeClr val="accent1"/>
-          </a:effectRef>
-          <a:fontRef idx="minor">
-            <a:schemeClr val="lt1"/>
-          </a:fontRef>
-        </p:style>
-        <p:txBody>
-          <a:bodyPr rtlCol="0" anchor="ctr"/>
+        <p:txBody>
+          <a:bodyPr wrap="square" rtlCol="0">
+            <a:spAutoFit/>
+          </a:bodyPr>
           <a:lstStyle/>
           <a:p>
-            <a:pPr algn="ctr"/>
-            <a:endParaRPr lang="en-US"/>
-          </a:p>
-        </p:txBody>
-      </p:sp>
-      <p:sp>
-        <p:nvSpPr>
-          <p:cNvPr id="4" name="Rectangle 3">
-            <a:extLst>
-              <a:ext uri="{FF2B5EF4-FFF2-40B4-BE49-F238E27FC236}">
-                <a16:creationId xmlns:a16="http://schemas.microsoft.com/office/drawing/2014/main" id="{38660DC2-AEF6-17C2-4A7E-B0D78A5E3D16}"/>
-              </a:ext>
-            </a:extLst>
-          </p:cNvPr>
-          <p:cNvSpPr/>
-          <p:nvPr/>
-        </p:nvSpPr>
-        <p:spPr>
-          <a:xfrm>
-            <a:off x="1066800" y="5262880"/>
-            <a:ext cx="467360" cy="522989"/>
-          </a:xfrm>
-          <a:prstGeom prst="rect">
-            <a:avLst/>
-          </a:prstGeom>
-          <a:noFill/>
-          <a:ln w="3175">
-            <a:solidFill>
-              <a:schemeClr val="bg1">
-                <a:alpha val="49000"/>
-              </a:schemeClr>
-            </a:solidFill>
-          </a:ln>
-          <a:effectLst>
-            <a:glow rad="101600">
-              <a:schemeClr val="accent2">
-                <a:satMod val="175000"/>
-                <a:alpha val="40000"/>
-              </a:schemeClr>
-            </a:glow>
-          </a:effectLst>
-        </p:spPr>
-        <p:style>
-          <a:lnRef idx="2">
-            <a:schemeClr val="accent1">
-              <a:shade val="15000"/>
-            </a:schemeClr>
-          </a:lnRef>
-          <a:fillRef idx="1">
-            <a:schemeClr val="accent1"/>
-          </a:fillRef>
-          <a:effectRef idx="0">
-            <a:schemeClr val="accent1"/>
-          </a:effectRef>
-          <a:fontRef idx="minor">
-            <a:schemeClr val="lt1"/>
-          </a:fontRef>
-        </p:style>
-        <p:txBody>
-          <a:bodyPr rtlCol="0" anchor="ctr"/>
-          <a:lstStyle/>
-          <a:p>
-            <a:pPr algn="ctr"/>
-            <a:endParaRPr lang="en-US"/>
-          </a:p>
-        </p:txBody>
-      </p:sp>
-      <p:sp>
-        <p:nvSpPr>
-          <p:cNvPr id="6" name="Rectangle 5">
-            <a:extLst>
-              <a:ext uri="{FF2B5EF4-FFF2-40B4-BE49-F238E27FC236}">
-                <a16:creationId xmlns:a16="http://schemas.microsoft.com/office/drawing/2014/main" id="{147EE21F-FF4C-3047-4E29-F253AD76815A}"/>
-              </a:ext>
-            </a:extLst>
-          </p:cNvPr>
-          <p:cNvSpPr/>
-          <p:nvPr/>
-        </p:nvSpPr>
-        <p:spPr>
-          <a:xfrm>
-            <a:off x="2702560" y="1737360"/>
-            <a:ext cx="467360" cy="522989"/>
-          </a:xfrm>
-          <a:prstGeom prst="rect">
-            <a:avLst/>
-          </a:prstGeom>
-          <a:noFill/>
-          <a:ln w="3175">
-            <a:solidFill>
-              <a:schemeClr val="bg1">
-                <a:alpha val="49000"/>
-              </a:schemeClr>
-            </a:solidFill>
-          </a:ln>
-          <a:effectLst>
-            <a:glow rad="101600">
-              <a:schemeClr val="accent5">
-                <a:satMod val="175000"/>
-                <a:alpha val="40000"/>
-              </a:schemeClr>
-            </a:glow>
-          </a:effectLst>
-        </p:spPr>
-        <p:style>
-          <a:lnRef idx="2">
-            <a:schemeClr val="accent1">
-              <a:shade val="15000"/>
-            </a:schemeClr>
-          </a:lnRef>
-          <a:fillRef idx="1">
-            <a:schemeClr val="accent1"/>
-          </a:fillRef>
-          <a:effectRef idx="0">
-            <a:schemeClr val="accent1"/>
-          </a:effectRef>
-          <a:fontRef idx="minor">
-            <a:schemeClr val="lt1"/>
-          </a:fontRef>
-        </p:style>
-        <p:txBody>
-          <a:bodyPr rtlCol="0" anchor="ctr"/>
-          <a:lstStyle/>
-          <a:p>
-            <a:pPr algn="ctr"/>
-            <a:endParaRPr lang="en-US"/>
+            <a:r>
+              <a:rPr lang="en-US" sz="6600" dirty="0">
+                <a:latin typeface="Aharoni" panose="020F0502020204030204" pitchFamily="2" charset="-79"/>
+                <a:cs typeface="Aharoni" panose="020F0502020204030204" pitchFamily="2" charset="-79"/>
+              </a:rPr>
+              <a:t>Range and Variability</a:t>
+            </a:r>
           </a:p>
         </p:txBody>
       </p:sp>
@@ -10016,64 +10694,55 @@
                             </p:stCondLst>
                             <p:childTnLst>
                               <p:par>
-                                <p:cTn id="5" presetID="26" presetClass="emph" presetSubtype="0" fill="hold" nodeType="clickEffect">
+                                <p:cTn id="5" presetID="10" presetClass="exit" presetSubtype="0" fill="hold" grpId="0" nodeType="clickEffect">
                                   <p:stCondLst>
                                     <p:cond delay="0"/>
                                   </p:stCondLst>
                                   <p:childTnLst>
                                     <p:animEffect transition="out" filter="fade">
                                       <p:cBhvr>
-                                        <p:cTn id="6" dur="500" tmFilter="0, 0; .2, .5; .8, .5; 1, 0"/>
-                                        <p:tgtEl>
-                                          <p:spTgt spid="5"/>
+                                        <p:cTn id="6" dur="500"/>
+                                        <p:tgtEl>
+                                          <p:spTgt spid="8"/>
                                         </p:tgtEl>
                                       </p:cBhvr>
                                     </p:animEffect>
-                                    <p:animScale>
-                                      <p:cBhvr>
-                                        <p:cTn id="7" dur="250" autoRev="1" fill="hold"/>
-                                        <p:tgtEl>
-                                          <p:spTgt spid="5"/>
-                                        </p:tgtEl>
-                                      </p:cBhvr>
-                                      <p:by x="105000" y="105000"/>
-                                    </p:animScale>
+                                    <p:set>
+                                      <p:cBhvr>
+                                        <p:cTn id="7" dur="1" fill="hold">
+                                          <p:stCondLst>
+                                            <p:cond delay="499"/>
+                                          </p:stCondLst>
+                                        </p:cTn>
+                                        <p:tgtEl>
+                                          <p:spTgt spid="8"/>
+                                        </p:tgtEl>
+                                        <p:attrNameLst>
+                                          <p:attrName>style.visibility</p:attrName>
+                                        </p:attrNameLst>
+                                      </p:cBhvr>
+                                      <p:to>
+                                        <p:strVal val="hidden"/>
+                                      </p:to>
+                                    </p:set>
                                   </p:childTnLst>
                                 </p:cTn>
                               </p:par>
-                            </p:childTnLst>
-                          </p:cTn>
-                        </p:par>
-                      </p:childTnLst>
-                    </p:cTn>
-                  </p:par>
-                  <p:par>
-                    <p:cTn id="8" fill="hold">
-                      <p:stCondLst>
-                        <p:cond delay="indefinite"/>
-                      </p:stCondLst>
-                      <p:childTnLst>
-                        <p:par>
-                          <p:cTn id="9" fill="hold">
-                            <p:stCondLst>
-                              <p:cond delay="0"/>
-                            </p:stCondLst>
-                            <p:childTnLst>
                               <p:par>
-                                <p:cTn id="10" presetID="1" presetClass="entr" presetSubtype="0" fill="hold" grpId="0" nodeType="clickEffect">
+                                <p:cTn id="8" presetID="10" presetClass="entr" presetSubtype="0" fill="hold" nodeType="withEffect">
                                   <p:stCondLst>
                                     <p:cond delay="0"/>
                                   </p:stCondLst>
                                   <p:childTnLst>
                                     <p:set>
                                       <p:cBhvr>
-                                        <p:cTn id="11" dur="1" fill="hold">
+                                        <p:cTn id="9" dur="1" fill="hold">
                                           <p:stCondLst>
                                             <p:cond delay="0"/>
                                           </p:stCondLst>
                                         </p:cTn>
                                         <p:tgtEl>
-                                          <p:spTgt spid="6"/>
+                                          <p:spTgt spid="5"/>
                                         </p:tgtEl>
                                         <p:attrNameLst>
                                           <p:attrName>style.visibility</p:attrName>
@@ -10083,50 +10752,84 @@
                                         <p:strVal val="visible"/>
                                       </p:to>
                                     </p:set>
+                                    <p:animEffect transition="in" filter="fade">
+                                      <p:cBhvr>
+                                        <p:cTn id="10" dur="500"/>
+                                        <p:tgtEl>
+                                          <p:spTgt spid="5"/>
+                                        </p:tgtEl>
+                                      </p:cBhvr>
+                                    </p:animEffect>
                                   </p:childTnLst>
                                 </p:cTn>
                               </p:par>
-                            </p:childTnLst>
-                          </p:cTn>
-                        </p:par>
-                      </p:childTnLst>
-                    </p:cTn>
-                  </p:par>
-                  <p:par>
-                    <p:cTn id="12" fill="hold">
-                      <p:stCondLst>
-                        <p:cond delay="indefinite"/>
-                      </p:stCondLst>
-                      <p:childTnLst>
-                        <p:par>
-                          <p:cTn id="13" fill="hold">
-                            <p:stCondLst>
-                              <p:cond delay="0"/>
-                            </p:stCondLst>
-                            <p:childTnLst>
                               <p:par>
-                                <p:cTn id="14" presetID="26" presetClass="emph" presetSubtype="0" fill="hold" nodeType="clickEffect">
+                                <p:cTn id="11" presetID="10" presetClass="entr" presetSubtype="0" fill="hold" nodeType="withEffect">
                                   <p:stCondLst>
                                     <p:cond delay="0"/>
                                   </p:stCondLst>
                                   <p:childTnLst>
-                                    <p:animEffect transition="out" filter="fade">
-                                      <p:cBhvr>
-                                        <p:cTn id="15" dur="500" tmFilter="0, 0; .2, .5; .8, .5; 1, 0"/>
+                                    <p:set>
+                                      <p:cBhvr>
+                                        <p:cTn id="12" dur="1" fill="hold">
+                                          <p:stCondLst>
+                                            <p:cond delay="0"/>
+                                          </p:stCondLst>
+                                        </p:cTn>
                                         <p:tgtEl>
                                           <p:spTgt spid="9"/>
                                         </p:tgtEl>
+                                        <p:attrNameLst>
+                                          <p:attrName>style.visibility</p:attrName>
+                                        </p:attrNameLst>
+                                      </p:cBhvr>
+                                      <p:to>
+                                        <p:strVal val="visible"/>
+                                      </p:to>
+                                    </p:set>
+                                    <p:animEffect transition="in" filter="fade">
+                                      <p:cBhvr>
+                                        <p:cTn id="13" dur="500"/>
+                                        <p:tgtEl>
+                                          <p:spTgt spid="9"/>
+                                        </p:tgtEl>
                                       </p:cBhvr>
                                     </p:animEffect>
-                                    <p:animScale>
-                                      <p:cBhvr>
-                                        <p:cTn id="16" dur="250" autoRev="1" fill="hold"/>
-                                        <p:tgtEl>
-                                          <p:spTgt spid="9"/>
-                                        </p:tgtEl>
-                                      </p:cBhvr>
-                                      <p:by x="105000" y="105000"/>
-                                    </p:animScale>
+                                  </p:childTnLst>
+                                </p:cTn>
+                              </p:par>
+                              <p:par>
+                                <p:cTn id="14" presetID="10" presetClass="entr" presetSubtype="0" fill="hold" nodeType="withEffect">
+                                  <p:stCondLst>
+                                    <p:cond delay="0"/>
+                                  </p:stCondLst>
+                                  <p:childTnLst>
+                                    <p:set>
+                                      <p:cBhvr>
+                                        <p:cTn id="15" dur="1" fill="hold">
+                                          <p:stCondLst>
+                                            <p:cond delay="0"/>
+                                          </p:stCondLst>
+                                        </p:cTn>
+                                        <p:tgtEl>
+                                          <p:spTgt spid="7"/>
+                                        </p:tgtEl>
+                                        <p:attrNameLst>
+                                          <p:attrName>style.visibility</p:attrName>
+                                        </p:attrNameLst>
+                                      </p:cBhvr>
+                                      <p:to>
+                                        <p:strVal val="visible"/>
+                                      </p:to>
+                                    </p:set>
+                                    <p:animEffect transition="in" filter="fade">
+                                      <p:cBhvr>
+                                        <p:cTn id="16" dur="500"/>
+                                        <p:tgtEl>
+                                          <p:spTgt spid="7"/>
+                                        </p:tgtEl>
+                                      </p:cBhvr>
+                                    </p:animEffect>
                                   </p:childTnLst>
                                 </p:cTn>
                               </p:par>
@@ -10149,69 +10852,24 @@
                             </p:stCondLst>
                             <p:childTnLst>
                               <p:par>
-                                <p:cTn id="19" presetID="1" presetClass="entr" presetSubtype="0" fill="hold" grpId="0" nodeType="clickEffect">
-                                  <p:stCondLst>
-                                    <p:cond delay="0"/>
-                                  </p:stCondLst>
-                                  <p:childTnLst>
-                                    <p:set>
-                                      <p:cBhvr>
-                                        <p:cTn id="20" dur="1" fill="hold">
-                                          <p:stCondLst>
-                                            <p:cond delay="0"/>
-                                          </p:stCondLst>
-                                        </p:cTn>
-                                        <p:tgtEl>
-                                          <p:spTgt spid="4"/>
-                                        </p:tgtEl>
-                                        <p:attrNameLst>
-                                          <p:attrName>style.visibility</p:attrName>
-                                        </p:attrNameLst>
-                                      </p:cBhvr>
-                                      <p:to>
-                                        <p:strVal val="visible"/>
-                                      </p:to>
-                                    </p:set>
-                                  </p:childTnLst>
-                                </p:cTn>
-                              </p:par>
-                            </p:childTnLst>
-                          </p:cTn>
-                        </p:par>
-                      </p:childTnLst>
-                    </p:cTn>
-                  </p:par>
-                  <p:par>
-                    <p:cTn id="21" fill="hold">
-                      <p:stCondLst>
-                        <p:cond delay="indefinite"/>
-                      </p:stCondLst>
-                      <p:childTnLst>
-                        <p:par>
-                          <p:cTn id="22" fill="hold">
-                            <p:stCondLst>
-                              <p:cond delay="0"/>
-                            </p:stCondLst>
-                            <p:childTnLst>
-                              <p:par>
-                                <p:cTn id="23" presetID="26" presetClass="emph" presetSubtype="0" fill="hold" nodeType="clickEffect">
+                                <p:cTn id="19" presetID="26" presetClass="emph" presetSubtype="0" fill="hold" nodeType="clickEffect">
                                   <p:stCondLst>
                                     <p:cond delay="0"/>
                                   </p:stCondLst>
                                   <p:childTnLst>
                                     <p:animEffect transition="out" filter="fade">
                                       <p:cBhvr>
-                                        <p:cTn id="24" dur="500" tmFilter="0, 0; .2, .5; .8, .5; 1, 0"/>
-                                        <p:tgtEl>
-                                          <p:spTgt spid="7"/>
+                                        <p:cTn id="20" dur="500" tmFilter="0, 0; .2, .5; .8, .5; 1, 0"/>
+                                        <p:tgtEl>
+                                          <p:spTgt spid="5"/>
                                         </p:tgtEl>
                                       </p:cBhvr>
                                     </p:animEffect>
                                     <p:animScale>
                                       <p:cBhvr>
-                                        <p:cTn id="25" dur="250" autoRev="1" fill="hold"/>
-                                        <p:tgtEl>
-                                          <p:spTgt spid="7"/>
+                                        <p:cTn id="21" dur="250" autoRev="1" fill="hold"/>
+                                        <p:tgtEl>
+                                          <p:spTgt spid="5"/>
                                         </p:tgtEl>
                                       </p:cBhvr>
                                       <p:by x="105000" y="105000"/>
@@ -10226,41 +10884,84 @@
                     </p:cTn>
                   </p:par>
                   <p:par>
-                    <p:cTn id="26" fill="hold">
+                    <p:cTn id="22" fill="hold">
                       <p:stCondLst>
                         <p:cond delay="indefinite"/>
                       </p:stCondLst>
                       <p:childTnLst>
                         <p:par>
-                          <p:cTn id="27" fill="hold">
+                          <p:cTn id="23" fill="hold">
                             <p:stCondLst>
                               <p:cond delay="0"/>
                             </p:stCondLst>
                             <p:childTnLst>
                               <p:par>
-                                <p:cTn id="28" presetID="1" presetClass="entr" presetSubtype="0" fill="hold" grpId="0" nodeType="clickEffect">
+                                <p:cTn id="24" presetID="26" presetClass="emph" presetSubtype="0" fill="hold" nodeType="clickEffect">
                                   <p:stCondLst>
                                     <p:cond delay="0"/>
                                   </p:stCondLst>
                                   <p:childTnLst>
-                                    <p:set>
-                                      <p:cBhvr>
-                                        <p:cTn id="29" dur="1" fill="hold">
-                                          <p:stCondLst>
-                                            <p:cond delay="0"/>
-                                          </p:stCondLst>
-                                        </p:cTn>
-                                        <p:tgtEl>
-                                          <p:spTgt spid="2"/>
-                                        </p:tgtEl>
-                                        <p:attrNameLst>
-                                          <p:attrName>style.visibility</p:attrName>
-                                        </p:attrNameLst>
-                                      </p:cBhvr>
-                                      <p:to>
-                                        <p:strVal val="visible"/>
-                                      </p:to>
-                                    </p:set>
+                                    <p:animEffect transition="out" filter="fade">
+                                      <p:cBhvr>
+                                        <p:cTn id="25" dur="500" tmFilter="0, 0; .2, .5; .8, .5; 1, 0"/>
+                                        <p:tgtEl>
+                                          <p:spTgt spid="9"/>
+                                        </p:tgtEl>
+                                      </p:cBhvr>
+                                    </p:animEffect>
+                                    <p:animScale>
+                                      <p:cBhvr>
+                                        <p:cTn id="26" dur="250" autoRev="1" fill="hold"/>
+                                        <p:tgtEl>
+                                          <p:spTgt spid="9"/>
+                                        </p:tgtEl>
+                                      </p:cBhvr>
+                                      <p:by x="105000" y="105000"/>
+                                    </p:animScale>
+                                  </p:childTnLst>
+                                </p:cTn>
+                              </p:par>
+                            </p:childTnLst>
+                          </p:cTn>
+                        </p:par>
+                      </p:childTnLst>
+                    </p:cTn>
+                  </p:par>
+                  <p:par>
+                    <p:cTn id="27" fill="hold">
+                      <p:stCondLst>
+                        <p:cond delay="indefinite"/>
+                      </p:stCondLst>
+                      <p:childTnLst>
+                        <p:par>
+                          <p:cTn id="28" fill="hold">
+                            <p:stCondLst>
+                              <p:cond delay="0"/>
+                            </p:stCondLst>
+                            <p:childTnLst>
+                              <p:par>
+                                <p:cTn id="29" presetID="26" presetClass="emph" presetSubtype="0" fill="hold" nodeType="clickEffect">
+                                  <p:stCondLst>
+                                    <p:cond delay="0"/>
+                                  </p:stCondLst>
+                                  <p:childTnLst>
+                                    <p:animEffect transition="out" filter="fade">
+                                      <p:cBhvr>
+                                        <p:cTn id="30" dur="500" tmFilter="0, 0; .2, .5; .8, .5; 1, 0"/>
+                                        <p:tgtEl>
+                                          <p:spTgt spid="7"/>
+                                        </p:tgtEl>
+                                      </p:cBhvr>
+                                    </p:animEffect>
+                                    <p:animScale>
+                                      <p:cBhvr>
+                                        <p:cTn id="31" dur="250" autoRev="1" fill="hold"/>
+                                        <p:tgtEl>
+                                          <p:spTgt spid="7"/>
+                                        </p:tgtEl>
+                                      </p:cBhvr>
+                                      <p:by x="105000" y="105000"/>
+                                    </p:animScale>
                                   </p:childTnLst>
                                 </p:cTn>
                               </p:par>
@@ -10292,15 +10993,13 @@
       </p:par>
     </p:tnLst>
     <p:bldLst>
-      <p:bldP spid="2" grpId="0" animBg="1"/>
-      <p:bldP spid="4" grpId="0" animBg="1"/>
-      <p:bldP spid="6" grpId="0" animBg="1"/>
+      <p:bldP spid="8" grpId="0"/>
     </p:bldLst>
   </p:timing>
 </p:sld>
 </file>
 
-<file path=ppt/slides/slide5.xml><?xml version="1.0" encoding="utf-8"?>
+<file path=ppt/slides/slide6.xml><?xml version="1.0" encoding="utf-8"?>
 <p:sld xmlns:a="http://schemas.openxmlformats.org/drawingml/2006/main" xmlns:r="http://schemas.openxmlformats.org/officeDocument/2006/relationships" xmlns:p="http://schemas.openxmlformats.org/presentationml/2006/main">
   <p:cSld>
     <p:bg>
@@ -10739,7 +11438,7 @@
 </p:sld>
 </file>
 
-<file path=ppt/slides/slide6.xml><?xml version="1.0" encoding="utf-8"?>
+<file path=ppt/slides/slide7.xml><?xml version="1.0" encoding="utf-8"?>
 <p:sld xmlns:a="http://schemas.openxmlformats.org/drawingml/2006/main" xmlns:r="http://schemas.openxmlformats.org/officeDocument/2006/relationships" xmlns:p="http://schemas.openxmlformats.org/presentationml/2006/main">
   <p:cSld>
     <p:bg>
@@ -10766,7 +11465,557 @@
       </p:grpSpPr>
       <p:sp>
         <p:nvSpPr>
-          <p:cNvPr id="17" name="Rectangle 16">
+          <p:cNvPr id="34" name="Rectangle 33">
+            <a:extLst>
+              <a:ext uri="{FF2B5EF4-FFF2-40B4-BE49-F238E27FC236}">
+                <a16:creationId xmlns:a16="http://schemas.microsoft.com/office/drawing/2014/main" id="{5F9CFCE6-877F-4858-B8BD-2C52CA8AFBC4}"/>
+              </a:ext>
+              <a:ext uri="{C183D7F6-B498-43B3-948B-1728B52AA6E4}">
+                <adec:decorative xmlns:adec="http://schemas.microsoft.com/office/drawing/2017/decorative" val="1"/>
+              </a:ext>
+            </a:extLst>
+          </p:cNvPr>
+          <p:cNvSpPr>
+            <a:spLocks noGrp="1" noRot="1" noChangeAspect="1" noMove="1" noResize="1" noEditPoints="1" noAdjustHandles="1" noChangeArrowheads="1" noChangeShapeType="1" noTextEdit="1"/>
+          </p:cNvSpPr>
+          <p:nvPr>
+            <p:extLst>
+              <p:ext uri="{386F3935-93C4-4BCD-93E2-E3B085C9AB24}">
+                <p16:designElem xmlns:p16="http://schemas.microsoft.com/office/powerpoint/2015/main" val="1"/>
+              </p:ext>
+            </p:extLst>
+          </p:nvPr>
+        </p:nvSpPr>
+        <p:spPr>
+          <a:xfrm>
+            <a:off x="0" y="0"/>
+            <a:ext cx="12192000" cy="6858000"/>
+          </a:xfrm>
+          <a:prstGeom prst="rect">
+            <a:avLst/>
+          </a:prstGeom>
+          <a:solidFill>
+            <a:srgbClr val="4E4E4E"/>
+          </a:solidFill>
+          <a:ln>
+            <a:noFill/>
+          </a:ln>
+        </p:spPr>
+        <p:style>
+          <a:lnRef idx="2">
+            <a:schemeClr val="accent1">
+              <a:shade val="50000"/>
+            </a:schemeClr>
+          </a:lnRef>
+          <a:fillRef idx="1">
+            <a:schemeClr val="accent1"/>
+          </a:fillRef>
+          <a:effectRef idx="0">
+            <a:schemeClr val="accent1"/>
+          </a:effectRef>
+          <a:fontRef idx="minor">
+            <a:schemeClr val="lt1"/>
+          </a:fontRef>
+        </p:style>
+        <p:txBody>
+          <a:bodyPr rtlCol="0" anchor="ctr"/>
+          <a:lstStyle/>
+          <a:p>
+            <a:pPr algn="ctr"/>
+            <a:endParaRPr lang="en-US"/>
+          </a:p>
+        </p:txBody>
+      </p:sp>
+      <p:sp>
+        <p:nvSpPr>
+          <p:cNvPr id="36" name="Rectangle 35">
+            <a:extLst>
+              <a:ext uri="{FF2B5EF4-FFF2-40B4-BE49-F238E27FC236}">
+                <a16:creationId xmlns:a16="http://schemas.microsoft.com/office/drawing/2014/main" id="{8213F8A0-12AE-4514-8372-0DD766EC28EE}"/>
+              </a:ext>
+              <a:ext uri="{C183D7F6-B498-43B3-948B-1728B52AA6E4}">
+                <adec:decorative xmlns:adec="http://schemas.microsoft.com/office/drawing/2017/decorative" val="1"/>
+              </a:ext>
+            </a:extLst>
+          </p:cNvPr>
+          <p:cNvSpPr>
+            <a:spLocks noGrp="1" noRot="1" noChangeAspect="1" noMove="1" noResize="1" noEditPoints="1" noAdjustHandles="1" noChangeArrowheads="1" noChangeShapeType="1" noTextEdit="1"/>
+          </p:cNvSpPr>
+          <p:nvPr>
+            <p:extLst>
+              <p:ext uri="{386F3935-93C4-4BCD-93E2-E3B085C9AB24}">
+                <p16:designElem xmlns:p16="http://schemas.microsoft.com/office/powerpoint/2015/main" val="1"/>
+              </p:ext>
+            </p:extLst>
+          </p:nvPr>
+        </p:nvSpPr>
+        <p:spPr>
+          <a:xfrm>
+            <a:off x="6256866" y="480060"/>
+            <a:ext cx="5458122" cy="5897880"/>
+          </a:xfrm>
+          <a:prstGeom prst="rect">
+            <a:avLst/>
+          </a:prstGeom>
+          <a:solidFill>
+            <a:srgbClr val="FFFFFF"/>
+          </a:solidFill>
+          <a:ln>
+            <a:noFill/>
+          </a:ln>
+        </p:spPr>
+        <p:style>
+          <a:lnRef idx="2">
+            <a:schemeClr val="accent1">
+              <a:shade val="50000"/>
+            </a:schemeClr>
+          </a:lnRef>
+          <a:fillRef idx="1">
+            <a:schemeClr val="accent1"/>
+          </a:fillRef>
+          <a:effectRef idx="0">
+            <a:schemeClr val="accent1"/>
+          </a:effectRef>
+          <a:fontRef idx="minor">
+            <a:schemeClr val="lt1"/>
+          </a:fontRef>
+        </p:style>
+        <p:txBody>
+          <a:bodyPr rtlCol="0" anchor="ctr"/>
+          <a:lstStyle/>
+          <a:p>
+            <a:pPr algn="ctr"/>
+            <a:endParaRPr lang="en-US"/>
+          </a:p>
+        </p:txBody>
+      </p:sp>
+      <p:sp>
+        <p:nvSpPr>
+          <p:cNvPr id="38" name="Rectangle 37">
+            <a:extLst>
+              <a:ext uri="{FF2B5EF4-FFF2-40B4-BE49-F238E27FC236}">
+                <a16:creationId xmlns:a16="http://schemas.microsoft.com/office/drawing/2014/main" id="{9EFF17D4-9A8C-4CE5-B096-D8CCD4400437}"/>
+              </a:ext>
+              <a:ext uri="{C183D7F6-B498-43B3-948B-1728B52AA6E4}">
+                <adec:decorative xmlns:adec="http://schemas.microsoft.com/office/drawing/2017/decorative" val="1"/>
+              </a:ext>
+            </a:extLst>
+          </p:cNvPr>
+          <p:cNvSpPr>
+            <a:spLocks noGrp="1" noRot="1" noChangeAspect="1" noMove="1" noResize="1" noEditPoints="1" noAdjustHandles="1" noChangeArrowheads="1" noChangeShapeType="1" noTextEdit="1"/>
+          </p:cNvSpPr>
+          <p:nvPr>
+            <p:extLst>
+              <p:ext uri="{386F3935-93C4-4BCD-93E2-E3B085C9AB24}">
+                <p16:designElem xmlns:p16="http://schemas.microsoft.com/office/powerpoint/2015/main" val="1"/>
+              </p:ext>
+            </p:extLst>
+          </p:nvPr>
+        </p:nvSpPr>
+        <p:spPr>
+          <a:xfrm>
+            <a:off x="477012" y="480060"/>
+            <a:ext cx="5458121" cy="5897880"/>
+          </a:xfrm>
+          <a:prstGeom prst="rect">
+            <a:avLst/>
+          </a:prstGeom>
+          <a:solidFill>
+            <a:srgbClr val="FFFFFF"/>
+          </a:solidFill>
+          <a:ln>
+            <a:noFill/>
+          </a:ln>
+        </p:spPr>
+        <p:style>
+          <a:lnRef idx="2">
+            <a:schemeClr val="accent1">
+              <a:shade val="50000"/>
+            </a:schemeClr>
+          </a:lnRef>
+          <a:fillRef idx="1">
+            <a:schemeClr val="accent1"/>
+          </a:fillRef>
+          <a:effectRef idx="0">
+            <a:schemeClr val="accent1"/>
+          </a:effectRef>
+          <a:fontRef idx="minor">
+            <a:schemeClr val="lt1"/>
+          </a:fontRef>
+        </p:style>
+        <p:txBody>
+          <a:bodyPr rtlCol="0" anchor="ctr"/>
+          <a:lstStyle/>
+          <a:p>
+            <a:pPr algn="ctr"/>
+            <a:endParaRPr lang="en-US"/>
+          </a:p>
+        </p:txBody>
+      </p:sp>
+      <p:pic>
+        <p:nvPicPr>
+          <p:cNvPr id="10" name="Content Placeholder 9" descr="A graph of different colored squares&#10;&#10;Description automatically generated">
+            <a:extLst>
+              <a:ext uri="{FF2B5EF4-FFF2-40B4-BE49-F238E27FC236}">
+                <a16:creationId xmlns:a16="http://schemas.microsoft.com/office/drawing/2014/main" id="{DABEF7FA-459A-1981-5F19-7A96095120DB}"/>
+              </a:ext>
+            </a:extLst>
+          </p:cNvPr>
+          <p:cNvPicPr>
+            <a:picLocks noChangeAspect="1"/>
+          </p:cNvPicPr>
+          <p:nvPr/>
+        </p:nvPicPr>
+        <p:blipFill>
+          <a:blip r:embed="rId2">
+            <a:extLst>
+              <a:ext uri="{28A0092B-C50C-407E-A947-70E740481C1C}">
+                <a14:useLocalDpi xmlns:a14="http://schemas.microsoft.com/office/drawing/2010/main" val="0"/>
+              </a:ext>
+            </a:extLst>
+          </a:blip>
+          <a:stretch>
+            <a:fillRect/>
+          </a:stretch>
+        </p:blipFill>
+        <p:spPr>
+          <a:xfrm>
+            <a:off x="6421036" y="1954710"/>
+            <a:ext cx="5129784" cy="3167640"/>
+          </a:xfrm>
+          <a:prstGeom prst="rect">
+            <a:avLst/>
+          </a:prstGeom>
+        </p:spPr>
+      </p:pic>
+      <p:pic>
+        <p:nvPicPr>
+          <p:cNvPr id="8" name="Content Placeholder 7" descr="A graph with colorful boxes&#10;&#10;Description automatically generated with medium confidence">
+            <a:extLst>
+              <a:ext uri="{FF2B5EF4-FFF2-40B4-BE49-F238E27FC236}">
+                <a16:creationId xmlns:a16="http://schemas.microsoft.com/office/drawing/2014/main" id="{CDB7B753-45A9-EB16-72A9-E4A2BC13B832}"/>
+              </a:ext>
+            </a:extLst>
+          </p:cNvPr>
+          <p:cNvPicPr>
+            <a:picLocks noChangeAspect="1"/>
+          </p:cNvPicPr>
+          <p:nvPr/>
+        </p:nvPicPr>
+        <p:blipFill>
+          <a:blip r:embed="rId3">
+            <a:extLst>
+              <a:ext uri="{28A0092B-C50C-407E-A947-70E740481C1C}">
+                <a14:useLocalDpi xmlns:a14="http://schemas.microsoft.com/office/drawing/2010/main" val="0"/>
+              </a:ext>
+            </a:extLst>
+          </a:blip>
+          <a:stretch>
+            <a:fillRect/>
+          </a:stretch>
+        </p:blipFill>
+        <p:spPr>
+          <a:xfrm>
+            <a:off x="641180" y="1954710"/>
+            <a:ext cx="5129784" cy="3167640"/>
+          </a:xfrm>
+          <a:prstGeom prst="rect">
+            <a:avLst/>
+          </a:prstGeom>
+        </p:spPr>
+      </p:pic>
+      <p:sp>
+        <p:nvSpPr>
+          <p:cNvPr id="2" name="TextBox 1">
+            <a:extLst>
+              <a:ext uri="{FF2B5EF4-FFF2-40B4-BE49-F238E27FC236}">
+                <a16:creationId xmlns:a16="http://schemas.microsoft.com/office/drawing/2014/main" id="{CD9A00DD-0C90-7C27-1137-B82CFDAA309E}"/>
+              </a:ext>
+            </a:extLst>
+          </p:cNvPr>
+          <p:cNvSpPr txBox="1"/>
+          <p:nvPr/>
+        </p:nvSpPr>
+        <p:spPr>
+          <a:xfrm>
+            <a:off x="618997" y="1706030"/>
+            <a:ext cx="5174149" cy="2308324"/>
+          </a:xfrm>
+          <a:prstGeom prst="rect">
+            <a:avLst/>
+          </a:prstGeom>
+          <a:noFill/>
+        </p:spPr>
+        <p:txBody>
+          <a:bodyPr wrap="square" rtlCol="0">
+            <a:spAutoFit/>
+          </a:bodyPr>
+          <a:lstStyle/>
+          <a:p>
+            <a:r>
+              <a:rPr lang="en-US" sz="7200" dirty="0">
+                <a:latin typeface="Aharoni" panose="020F0502020204030204" pitchFamily="2" charset="-79"/>
+                <a:cs typeface="Aharoni" panose="020F0502020204030204" pitchFamily="2" charset="-79"/>
+              </a:rPr>
+              <a:t>Age and Tenure</a:t>
+            </a:r>
+          </a:p>
+        </p:txBody>
+      </p:sp>
+    </p:spTree>
+    <p:extLst>
+      <p:ext uri="{BB962C8B-B14F-4D97-AF65-F5344CB8AC3E}">
+        <p14:creationId xmlns:p14="http://schemas.microsoft.com/office/powerpoint/2010/main" val="2346076013"/>
+      </p:ext>
+    </p:extLst>
+  </p:cSld>
+  <p:clrMapOvr>
+    <a:masterClrMapping/>
+  </p:clrMapOvr>
+  <p:timing>
+    <p:tnLst>
+      <p:par>
+        <p:cTn id="1" dur="indefinite" restart="never" nodeType="tmRoot">
+          <p:childTnLst>
+            <p:seq concurrent="1" nextAc="seek">
+              <p:cTn id="2" dur="indefinite" nodeType="mainSeq">
+                <p:childTnLst>
+                  <p:par>
+                    <p:cTn id="3" fill="hold">
+                      <p:stCondLst>
+                        <p:cond delay="indefinite"/>
+                        <p:cond evt="onBegin" delay="0">
+                          <p:tn val="2"/>
+                        </p:cond>
+                      </p:stCondLst>
+                      <p:childTnLst>
+                        <p:par>
+                          <p:cTn id="4" fill="hold">
+                            <p:stCondLst>
+                              <p:cond delay="0"/>
+                            </p:stCondLst>
+                            <p:childTnLst>
+                              <p:par>
+                                <p:cTn id="5" presetID="10" presetClass="entr" presetSubtype="0" fill="hold" grpId="1" nodeType="withEffect">
+                                  <p:stCondLst>
+                                    <p:cond delay="0"/>
+                                  </p:stCondLst>
+                                  <p:childTnLst>
+                                    <p:set>
+                                      <p:cBhvr>
+                                        <p:cTn id="6" dur="1" fill="hold">
+                                          <p:stCondLst>
+                                            <p:cond delay="0"/>
+                                          </p:stCondLst>
+                                        </p:cTn>
+                                        <p:tgtEl>
+                                          <p:spTgt spid="2"/>
+                                        </p:tgtEl>
+                                        <p:attrNameLst>
+                                          <p:attrName>style.visibility</p:attrName>
+                                        </p:attrNameLst>
+                                      </p:cBhvr>
+                                      <p:to>
+                                        <p:strVal val="visible"/>
+                                      </p:to>
+                                    </p:set>
+                                    <p:animEffect transition="in" filter="fade">
+                                      <p:cBhvr>
+                                        <p:cTn id="7" dur="500"/>
+                                        <p:tgtEl>
+                                          <p:spTgt spid="2"/>
+                                        </p:tgtEl>
+                                      </p:cBhvr>
+                                    </p:animEffect>
+                                  </p:childTnLst>
+                                </p:cTn>
+                              </p:par>
+                            </p:childTnLst>
+                          </p:cTn>
+                        </p:par>
+                      </p:childTnLst>
+                    </p:cTn>
+                  </p:par>
+                  <p:par>
+                    <p:cTn id="8" fill="hold">
+                      <p:stCondLst>
+                        <p:cond delay="indefinite"/>
+                      </p:stCondLst>
+                      <p:childTnLst>
+                        <p:par>
+                          <p:cTn id="9" fill="hold">
+                            <p:stCondLst>
+                              <p:cond delay="0"/>
+                            </p:stCondLst>
+                            <p:childTnLst>
+                              <p:par>
+                                <p:cTn id="10" presetID="10" presetClass="exit" presetSubtype="0" fill="hold" grpId="0" nodeType="clickEffect">
+                                  <p:stCondLst>
+                                    <p:cond delay="0"/>
+                                  </p:stCondLst>
+                                  <p:childTnLst>
+                                    <p:animEffect transition="out" filter="fade">
+                                      <p:cBhvr>
+                                        <p:cTn id="11" dur="500"/>
+                                        <p:tgtEl>
+                                          <p:spTgt spid="2"/>
+                                        </p:tgtEl>
+                                      </p:cBhvr>
+                                    </p:animEffect>
+                                    <p:set>
+                                      <p:cBhvr>
+                                        <p:cTn id="12" dur="1" fill="hold">
+                                          <p:stCondLst>
+                                            <p:cond delay="499"/>
+                                          </p:stCondLst>
+                                        </p:cTn>
+                                        <p:tgtEl>
+                                          <p:spTgt spid="2"/>
+                                        </p:tgtEl>
+                                        <p:attrNameLst>
+                                          <p:attrName>style.visibility</p:attrName>
+                                        </p:attrNameLst>
+                                      </p:cBhvr>
+                                      <p:to>
+                                        <p:strVal val="hidden"/>
+                                      </p:to>
+                                    </p:set>
+                                  </p:childTnLst>
+                                </p:cTn>
+                              </p:par>
+                              <p:par>
+                                <p:cTn id="13" presetID="10" presetClass="entr" presetSubtype="0" fill="hold" nodeType="withEffect">
+                                  <p:stCondLst>
+                                    <p:cond delay="0"/>
+                                  </p:stCondLst>
+                                  <p:childTnLst>
+                                    <p:set>
+                                      <p:cBhvr>
+                                        <p:cTn id="14" dur="1" fill="hold">
+                                          <p:stCondLst>
+                                            <p:cond delay="0"/>
+                                          </p:stCondLst>
+                                        </p:cTn>
+                                        <p:tgtEl>
+                                          <p:spTgt spid="8"/>
+                                        </p:tgtEl>
+                                        <p:attrNameLst>
+                                          <p:attrName>style.visibility</p:attrName>
+                                        </p:attrNameLst>
+                                      </p:cBhvr>
+                                      <p:to>
+                                        <p:strVal val="visible"/>
+                                      </p:to>
+                                    </p:set>
+                                    <p:animEffect transition="in" filter="fade">
+                                      <p:cBhvr>
+                                        <p:cTn id="15" dur="500"/>
+                                        <p:tgtEl>
+                                          <p:spTgt spid="8"/>
+                                        </p:tgtEl>
+                                      </p:cBhvr>
+                                    </p:animEffect>
+                                  </p:childTnLst>
+                                </p:cTn>
+                              </p:par>
+                              <p:par>
+                                <p:cTn id="16" presetID="10" presetClass="entr" presetSubtype="0" fill="hold" nodeType="withEffect">
+                                  <p:stCondLst>
+                                    <p:cond delay="0"/>
+                                  </p:stCondLst>
+                                  <p:childTnLst>
+                                    <p:set>
+                                      <p:cBhvr>
+                                        <p:cTn id="17" dur="1" fill="hold">
+                                          <p:stCondLst>
+                                            <p:cond delay="0"/>
+                                          </p:stCondLst>
+                                        </p:cTn>
+                                        <p:tgtEl>
+                                          <p:spTgt spid="10"/>
+                                        </p:tgtEl>
+                                        <p:attrNameLst>
+                                          <p:attrName>style.visibility</p:attrName>
+                                        </p:attrNameLst>
+                                      </p:cBhvr>
+                                      <p:to>
+                                        <p:strVal val="visible"/>
+                                      </p:to>
+                                    </p:set>
+                                    <p:animEffect transition="in" filter="fade">
+                                      <p:cBhvr>
+                                        <p:cTn id="18" dur="500"/>
+                                        <p:tgtEl>
+                                          <p:spTgt spid="10"/>
+                                        </p:tgtEl>
+                                      </p:cBhvr>
+                                    </p:animEffect>
+                                  </p:childTnLst>
+                                </p:cTn>
+                              </p:par>
+                            </p:childTnLst>
+                          </p:cTn>
+                        </p:par>
+                      </p:childTnLst>
+                    </p:cTn>
+                  </p:par>
+                </p:childTnLst>
+              </p:cTn>
+              <p:prevCondLst>
+                <p:cond evt="onPrev" delay="0">
+                  <p:tgtEl>
+                    <p:sldTgt/>
+                  </p:tgtEl>
+                </p:cond>
+              </p:prevCondLst>
+              <p:nextCondLst>
+                <p:cond evt="onNext" delay="0">
+                  <p:tgtEl>
+                    <p:sldTgt/>
+                  </p:tgtEl>
+                </p:cond>
+              </p:nextCondLst>
+            </p:seq>
+          </p:childTnLst>
+        </p:cTn>
+      </p:par>
+    </p:tnLst>
+    <p:bldLst>
+      <p:bldP spid="2" grpId="0"/>
+      <p:bldP spid="2" grpId="1"/>
+    </p:bldLst>
+  </p:timing>
+</p:sld>
+</file>
+
+<file path=ppt/slides/slide8.xml><?xml version="1.0" encoding="utf-8"?>
+<p:sld xmlns:a="http://schemas.openxmlformats.org/drawingml/2006/main" xmlns:r="http://schemas.openxmlformats.org/officeDocument/2006/relationships" xmlns:p="http://schemas.openxmlformats.org/presentationml/2006/main">
+  <p:cSld>
+    <p:bg>
+      <p:bgPr>
+        <a:solidFill>
+          <a:schemeClr val="bg1"/>
+        </a:solidFill>
+        <a:effectLst/>
+      </p:bgPr>
+    </p:bg>
+    <p:spTree>
+      <p:nvGrpSpPr>
+        <p:cNvPr id="1" name=""/>
+        <p:cNvGrpSpPr/>
+        <p:nvPr/>
+      </p:nvGrpSpPr>
+      <p:grpSpPr>
+        <a:xfrm>
+          <a:off x="0" y="0"/>
+          <a:ext cx="0" cy="0"/>
+          <a:chOff x="0" y="0"/>
+          <a:chExt cx="0" cy="0"/>
+        </a:xfrm>
+      </p:grpSpPr>
+      <p:sp>
+        <p:nvSpPr>
+          <p:cNvPr id="52" name="Rectangle 51">
             <a:extLst>
               <a:ext uri="{FF2B5EF4-FFF2-40B4-BE49-F238E27FC236}">
                 <a16:creationId xmlns:a16="http://schemas.microsoft.com/office/drawing/2014/main" id="{32BC26D8-82FB-445E-AA49-62A77D7C1EE0}"/>
@@ -10832,7 +12081,7 @@
       </p:sp>
       <p:sp>
         <p:nvSpPr>
-          <p:cNvPr id="19" name="Rectangle 18">
+          <p:cNvPr id="53" name="Rectangle 52">
             <a:extLst>
               <a:ext uri="{FF2B5EF4-FFF2-40B4-BE49-F238E27FC236}">
                 <a16:creationId xmlns:a16="http://schemas.microsoft.com/office/drawing/2014/main" id="{CB44330D-EA18-4254-AA95-EB49948539B8}"/>
@@ -10895,21 +12144,19 @@
       </p:sp>
       <p:pic>
         <p:nvPicPr>
-          <p:cNvPr id="5" name="Content Placeholder 4" descr="A graph of different colored bars&#10;&#10;Description automatically generated">
+          <p:cNvPr id="11" name="Content Placeholder 10">
             <a:extLst>
               <a:ext uri="{FF2B5EF4-FFF2-40B4-BE49-F238E27FC236}">
-                <a16:creationId xmlns:a16="http://schemas.microsoft.com/office/drawing/2014/main" id="{01B0CB76-E3A4-ECD2-F6F8-9E3674E56A6A}"/>
+                <a16:creationId xmlns:a16="http://schemas.microsoft.com/office/drawing/2014/main" id="{284FAB06-5912-25C1-4F09-1735FA5BFAA6}"/>
               </a:ext>
             </a:extLst>
           </p:cNvPr>
           <p:cNvPicPr>
-            <a:picLocks noGrp="1" noChangeAspect="1"/>
+            <a:picLocks noChangeAspect="1"/>
           </p:cNvPicPr>
-          <p:nvPr>
-            <p:ph idx="1"/>
-          </p:nvPr>
+          <p:nvPr/>
         </p:nvPicPr>
-        <p:blipFill>
+        <p:blipFill rotWithShape="1">
           <a:blip r:embed="rId2">
             <a:extLst>
               <a:ext uri="{28A0092B-C50C-407E-A947-70E740481C1C}">
@@ -10917,14 +12164,13 @@
               </a:ext>
             </a:extLst>
           </a:blip>
-          <a:stretch>
-            <a:fillRect/>
-          </a:stretch>
+          <a:srcRect t="1647" b="4989"/>
+          <a:stretch/>
         </p:blipFill>
         <p:spPr>
           <a:xfrm>
-            <a:off x="2672490" y="643467"/>
-            <a:ext cx="6847020" cy="5571066"/>
+            <a:off x="1264389" y="643467"/>
+            <a:ext cx="9663221" cy="5571066"/>
           </a:xfrm>
           <a:prstGeom prst="rect">
             <a:avLst/>
@@ -10933,43 +12179,34 @@
       </p:pic>
       <p:sp>
         <p:nvSpPr>
-          <p:cNvPr id="2" name="Arrow: Chevron 1">
+          <p:cNvPr id="2" name="Rectangle 1">
             <a:extLst>
               <a:ext uri="{FF2B5EF4-FFF2-40B4-BE49-F238E27FC236}">
-                <a16:creationId xmlns:a16="http://schemas.microsoft.com/office/drawing/2014/main" id="{44FEF05A-681A-094E-7F41-1ADE21CEEA10}"/>
+                <a16:creationId xmlns:a16="http://schemas.microsoft.com/office/drawing/2014/main" id="{F5390BAE-90CC-6409-2AF7-C9B52A52F329}"/>
               </a:ext>
             </a:extLst>
           </p:cNvPr>
-          <p:cNvSpPr>
-            <a:spLocks noChangeAspect="1"/>
-          </p:cNvSpPr>
+          <p:cNvSpPr/>
           <p:nvPr/>
         </p:nvSpPr>
         <p:spPr>
-          <a:xfrm rot="10800000">
-            <a:off x="9499634" y="3500120"/>
-            <a:ext cx="274320" cy="274320"/>
+          <a:xfrm>
+            <a:off x="8788400" y="3637280"/>
+            <a:ext cx="726971" cy="873760"/>
           </a:xfrm>
-          <a:prstGeom prst="chevron">
+          <a:prstGeom prst="rect">
             <a:avLst/>
           </a:prstGeom>
-          <a:solidFill>
-            <a:srgbClr val="E490DC"/>
-          </a:solidFill>
-          <a:ln w="3175">
+          <a:noFill/>
+          <a:ln w="25400">
             <a:solidFill>
-              <a:schemeClr val="bg1">
-                <a:alpha val="49000"/>
+              <a:schemeClr val="tx1">
+                <a:alpha val="51000"/>
               </a:schemeClr>
             </a:solidFill>
+            <a:prstDash val="sysDash"/>
           </a:ln>
-          <a:effectLst>
-            <a:glow rad="63500">
-              <a:srgbClr val="C430B6">
-                <a:alpha val="40000"/>
-              </a:srgbClr>
-            </a:glow>
-          </a:effectLst>
+          <a:effectLst/>
         </p:spPr>
         <p:style>
           <a:lnRef idx="2">
@@ -10992,54 +12229,43 @@
           <a:lstStyle/>
           <a:p>
             <a:pPr algn="ctr"/>
-            <a:endParaRPr lang="en-US">
-              <a:solidFill>
-                <a:schemeClr val="tx1"/>
-              </a:solidFill>
-            </a:endParaRPr>
+            <a:r>
+              <a:rPr lang="en-US" dirty="0"/>
+              <a:t> </a:t>
+            </a:r>
           </a:p>
         </p:txBody>
       </p:sp>
       <p:sp>
         <p:nvSpPr>
-          <p:cNvPr id="3" name="Arrow: Chevron 2">
+          <p:cNvPr id="4" name="Rectangle 3">
             <a:extLst>
               <a:ext uri="{FF2B5EF4-FFF2-40B4-BE49-F238E27FC236}">
-                <a16:creationId xmlns:a16="http://schemas.microsoft.com/office/drawing/2014/main" id="{80FBA9B2-D60D-3E64-D9F4-6516FDEF7EF3}"/>
+                <a16:creationId xmlns:a16="http://schemas.microsoft.com/office/drawing/2014/main" id="{208EE6CF-774D-592D-4069-35F7C702A450}"/>
               </a:ext>
             </a:extLst>
           </p:cNvPr>
-          <p:cNvSpPr>
-            <a:spLocks noChangeAspect="1"/>
-          </p:cNvSpPr>
+          <p:cNvSpPr/>
           <p:nvPr/>
         </p:nvSpPr>
         <p:spPr>
-          <a:xfrm rot="10800000">
-            <a:off x="9499634" y="2280919"/>
-            <a:ext cx="274320" cy="274320"/>
+          <a:xfrm>
+            <a:off x="5019040" y="3576320"/>
+            <a:ext cx="762000" cy="914400"/>
           </a:xfrm>
-          <a:prstGeom prst="chevron">
+          <a:prstGeom prst="rect">
             <a:avLst/>
           </a:prstGeom>
-          <a:solidFill>
-            <a:srgbClr val="E89D16"/>
-          </a:solidFill>
-          <a:ln w="3175">
+          <a:noFill/>
+          <a:ln w="25400">
             <a:solidFill>
-              <a:schemeClr val="bg1">
-                <a:alpha val="49000"/>
+              <a:schemeClr val="tx1">
+                <a:alpha val="51000"/>
               </a:schemeClr>
             </a:solidFill>
+            <a:prstDash val="sysDash"/>
           </a:ln>
-          <a:effectLst>
-            <a:glow rad="63500">
-              <a:schemeClr val="accent2">
-                <a:lumMod val="75000"/>
-                <a:alpha val="40000"/>
-              </a:schemeClr>
-            </a:glow>
-          </a:effectLst>
+          <a:effectLst/>
         </p:spPr>
         <p:style>
           <a:lnRef idx="2">
@@ -11062,18 +12288,220 @@
           <a:lstStyle/>
           <a:p>
             <a:pPr algn="ctr"/>
-            <a:endParaRPr lang="en-US">
-              <a:solidFill>
-                <a:schemeClr val="tx1"/>
-              </a:solidFill>
-            </a:endParaRPr>
+            <a:endParaRPr lang="en-US"/>
+          </a:p>
+        </p:txBody>
+      </p:sp>
+      <p:sp>
+        <p:nvSpPr>
+          <p:cNvPr id="5" name="Rectangle 4">
+            <a:extLst>
+              <a:ext uri="{FF2B5EF4-FFF2-40B4-BE49-F238E27FC236}">
+                <a16:creationId xmlns:a16="http://schemas.microsoft.com/office/drawing/2014/main" id="{70AA9E2F-4BB2-7CFF-D3BC-E7036E21E925}"/>
+              </a:ext>
+            </a:extLst>
+          </p:cNvPr>
+          <p:cNvSpPr/>
+          <p:nvPr/>
+        </p:nvSpPr>
+        <p:spPr>
+          <a:xfrm>
+            <a:off x="5770880" y="3157220"/>
+            <a:ext cx="762000" cy="1343660"/>
+          </a:xfrm>
+          <a:prstGeom prst="rect">
+            <a:avLst/>
+          </a:prstGeom>
+          <a:noFill/>
+          <a:ln w="25400">
+            <a:solidFill>
+              <a:schemeClr val="tx1">
+                <a:alpha val="51000"/>
+              </a:schemeClr>
+            </a:solidFill>
+            <a:prstDash val="sysDash"/>
+          </a:ln>
+          <a:effectLst/>
+        </p:spPr>
+        <p:style>
+          <a:lnRef idx="2">
+            <a:schemeClr val="accent1">
+              <a:shade val="15000"/>
+            </a:schemeClr>
+          </a:lnRef>
+          <a:fillRef idx="1">
+            <a:schemeClr val="accent1"/>
+          </a:fillRef>
+          <a:effectRef idx="0">
+            <a:schemeClr val="accent1"/>
+          </a:effectRef>
+          <a:fontRef idx="minor">
+            <a:schemeClr val="lt1"/>
+          </a:fontRef>
+        </p:style>
+        <p:txBody>
+          <a:bodyPr rtlCol="0" anchor="ctr"/>
+          <a:lstStyle/>
+          <a:p>
+            <a:pPr algn="ctr"/>
+            <a:endParaRPr lang="en-US"/>
+          </a:p>
+        </p:txBody>
+      </p:sp>
+      <p:sp>
+        <p:nvSpPr>
+          <p:cNvPr id="6" name="Rectangle 5">
+            <a:extLst>
+              <a:ext uri="{FF2B5EF4-FFF2-40B4-BE49-F238E27FC236}">
+                <a16:creationId xmlns:a16="http://schemas.microsoft.com/office/drawing/2014/main" id="{5B0BE40B-4CCB-1BEB-1416-68E5BBBEA5EC}"/>
+              </a:ext>
+            </a:extLst>
+          </p:cNvPr>
+          <p:cNvSpPr/>
+          <p:nvPr/>
+        </p:nvSpPr>
+        <p:spPr>
+          <a:xfrm>
+            <a:off x="2804160" y="3197860"/>
+            <a:ext cx="762000" cy="1292860"/>
+          </a:xfrm>
+          <a:prstGeom prst="rect">
+            <a:avLst/>
+          </a:prstGeom>
+          <a:noFill/>
+          <a:ln w="25400">
+            <a:solidFill>
+              <a:schemeClr val="tx1">
+                <a:alpha val="51000"/>
+              </a:schemeClr>
+            </a:solidFill>
+            <a:prstDash val="sysDash"/>
+          </a:ln>
+          <a:effectLst/>
+        </p:spPr>
+        <p:style>
+          <a:lnRef idx="2">
+            <a:schemeClr val="accent1">
+              <a:shade val="15000"/>
+            </a:schemeClr>
+          </a:lnRef>
+          <a:fillRef idx="1">
+            <a:schemeClr val="accent1"/>
+          </a:fillRef>
+          <a:effectRef idx="0">
+            <a:schemeClr val="accent1"/>
+          </a:effectRef>
+          <a:fontRef idx="minor">
+            <a:schemeClr val="lt1"/>
+          </a:fontRef>
+        </p:style>
+        <p:txBody>
+          <a:bodyPr rtlCol="0" anchor="ctr"/>
+          <a:lstStyle/>
+          <a:p>
+            <a:pPr algn="ctr"/>
+            <a:endParaRPr lang="en-US"/>
+          </a:p>
+        </p:txBody>
+      </p:sp>
+      <p:sp>
+        <p:nvSpPr>
+          <p:cNvPr id="7" name="Rectangle 6">
+            <a:extLst>
+              <a:ext uri="{FF2B5EF4-FFF2-40B4-BE49-F238E27FC236}">
+                <a16:creationId xmlns:a16="http://schemas.microsoft.com/office/drawing/2014/main" id="{6C102D7F-85C4-08DE-725B-39DEEF3427E0}"/>
+              </a:ext>
+            </a:extLst>
+          </p:cNvPr>
+          <p:cNvSpPr/>
+          <p:nvPr/>
+        </p:nvSpPr>
+        <p:spPr>
+          <a:xfrm>
+            <a:off x="6545037" y="3576320"/>
+            <a:ext cx="719363" cy="914400"/>
+          </a:xfrm>
+          <a:prstGeom prst="rect">
+            <a:avLst/>
+          </a:prstGeom>
+          <a:noFill/>
+          <a:ln w="25400">
+            <a:solidFill>
+              <a:schemeClr val="tx1">
+                <a:alpha val="51000"/>
+              </a:schemeClr>
+            </a:solidFill>
+            <a:prstDash val="sysDash"/>
+          </a:ln>
+          <a:effectLst/>
+        </p:spPr>
+        <p:style>
+          <a:lnRef idx="2">
+            <a:schemeClr val="accent1">
+              <a:shade val="15000"/>
+            </a:schemeClr>
+          </a:lnRef>
+          <a:fillRef idx="1">
+            <a:schemeClr val="accent1"/>
+          </a:fillRef>
+          <a:effectRef idx="0">
+            <a:schemeClr val="accent1"/>
+          </a:effectRef>
+          <a:fontRef idx="minor">
+            <a:schemeClr val="lt1"/>
+          </a:fontRef>
+        </p:style>
+        <p:txBody>
+          <a:bodyPr rtlCol="0" anchor="ctr"/>
+          <a:lstStyle/>
+          <a:p>
+            <a:pPr algn="ctr"/>
+            <a:endParaRPr lang="en-US"/>
+          </a:p>
+        </p:txBody>
+      </p:sp>
+      <p:sp>
+        <p:nvSpPr>
+          <p:cNvPr id="3" name="TextBox 2">
+            <a:extLst>
+              <a:ext uri="{FF2B5EF4-FFF2-40B4-BE49-F238E27FC236}">
+                <a16:creationId xmlns:a16="http://schemas.microsoft.com/office/drawing/2014/main" id="{4D330088-2D28-2FC9-5D68-F599D4CF0229}"/>
+              </a:ext>
+            </a:extLst>
+          </p:cNvPr>
+          <p:cNvSpPr txBox="1"/>
+          <p:nvPr/>
+        </p:nvSpPr>
+        <p:spPr>
+          <a:xfrm>
+            <a:off x="787377" y="2514491"/>
+            <a:ext cx="5944937" cy="2554545"/>
+          </a:xfrm>
+          <a:prstGeom prst="rect">
+            <a:avLst/>
+          </a:prstGeom>
+          <a:noFill/>
+        </p:spPr>
+        <p:txBody>
+          <a:bodyPr wrap="square" rtlCol="0">
+            <a:spAutoFit/>
+          </a:bodyPr>
+          <a:lstStyle/>
+          <a:p>
+            <a:r>
+              <a:rPr lang="en-US" sz="8000" dirty="0">
+                <a:latin typeface="Aharoni" panose="020F0502020204030204" pitchFamily="2" charset="-79"/>
+                <a:cs typeface="Aharoni" panose="020F0502020204030204" pitchFamily="2" charset="-79"/>
+              </a:rPr>
+              <a:t>Gender Distribution</a:t>
+            </a:r>
           </a:p>
         </p:txBody>
       </p:sp>
     </p:spTree>
     <p:extLst>
       <p:ext uri="{BB962C8B-B14F-4D97-AF65-F5344CB8AC3E}">
-        <p14:creationId xmlns:p14="http://schemas.microsoft.com/office/powerpoint/2010/main" val="1201429773"/>
+        <p14:creationId xmlns:p14="http://schemas.microsoft.com/office/powerpoint/2010/main" val="3954898101"/>
       </p:ext>
     </p:extLst>
   </p:cSld>
@@ -11092,9 +12520,6 @@
                     <p:cTn id="3" fill="hold">
                       <p:stCondLst>
                         <p:cond delay="indefinite"/>
-                        <p:cond evt="onBegin" delay="0">
-                          <p:tn val="2"/>
-                        </p:cond>
                       </p:stCondLst>
                       <p:childTnLst>
                         <p:par>
@@ -11104,20 +12529,55 @@
                             </p:stCondLst>
                             <p:childTnLst>
                               <p:par>
-                                <p:cTn id="5" presetID="10" presetClass="entr" presetSubtype="0" fill="hold" nodeType="withEffect">
+                                <p:cTn id="5" presetID="10" presetClass="exit" presetSubtype="0" fill="hold" grpId="0" nodeType="clickEffect">
+                                  <p:stCondLst>
+                                    <p:cond delay="0"/>
+                                  </p:stCondLst>
+                                  <p:childTnLst>
+                                    <p:animEffect transition="out" filter="fade">
+                                      <p:cBhvr>
+                                        <p:cTn id="6" dur="500"/>
+                                        <p:tgtEl>
+                                          <p:spTgt spid="3"/>
+                                        </p:tgtEl>
+                                      </p:cBhvr>
+                                    </p:animEffect>
+                                    <p:set>
+                                      <p:cBhvr>
+                                        <p:cTn id="7" dur="1" fill="hold">
+                                          <p:stCondLst>
+                                            <p:cond delay="499"/>
+                                          </p:stCondLst>
+                                        </p:cTn>
+                                        <p:tgtEl>
+                                          <p:spTgt spid="3"/>
+                                        </p:tgtEl>
+                                        <p:attrNameLst>
+                                          <p:attrName>style.visibility</p:attrName>
+                                        </p:attrNameLst>
+                                      </p:cBhvr>
+                                      <p:to>
+                                        <p:strVal val="hidden"/>
+                                      </p:to>
+                                    </p:set>
+                                  </p:childTnLst>
+                                </p:cTn>
+                              </p:par>
+                              <p:par>
+                                <p:cTn id="8" presetID="10" presetClass="entr" presetSubtype="0" fill="hold" nodeType="withEffect">
                                   <p:stCondLst>
                                     <p:cond delay="0"/>
                                   </p:stCondLst>
                                   <p:childTnLst>
                                     <p:set>
                                       <p:cBhvr>
-                                        <p:cTn id="6" dur="1" fill="hold">
+                                        <p:cTn id="9" dur="1" fill="hold">
                                           <p:stCondLst>
                                             <p:cond delay="0"/>
                                           </p:stCondLst>
                                         </p:cTn>
                                         <p:tgtEl>
-                                          <p:spTgt spid="5"/>
+                                          <p:spTgt spid="11"/>
                                         </p:tgtEl>
                                         <p:attrNameLst>
                                           <p:attrName>style.visibility</p:attrName>
@@ -11129,9 +12589,9 @@
                                     </p:set>
                                     <p:animEffect transition="in" filter="fade">
                                       <p:cBhvr>
-                                        <p:cTn id="7" dur="500"/>
-                                        <p:tgtEl>
-                                          <p:spTgt spid="5"/>
+                                        <p:cTn id="10" dur="500"/>
+                                        <p:tgtEl>
+                                          <p:spTgt spid="11"/>
                                         </p:tgtEl>
                                       </p:cBhvr>
                                     </p:animEffect>
@@ -11145,26 +12605,26 @@
                     </p:cTn>
                   </p:par>
                   <p:par>
-                    <p:cTn id="8" fill="hold">
+                    <p:cTn id="11" fill="hold">
                       <p:stCondLst>
                         <p:cond delay="indefinite"/>
                       </p:stCondLst>
                       <p:childTnLst>
                         <p:par>
-                          <p:cTn id="9" fill="hold">
+                          <p:cTn id="12" fill="hold">
                             <p:stCondLst>
                               <p:cond delay="0"/>
                             </p:stCondLst>
                             <p:childTnLst>
                               <p:par>
-                                <p:cTn id="10" presetID="42" presetClass="entr" presetSubtype="0" fill="hold" grpId="0" nodeType="clickEffect">
+                                <p:cTn id="13" presetID="10" presetClass="entr" presetSubtype="0" fill="hold" grpId="0" nodeType="clickEffect">
                                   <p:stCondLst>
                                     <p:cond delay="0"/>
                                   </p:stCondLst>
                                   <p:childTnLst>
                                     <p:set>
                                       <p:cBhvr>
-                                        <p:cTn id="11" dur="1" fill="hold">
+                                        <p:cTn id="14" dur="1" fill="hold">
                                           <p:stCondLst>
                                             <p:cond delay="0"/>
                                           </p:stCondLst>
@@ -11182,94 +12642,30 @@
                                     </p:set>
                                     <p:animEffect transition="in" filter="fade">
                                       <p:cBhvr>
-                                        <p:cTn id="12" dur="1000"/>
+                                        <p:cTn id="15" dur="500"/>
                                         <p:tgtEl>
                                           <p:spTgt spid="2"/>
                                         </p:tgtEl>
                                       </p:cBhvr>
                                     </p:animEffect>
-                                    <p:anim calcmode="lin" valueType="num">
-                                      <p:cBhvr>
-                                        <p:cTn id="13" dur="1000" fill="hold"/>
-                                        <p:tgtEl>
-                                          <p:spTgt spid="2"/>
-                                        </p:tgtEl>
-                                        <p:attrNameLst>
-                                          <p:attrName>ppt_x</p:attrName>
-                                        </p:attrNameLst>
-                                      </p:cBhvr>
-                                      <p:tavLst>
-                                        <p:tav tm="0">
-                                          <p:val>
-                                            <p:strVal val="#ppt_x"/>
-                                          </p:val>
-                                        </p:tav>
-                                        <p:tav tm="100000">
-                                          <p:val>
-                                            <p:strVal val="#ppt_x"/>
-                                          </p:val>
-                                        </p:tav>
-                                      </p:tavLst>
-                                    </p:anim>
-                                    <p:anim calcmode="lin" valueType="num">
-                                      <p:cBhvr>
-                                        <p:cTn id="14" dur="1000" fill="hold"/>
-                                        <p:tgtEl>
-                                          <p:spTgt spid="2"/>
-                                        </p:tgtEl>
-                                        <p:attrNameLst>
-                                          <p:attrName>ppt_y</p:attrName>
-                                        </p:attrNameLst>
-                                      </p:cBhvr>
-                                      <p:tavLst>
-                                        <p:tav tm="0">
-                                          <p:val>
-                                            <p:strVal val="#ppt_y+.1"/>
-                                          </p:val>
-                                        </p:tav>
-                                        <p:tav tm="100000">
-                                          <p:val>
-                                            <p:strVal val="#ppt_y"/>
-                                          </p:val>
-                                        </p:tav>
-                                      </p:tavLst>
-                                    </p:anim>
                                   </p:childTnLst>
                                 </p:cTn>
                               </p:par>
-                            </p:childTnLst>
-                          </p:cTn>
-                        </p:par>
-                      </p:childTnLst>
-                    </p:cTn>
-                  </p:par>
-                  <p:par>
-                    <p:cTn id="15" fill="hold">
-                      <p:stCondLst>
-                        <p:cond delay="indefinite"/>
-                      </p:stCondLst>
-                      <p:childTnLst>
-                        <p:par>
-                          <p:cTn id="16" fill="hold">
-                            <p:stCondLst>
-                              <p:cond delay="0"/>
-                            </p:stCondLst>
-                            <p:childTnLst>
                               <p:par>
-                                <p:cTn id="17" presetID="42" presetClass="entr" presetSubtype="0" fill="hold" grpId="0" nodeType="clickEffect">
+                                <p:cTn id="16" presetID="10" presetClass="entr" presetSubtype="0" fill="hold" grpId="0" nodeType="withEffect">
                                   <p:stCondLst>
                                     <p:cond delay="0"/>
                                   </p:stCondLst>
                                   <p:childTnLst>
                                     <p:set>
                                       <p:cBhvr>
-                                        <p:cTn id="18" dur="1" fill="hold">
+                                        <p:cTn id="17" dur="1" fill="hold">
                                           <p:stCondLst>
                                             <p:cond delay="0"/>
                                           </p:stCondLst>
                                         </p:cTn>
                                         <p:tgtEl>
-                                          <p:spTgt spid="3"/>
+                                          <p:spTgt spid="4"/>
                                         </p:tgtEl>
                                         <p:attrNameLst>
                                           <p:attrName>style.visibility</p:attrName>
@@ -11281,58 +12677,117 @@
                                     </p:set>
                                     <p:animEffect transition="in" filter="fade">
                                       <p:cBhvr>
-                                        <p:cTn id="19" dur="1000"/>
-                                        <p:tgtEl>
-                                          <p:spTgt spid="3"/>
+                                        <p:cTn id="18" dur="500"/>
+                                        <p:tgtEl>
+                                          <p:spTgt spid="4"/>
                                         </p:tgtEl>
                                       </p:cBhvr>
                                     </p:animEffect>
-                                    <p:anim calcmode="lin" valueType="num">
-                                      <p:cBhvr>
-                                        <p:cTn id="20" dur="1000" fill="hold"/>
-                                        <p:tgtEl>
-                                          <p:spTgt spid="3"/>
+                                  </p:childTnLst>
+                                </p:cTn>
+                              </p:par>
+                              <p:par>
+                                <p:cTn id="19" presetID="10" presetClass="entr" presetSubtype="0" fill="hold" grpId="0" nodeType="withEffect">
+                                  <p:stCondLst>
+                                    <p:cond delay="0"/>
+                                  </p:stCondLst>
+                                  <p:childTnLst>
+                                    <p:set>
+                                      <p:cBhvr>
+                                        <p:cTn id="20" dur="1" fill="hold">
+                                          <p:stCondLst>
+                                            <p:cond delay="0"/>
+                                          </p:stCondLst>
+                                        </p:cTn>
+                                        <p:tgtEl>
+                                          <p:spTgt spid="5"/>
                                         </p:tgtEl>
                                         <p:attrNameLst>
-                                          <p:attrName>ppt_x</p:attrName>
+                                          <p:attrName>style.visibility</p:attrName>
                                         </p:attrNameLst>
                                       </p:cBhvr>
-                                      <p:tavLst>
-                                        <p:tav tm="0">
-                                          <p:val>
-                                            <p:strVal val="#ppt_x"/>
-                                          </p:val>
-                                        </p:tav>
-                                        <p:tav tm="100000">
-                                          <p:val>
-                                            <p:strVal val="#ppt_x"/>
-                                          </p:val>
-                                        </p:tav>
-                                      </p:tavLst>
-                                    </p:anim>
-                                    <p:anim calcmode="lin" valueType="num">
-                                      <p:cBhvr>
-                                        <p:cTn id="21" dur="1000" fill="hold"/>
-                                        <p:tgtEl>
-                                          <p:spTgt spid="3"/>
+                                      <p:to>
+                                        <p:strVal val="visible"/>
+                                      </p:to>
+                                    </p:set>
+                                    <p:animEffect transition="in" filter="fade">
+                                      <p:cBhvr>
+                                        <p:cTn id="21" dur="500"/>
+                                        <p:tgtEl>
+                                          <p:spTgt spid="5"/>
+                                        </p:tgtEl>
+                                      </p:cBhvr>
+                                    </p:animEffect>
+                                  </p:childTnLst>
+                                </p:cTn>
+                              </p:par>
+                              <p:par>
+                                <p:cTn id="22" presetID="10" presetClass="entr" presetSubtype="0" fill="hold" grpId="0" nodeType="withEffect">
+                                  <p:stCondLst>
+                                    <p:cond delay="0"/>
+                                  </p:stCondLst>
+                                  <p:childTnLst>
+                                    <p:set>
+                                      <p:cBhvr>
+                                        <p:cTn id="23" dur="1" fill="hold">
+                                          <p:stCondLst>
+                                            <p:cond delay="0"/>
+                                          </p:stCondLst>
+                                        </p:cTn>
+                                        <p:tgtEl>
+                                          <p:spTgt spid="6"/>
                                         </p:tgtEl>
                                         <p:attrNameLst>
-                                          <p:attrName>ppt_y</p:attrName>
+                                          <p:attrName>style.visibility</p:attrName>
                                         </p:attrNameLst>
                                       </p:cBhvr>
-                                      <p:tavLst>
-                                        <p:tav tm="0">
-                                          <p:val>
-                                            <p:strVal val="#ppt_y+.1"/>
-                                          </p:val>
-                                        </p:tav>
-                                        <p:tav tm="100000">
-                                          <p:val>
-                                            <p:strVal val="#ppt_y"/>
-                                          </p:val>
-                                        </p:tav>
-                                      </p:tavLst>
-                                    </p:anim>
+                                      <p:to>
+                                        <p:strVal val="visible"/>
+                                      </p:to>
+                                    </p:set>
+                                    <p:animEffect transition="in" filter="fade">
+                                      <p:cBhvr>
+                                        <p:cTn id="24" dur="500"/>
+                                        <p:tgtEl>
+                                          <p:spTgt spid="6"/>
+                                        </p:tgtEl>
+                                      </p:cBhvr>
+                                    </p:animEffect>
+                                  </p:childTnLst>
+                                </p:cTn>
+                              </p:par>
+                              <p:par>
+                                <p:cTn id="25" presetID="10" presetClass="entr" presetSubtype="0" fill="hold" grpId="0" nodeType="withEffect">
+                                  <p:stCondLst>
+                                    <p:cond delay="0"/>
+                                  </p:stCondLst>
+                                  <p:childTnLst>
+                                    <p:set>
+                                      <p:cBhvr>
+                                        <p:cTn id="26" dur="1" fill="hold">
+                                          <p:stCondLst>
+                                            <p:cond delay="0"/>
+                                          </p:stCondLst>
+                                        </p:cTn>
+                                        <p:tgtEl>
+                                          <p:spTgt spid="7"/>
+                                        </p:tgtEl>
+                                        <p:attrNameLst>
+                                          <p:attrName>style.visibility</p:attrName>
+                                        </p:attrNameLst>
+                                      </p:cBhvr>
+                                      <p:to>
+                                        <p:strVal val="visible"/>
+                                      </p:to>
+                                    </p:set>
+                                    <p:animEffect transition="in" filter="fade">
+                                      <p:cBhvr>
+                                        <p:cTn id="27" dur="500"/>
+                                        <p:tgtEl>
+                                          <p:spTgt spid="7"/>
+                                        </p:tgtEl>
+                                      </p:cBhvr>
+                                    </p:animEffect>
                                   </p:childTnLst>
                                 </p:cTn>
                               </p:par>
@@ -11365,13 +12820,17 @@
     </p:tnLst>
     <p:bldLst>
       <p:bldP spid="2" grpId="0" animBg="1"/>
-      <p:bldP spid="3" grpId="0" animBg="1"/>
+      <p:bldP spid="4" grpId="0" animBg="1"/>
+      <p:bldP spid="5" grpId="0" animBg="1"/>
+      <p:bldP spid="6" grpId="0" animBg="1"/>
+      <p:bldP spid="7" grpId="0" animBg="1"/>
+      <p:bldP spid="3" grpId="0"/>
     </p:bldLst>
   </p:timing>
 </p:sld>
 </file>
 
-<file path=ppt/slides/slide7.xml><?xml version="1.0" encoding="utf-8"?>
+<file path=ppt/slides/slide9.xml><?xml version="1.0" encoding="utf-8"?>
 <p:sld xmlns:a="http://schemas.openxmlformats.org/drawingml/2006/main" xmlns:r="http://schemas.openxmlformats.org/officeDocument/2006/relationships" xmlns:p="http://schemas.openxmlformats.org/presentationml/2006/main">
   <p:cSld>
     <p:bg>
@@ -11972,6 +13431,47 @@
           </a:p>
         </p:txBody>
       </p:sp>
+      <p:sp>
+        <p:nvSpPr>
+          <p:cNvPr id="2" name="TextBox 1">
+            <a:extLst>
+              <a:ext uri="{FF2B5EF4-FFF2-40B4-BE49-F238E27FC236}">
+                <a16:creationId xmlns:a16="http://schemas.microsoft.com/office/drawing/2014/main" id="{856A50E5-E877-B4E3-2770-411DAF25DCCE}"/>
+              </a:ext>
+            </a:extLst>
+          </p:cNvPr>
+          <p:cNvSpPr txBox="1"/>
+          <p:nvPr/>
+        </p:nvSpPr>
+        <p:spPr>
+          <a:xfrm>
+            <a:off x="3930782" y="2232340"/>
+            <a:ext cx="5375777" cy="3416320"/>
+          </a:xfrm>
+          <a:prstGeom prst="rect">
+            <a:avLst/>
+          </a:prstGeom>
+          <a:noFill/>
+        </p:spPr>
+        <p:txBody>
+          <a:bodyPr wrap="square" rtlCol="0">
+            <a:spAutoFit/>
+          </a:bodyPr>
+          <a:lstStyle/>
+          <a:p>
+            <a:r>
+              <a:rPr lang="en-US" sz="7200" dirty="0">
+                <a:solidFill>
+                  <a:schemeClr val="bg1"/>
+                </a:solidFill>
+                <a:latin typeface="Aharoni" panose="020F0502020204030204" pitchFamily="2" charset="-79"/>
+                <a:cs typeface="Aharoni" panose="020F0502020204030204" pitchFamily="2" charset="-79"/>
+              </a:rPr>
+              <a:t>Employee Job Satisfaction</a:t>
+            </a:r>
+          </a:p>
+        </p:txBody>
+      </p:sp>
     </p:spTree>
     <p:extLst>
       <p:ext uri="{BB962C8B-B14F-4D97-AF65-F5344CB8AC3E}">
@@ -12006,7 +13506,7 @@
                             </p:stCondLst>
                             <p:childTnLst>
                               <p:par>
-                                <p:cTn id="5" presetID="10" presetClass="entr" presetSubtype="0" fill="hold" nodeType="withEffect">
+                                <p:cTn id="5" presetID="10" presetClass="entr" presetSubtype="0" fill="hold" grpId="1" nodeType="withEffect">
                                   <p:stCondLst>
                                     <p:cond delay="0"/>
                                   </p:stCondLst>
@@ -12019,7 +13519,7 @@
                                           </p:stCondLst>
                                         </p:cTn>
                                         <p:tgtEl>
-                                          <p:spTgt spid="6"/>
+                                          <p:spTgt spid="2"/>
                                         </p:tgtEl>
                                         <p:attrNameLst>
                                           <p:attrName>style.visibility</p:attrName>
@@ -12033,7 +13533,7 @@
                                       <p:cBhvr>
                                         <p:cTn id="7" dur="500"/>
                                         <p:tgtEl>
-                                          <p:spTgt spid="6"/>
+                                          <p:spTgt spid="2"/>
                                         </p:tgtEl>
                                       </p:cBhvr>
                                     </p:animEffect>
@@ -12093,6 +13593,76 @@
                                   </p:childTnLst>
                                 </p:cTn>
                               </p:par>
+                              <p:par>
+                                <p:cTn id="13" presetID="10" presetClass="exit" presetSubtype="0" fill="hold" grpId="0" nodeType="withEffect">
+                                  <p:stCondLst>
+                                    <p:cond delay="0"/>
+                                  </p:stCondLst>
+                                  <p:childTnLst>
+                                    <p:animEffect transition="out" filter="fade">
+                                      <p:cBhvr>
+                                        <p:cTn id="14" dur="500"/>
+                                        <p:tgtEl>
+                                          <p:spTgt spid="2"/>
+                                        </p:tgtEl>
+                                      </p:cBhvr>
+                                    </p:animEffect>
+                                    <p:set>
+                                      <p:cBhvr>
+                                        <p:cTn id="15" dur="1" fill="hold">
+                                          <p:stCondLst>
+                                            <p:cond delay="499"/>
+                                          </p:stCondLst>
+                                        </p:cTn>
+                                        <p:tgtEl>
+                                          <p:spTgt spid="2"/>
+                                        </p:tgtEl>
+                                        <p:attrNameLst>
+                                          <p:attrName>style.visibility</p:attrName>
+                                        </p:attrNameLst>
+                                      </p:cBhvr>
+                                      <p:to>
+                                        <p:strVal val="hidden"/>
+                                      </p:to>
+                                    </p:set>
+                                  </p:childTnLst>
+                                </p:cTn>
+                              </p:par>
+                              <p:par>
+                                <p:cTn id="16" presetID="10" presetClass="entr" presetSubtype="0" fill="hold" nodeType="withEffect">
+                                  <p:stCondLst>
+                                    <p:cond delay="0"/>
+                                  </p:stCondLst>
+                                  <p:childTnLst>
+                                    <p:set>
+                                      <p:cBhvr>
+                                        <p:cTn id="17" dur="1" fill="hold">
+                                          <p:stCondLst>
+                                            <p:cond delay="0"/>
+                                          </p:stCondLst>
+                                        </p:cTn>
+                                        <p:tgtEl>
+                                          <p:spTgt spid="6"/>
+                                        </p:tgtEl>
+                                        <p:attrNameLst>
+                                          <p:attrName>style.visibility</p:attrName>
+                                        </p:attrNameLst>
+                                      </p:cBhvr>
+                                      <p:to>
+                                        <p:strVal val="visible"/>
+                                      </p:to>
+                                    </p:set>
+                                    <p:animEffect transition="in" filter="fade">
+                                      <p:cBhvr>
+                                        <p:cTn id="18" dur="500"/>
+                                        <p:tgtEl>
+                                          <p:spTgt spid="6"/>
+                                        </p:tgtEl>
+                                      </p:cBhvr>
+                                    </p:animEffect>
+                                  </p:childTnLst>
+                                </p:cTn>
+                              </p:par>
                             </p:childTnLst>
                           </p:cTn>
                         </p:par>
@@ -12100,26 +13670,26 @@
                     </p:cTn>
                   </p:par>
                   <p:par>
-                    <p:cTn id="13" fill="hold">
+                    <p:cTn id="19" fill="hold">
                       <p:stCondLst>
                         <p:cond delay="indefinite"/>
                       </p:stCondLst>
                       <p:childTnLst>
                         <p:par>
-                          <p:cTn id="14" fill="hold">
+                          <p:cTn id="20" fill="hold">
                             <p:stCondLst>
                               <p:cond delay="0"/>
                             </p:stCondLst>
                             <p:childTnLst>
                               <p:par>
-                                <p:cTn id="15" presetID="16" presetClass="entr" presetSubtype="21" fill="hold" grpId="0" nodeType="clickEffect">
+                                <p:cTn id="21" presetID="16" presetClass="entr" presetSubtype="21" fill="hold" grpId="0" nodeType="clickEffect">
                                   <p:stCondLst>
                                     <p:cond delay="0"/>
                                   </p:stCondLst>
                                   <p:childTnLst>
                                     <p:set>
                                       <p:cBhvr>
-                                        <p:cTn id="16" dur="1" fill="hold">
+                                        <p:cTn id="22" dur="1" fill="hold">
                                           <p:stCondLst>
                                             <p:cond delay="0"/>
                                           </p:stCondLst>
@@ -12137,7 +13707,7 @@
                                     </p:set>
                                     <p:animEffect transition="in" filter="barn(inVertical)">
                                       <p:cBhvr>
-                                        <p:cTn id="17" dur="500"/>
+                                        <p:cTn id="23" dur="500"/>
                                         <p:tgtEl>
                                           <p:spTgt spid="10"/>
                                         </p:tgtEl>
@@ -12147,14 +13717,14 @@
                                 </p:cTn>
                               </p:par>
                               <p:par>
-                                <p:cTn id="18" presetID="16" presetClass="entr" presetSubtype="21" fill="hold" grpId="0" nodeType="withEffect">
+                                <p:cTn id="24" presetID="16" presetClass="entr" presetSubtype="21" fill="hold" grpId="0" nodeType="withEffect">
                                   <p:stCondLst>
                                     <p:cond delay="0"/>
                                   </p:stCondLst>
                                   <p:childTnLst>
                                     <p:set>
                                       <p:cBhvr>
-                                        <p:cTn id="19" dur="1" fill="hold">
+                                        <p:cTn id="25" dur="1" fill="hold">
                                           <p:stCondLst>
                                             <p:cond delay="0"/>
                                           </p:stCondLst>
@@ -12172,7 +13742,7 @@
                                     </p:set>
                                     <p:animEffect transition="in" filter="barn(inVertical)">
                                       <p:cBhvr>
-                                        <p:cTn id="20" dur="500"/>
+                                        <p:cTn id="26" dur="500"/>
                                         <p:tgtEl>
                                           <p:spTgt spid="12"/>
                                         </p:tgtEl>
@@ -12182,14 +13752,14 @@
                                 </p:cTn>
                               </p:par>
                               <p:par>
-                                <p:cTn id="21" presetID="16" presetClass="entr" presetSubtype="21" fill="hold" grpId="0" nodeType="withEffect">
+                                <p:cTn id="27" presetID="16" presetClass="entr" presetSubtype="21" fill="hold" grpId="0" nodeType="withEffect">
                                   <p:stCondLst>
                                     <p:cond delay="0"/>
                                   </p:stCondLst>
                                   <p:childTnLst>
                                     <p:set>
                                       <p:cBhvr>
-                                        <p:cTn id="22" dur="1" fill="hold">
+                                        <p:cTn id="28" dur="1" fill="hold">
                                           <p:stCondLst>
                                             <p:cond delay="0"/>
                                           </p:stCondLst>
@@ -12207,7 +13777,7 @@
                                     </p:set>
                                     <p:animEffect transition="in" filter="barn(inVertical)">
                                       <p:cBhvr>
-                                        <p:cTn id="23" dur="500"/>
+                                        <p:cTn id="29" dur="500"/>
                                         <p:tgtEl>
                                           <p:spTgt spid="14"/>
                                         </p:tgtEl>
@@ -12247,1195 +13817,9 @@
       <p:bldP spid="10" grpId="0" animBg="1"/>
       <p:bldP spid="12" grpId="0" animBg="1"/>
       <p:bldP spid="14" grpId="0" animBg="1"/>
+      <p:bldP spid="2" grpId="0"/>
+      <p:bldP spid="2" grpId="1"/>
     </p:bldLst>
-  </p:timing>
-</p:sld>
-</file>
-
-<file path=ppt/slides/slide8.xml><?xml version="1.0" encoding="utf-8"?>
-<p:sld xmlns:a="http://schemas.openxmlformats.org/drawingml/2006/main" xmlns:r="http://schemas.openxmlformats.org/officeDocument/2006/relationships" xmlns:p="http://schemas.openxmlformats.org/presentationml/2006/main">
-  <p:cSld>
-    <p:bg>
-      <p:bgPr>
-        <a:solidFill>
-          <a:schemeClr val="bg1"/>
-        </a:solidFill>
-        <a:effectLst/>
-      </p:bgPr>
-    </p:bg>
-    <p:spTree>
-      <p:nvGrpSpPr>
-        <p:cNvPr id="1" name=""/>
-        <p:cNvGrpSpPr/>
-        <p:nvPr/>
-      </p:nvGrpSpPr>
-      <p:grpSpPr>
-        <a:xfrm>
-          <a:off x="0" y="0"/>
-          <a:ext cx="0" cy="0"/>
-          <a:chOff x="0" y="0"/>
-          <a:chExt cx="0" cy="0"/>
-        </a:xfrm>
-      </p:grpSpPr>
-      <p:sp>
-        <p:nvSpPr>
-          <p:cNvPr id="52" name="Rectangle 51">
-            <a:extLst>
-              <a:ext uri="{FF2B5EF4-FFF2-40B4-BE49-F238E27FC236}">
-                <a16:creationId xmlns:a16="http://schemas.microsoft.com/office/drawing/2014/main" id="{32BC26D8-82FB-445E-AA49-62A77D7C1EE0}"/>
-              </a:ext>
-              <a:ext uri="{C183D7F6-B498-43B3-948B-1728B52AA6E4}">
-                <adec:decorative xmlns:adec="http://schemas.microsoft.com/office/drawing/2017/decorative" val="1"/>
-              </a:ext>
-            </a:extLst>
-          </p:cNvPr>
-          <p:cNvSpPr>
-            <a:spLocks noGrp="1" noRot="1" noChangeAspect="1" noMove="1" noResize="1" noEditPoints="1" noAdjustHandles="1" noChangeArrowheads="1" noChangeShapeType="1" noTextEdit="1"/>
-          </p:cNvSpPr>
-          <p:nvPr>
-            <p:extLst>
-              <p:ext uri="{386F3935-93C4-4BCD-93E2-E3B085C9AB24}">
-                <p16:designElem xmlns:p16="http://schemas.microsoft.com/office/powerpoint/2015/main" val="1"/>
-              </p:ext>
-            </p:extLst>
-          </p:nvPr>
-        </p:nvSpPr>
-        <p:spPr>
-          <a:xfrm>
-            <a:off x="0" y="0"/>
-            <a:ext cx="12192000" cy="6858000"/>
-          </a:xfrm>
-          <a:prstGeom prst="rect">
-            <a:avLst/>
-          </a:prstGeom>
-          <a:solidFill>
-            <a:schemeClr val="tx1">
-              <a:lumMod val="65000"/>
-              <a:lumOff val="35000"/>
-            </a:schemeClr>
-          </a:solidFill>
-          <a:ln>
-            <a:noFill/>
-          </a:ln>
-        </p:spPr>
-        <p:style>
-          <a:lnRef idx="2">
-            <a:schemeClr val="accent1">
-              <a:shade val="50000"/>
-            </a:schemeClr>
-          </a:lnRef>
-          <a:fillRef idx="1">
-            <a:schemeClr val="accent1"/>
-          </a:fillRef>
-          <a:effectRef idx="0">
-            <a:schemeClr val="accent1"/>
-          </a:effectRef>
-          <a:fontRef idx="minor">
-            <a:schemeClr val="lt1"/>
-          </a:fontRef>
-        </p:style>
-        <p:txBody>
-          <a:bodyPr rtlCol="0" anchor="ctr"/>
-          <a:lstStyle/>
-          <a:p>
-            <a:pPr algn="ctr"/>
-            <a:endParaRPr lang="en-US"/>
-          </a:p>
-        </p:txBody>
-      </p:sp>
-      <p:sp>
-        <p:nvSpPr>
-          <p:cNvPr id="53" name="Rectangle 52">
-            <a:extLst>
-              <a:ext uri="{FF2B5EF4-FFF2-40B4-BE49-F238E27FC236}">
-                <a16:creationId xmlns:a16="http://schemas.microsoft.com/office/drawing/2014/main" id="{CB44330D-EA18-4254-AA95-EB49948539B8}"/>
-              </a:ext>
-              <a:ext uri="{C183D7F6-B498-43B3-948B-1728B52AA6E4}">
-                <adec:decorative xmlns:adec="http://schemas.microsoft.com/office/drawing/2017/decorative" val="1"/>
-              </a:ext>
-            </a:extLst>
-          </p:cNvPr>
-          <p:cNvSpPr>
-            <a:spLocks noGrp="1" noRot="1" noChangeAspect="1" noMove="1" noResize="1" noEditPoints="1" noAdjustHandles="1" noChangeArrowheads="1" noChangeShapeType="1" noTextEdit="1"/>
-          </p:cNvSpPr>
-          <p:nvPr>
-            <p:extLst>
-              <p:ext uri="{386F3935-93C4-4BCD-93E2-E3B085C9AB24}">
-                <p16:designElem xmlns:p16="http://schemas.microsoft.com/office/powerpoint/2015/main" val="1"/>
-              </p:ext>
-            </p:extLst>
-          </p:nvPr>
-        </p:nvSpPr>
-        <p:spPr>
-          <a:xfrm>
-            <a:off x="477012" y="480060"/>
-            <a:ext cx="11237976" cy="5897880"/>
-          </a:xfrm>
-          <a:prstGeom prst="rect">
-            <a:avLst/>
-          </a:prstGeom>
-          <a:solidFill>
-            <a:srgbClr val="FFFFFF"/>
-          </a:solidFill>
-          <a:ln>
-            <a:noFill/>
-          </a:ln>
-        </p:spPr>
-        <p:style>
-          <a:lnRef idx="2">
-            <a:schemeClr val="accent1">
-              <a:shade val="50000"/>
-            </a:schemeClr>
-          </a:lnRef>
-          <a:fillRef idx="1">
-            <a:schemeClr val="accent1"/>
-          </a:fillRef>
-          <a:effectRef idx="0">
-            <a:schemeClr val="accent1"/>
-          </a:effectRef>
-          <a:fontRef idx="minor">
-            <a:schemeClr val="lt1"/>
-          </a:fontRef>
-        </p:style>
-        <p:txBody>
-          <a:bodyPr rtlCol="0" anchor="ctr"/>
-          <a:lstStyle/>
-          <a:p>
-            <a:pPr algn="ctr"/>
-            <a:endParaRPr lang="en-US"/>
-          </a:p>
-        </p:txBody>
-      </p:sp>
-      <p:pic>
-        <p:nvPicPr>
-          <p:cNvPr id="11" name="Content Placeholder 10">
-            <a:extLst>
-              <a:ext uri="{FF2B5EF4-FFF2-40B4-BE49-F238E27FC236}">
-                <a16:creationId xmlns:a16="http://schemas.microsoft.com/office/drawing/2014/main" id="{284FAB06-5912-25C1-4F09-1735FA5BFAA6}"/>
-              </a:ext>
-            </a:extLst>
-          </p:cNvPr>
-          <p:cNvPicPr>
-            <a:picLocks noChangeAspect="1"/>
-          </p:cNvPicPr>
-          <p:nvPr/>
-        </p:nvPicPr>
-        <p:blipFill rotWithShape="1">
-          <a:blip r:embed="rId2">
-            <a:extLst>
-              <a:ext uri="{28A0092B-C50C-407E-A947-70E740481C1C}">
-                <a14:useLocalDpi xmlns:a14="http://schemas.microsoft.com/office/drawing/2010/main" val="0"/>
-              </a:ext>
-            </a:extLst>
-          </a:blip>
-          <a:srcRect t="1647" b="4989"/>
-          <a:stretch/>
-        </p:blipFill>
-        <p:spPr>
-          <a:xfrm>
-            <a:off x="1264389" y="643467"/>
-            <a:ext cx="9663221" cy="5571066"/>
-          </a:xfrm>
-          <a:prstGeom prst="rect">
-            <a:avLst/>
-          </a:prstGeom>
-        </p:spPr>
-      </p:pic>
-      <p:sp>
-        <p:nvSpPr>
-          <p:cNvPr id="2" name="Rectangle 1">
-            <a:extLst>
-              <a:ext uri="{FF2B5EF4-FFF2-40B4-BE49-F238E27FC236}">
-                <a16:creationId xmlns:a16="http://schemas.microsoft.com/office/drawing/2014/main" id="{F5390BAE-90CC-6409-2AF7-C9B52A52F329}"/>
-              </a:ext>
-            </a:extLst>
-          </p:cNvPr>
-          <p:cNvSpPr/>
-          <p:nvPr/>
-        </p:nvSpPr>
-        <p:spPr>
-          <a:xfrm>
-            <a:off x="8788400" y="3637280"/>
-            <a:ext cx="726971" cy="873760"/>
-          </a:xfrm>
-          <a:prstGeom prst="rect">
-            <a:avLst/>
-          </a:prstGeom>
-          <a:noFill/>
-          <a:ln w="25400">
-            <a:solidFill>
-              <a:schemeClr val="tx1">
-                <a:alpha val="51000"/>
-              </a:schemeClr>
-            </a:solidFill>
-            <a:prstDash val="sysDash"/>
-          </a:ln>
-          <a:effectLst/>
-        </p:spPr>
-        <p:style>
-          <a:lnRef idx="2">
-            <a:schemeClr val="accent1">
-              <a:shade val="15000"/>
-            </a:schemeClr>
-          </a:lnRef>
-          <a:fillRef idx="1">
-            <a:schemeClr val="accent1"/>
-          </a:fillRef>
-          <a:effectRef idx="0">
-            <a:schemeClr val="accent1"/>
-          </a:effectRef>
-          <a:fontRef idx="minor">
-            <a:schemeClr val="lt1"/>
-          </a:fontRef>
-        </p:style>
-        <p:txBody>
-          <a:bodyPr rtlCol="0" anchor="ctr"/>
-          <a:lstStyle/>
-          <a:p>
-            <a:pPr algn="ctr"/>
-            <a:r>
-              <a:rPr lang="en-US" dirty="0"/>
-              <a:t> </a:t>
-            </a:r>
-          </a:p>
-        </p:txBody>
-      </p:sp>
-      <p:sp>
-        <p:nvSpPr>
-          <p:cNvPr id="4" name="Rectangle 3">
-            <a:extLst>
-              <a:ext uri="{FF2B5EF4-FFF2-40B4-BE49-F238E27FC236}">
-                <a16:creationId xmlns:a16="http://schemas.microsoft.com/office/drawing/2014/main" id="{208EE6CF-774D-592D-4069-35F7C702A450}"/>
-              </a:ext>
-            </a:extLst>
-          </p:cNvPr>
-          <p:cNvSpPr/>
-          <p:nvPr/>
-        </p:nvSpPr>
-        <p:spPr>
-          <a:xfrm>
-            <a:off x="5019040" y="3576320"/>
-            <a:ext cx="762000" cy="914400"/>
-          </a:xfrm>
-          <a:prstGeom prst="rect">
-            <a:avLst/>
-          </a:prstGeom>
-          <a:noFill/>
-          <a:ln w="25400">
-            <a:solidFill>
-              <a:schemeClr val="tx1">
-                <a:alpha val="51000"/>
-              </a:schemeClr>
-            </a:solidFill>
-            <a:prstDash val="sysDash"/>
-          </a:ln>
-          <a:effectLst/>
-        </p:spPr>
-        <p:style>
-          <a:lnRef idx="2">
-            <a:schemeClr val="accent1">
-              <a:shade val="15000"/>
-            </a:schemeClr>
-          </a:lnRef>
-          <a:fillRef idx="1">
-            <a:schemeClr val="accent1"/>
-          </a:fillRef>
-          <a:effectRef idx="0">
-            <a:schemeClr val="accent1"/>
-          </a:effectRef>
-          <a:fontRef idx="minor">
-            <a:schemeClr val="lt1"/>
-          </a:fontRef>
-        </p:style>
-        <p:txBody>
-          <a:bodyPr rtlCol="0" anchor="ctr"/>
-          <a:lstStyle/>
-          <a:p>
-            <a:pPr algn="ctr"/>
-            <a:endParaRPr lang="en-US"/>
-          </a:p>
-        </p:txBody>
-      </p:sp>
-      <p:sp>
-        <p:nvSpPr>
-          <p:cNvPr id="5" name="Rectangle 4">
-            <a:extLst>
-              <a:ext uri="{FF2B5EF4-FFF2-40B4-BE49-F238E27FC236}">
-                <a16:creationId xmlns:a16="http://schemas.microsoft.com/office/drawing/2014/main" id="{70AA9E2F-4BB2-7CFF-D3BC-E7036E21E925}"/>
-              </a:ext>
-            </a:extLst>
-          </p:cNvPr>
-          <p:cNvSpPr/>
-          <p:nvPr/>
-        </p:nvSpPr>
-        <p:spPr>
-          <a:xfrm>
-            <a:off x="5770880" y="3157220"/>
-            <a:ext cx="762000" cy="1343660"/>
-          </a:xfrm>
-          <a:prstGeom prst="rect">
-            <a:avLst/>
-          </a:prstGeom>
-          <a:noFill/>
-          <a:ln w="25400">
-            <a:solidFill>
-              <a:schemeClr val="tx1">
-                <a:alpha val="51000"/>
-              </a:schemeClr>
-            </a:solidFill>
-            <a:prstDash val="sysDash"/>
-          </a:ln>
-          <a:effectLst/>
-        </p:spPr>
-        <p:style>
-          <a:lnRef idx="2">
-            <a:schemeClr val="accent1">
-              <a:shade val="15000"/>
-            </a:schemeClr>
-          </a:lnRef>
-          <a:fillRef idx="1">
-            <a:schemeClr val="accent1"/>
-          </a:fillRef>
-          <a:effectRef idx="0">
-            <a:schemeClr val="accent1"/>
-          </a:effectRef>
-          <a:fontRef idx="minor">
-            <a:schemeClr val="lt1"/>
-          </a:fontRef>
-        </p:style>
-        <p:txBody>
-          <a:bodyPr rtlCol="0" anchor="ctr"/>
-          <a:lstStyle/>
-          <a:p>
-            <a:pPr algn="ctr"/>
-            <a:endParaRPr lang="en-US"/>
-          </a:p>
-        </p:txBody>
-      </p:sp>
-      <p:sp>
-        <p:nvSpPr>
-          <p:cNvPr id="6" name="Rectangle 5">
-            <a:extLst>
-              <a:ext uri="{FF2B5EF4-FFF2-40B4-BE49-F238E27FC236}">
-                <a16:creationId xmlns:a16="http://schemas.microsoft.com/office/drawing/2014/main" id="{5B0BE40B-4CCB-1BEB-1416-68E5BBBEA5EC}"/>
-              </a:ext>
-            </a:extLst>
-          </p:cNvPr>
-          <p:cNvSpPr/>
-          <p:nvPr/>
-        </p:nvSpPr>
-        <p:spPr>
-          <a:xfrm>
-            <a:off x="2804160" y="3197860"/>
-            <a:ext cx="762000" cy="1292860"/>
-          </a:xfrm>
-          <a:prstGeom prst="rect">
-            <a:avLst/>
-          </a:prstGeom>
-          <a:noFill/>
-          <a:ln w="25400">
-            <a:solidFill>
-              <a:schemeClr val="tx1">
-                <a:alpha val="51000"/>
-              </a:schemeClr>
-            </a:solidFill>
-            <a:prstDash val="sysDash"/>
-          </a:ln>
-          <a:effectLst/>
-        </p:spPr>
-        <p:style>
-          <a:lnRef idx="2">
-            <a:schemeClr val="accent1">
-              <a:shade val="15000"/>
-            </a:schemeClr>
-          </a:lnRef>
-          <a:fillRef idx="1">
-            <a:schemeClr val="accent1"/>
-          </a:fillRef>
-          <a:effectRef idx="0">
-            <a:schemeClr val="accent1"/>
-          </a:effectRef>
-          <a:fontRef idx="minor">
-            <a:schemeClr val="lt1"/>
-          </a:fontRef>
-        </p:style>
-        <p:txBody>
-          <a:bodyPr rtlCol="0" anchor="ctr"/>
-          <a:lstStyle/>
-          <a:p>
-            <a:pPr algn="ctr"/>
-            <a:endParaRPr lang="en-US"/>
-          </a:p>
-        </p:txBody>
-      </p:sp>
-      <p:sp>
-        <p:nvSpPr>
-          <p:cNvPr id="7" name="Rectangle 6">
-            <a:extLst>
-              <a:ext uri="{FF2B5EF4-FFF2-40B4-BE49-F238E27FC236}">
-                <a16:creationId xmlns:a16="http://schemas.microsoft.com/office/drawing/2014/main" id="{6C102D7F-85C4-08DE-725B-39DEEF3427E0}"/>
-              </a:ext>
-            </a:extLst>
-          </p:cNvPr>
-          <p:cNvSpPr/>
-          <p:nvPr/>
-        </p:nvSpPr>
-        <p:spPr>
-          <a:xfrm>
-            <a:off x="6545037" y="3576320"/>
-            <a:ext cx="719363" cy="914400"/>
-          </a:xfrm>
-          <a:prstGeom prst="rect">
-            <a:avLst/>
-          </a:prstGeom>
-          <a:noFill/>
-          <a:ln w="25400">
-            <a:solidFill>
-              <a:schemeClr val="tx1">
-                <a:alpha val="51000"/>
-              </a:schemeClr>
-            </a:solidFill>
-            <a:prstDash val="sysDash"/>
-          </a:ln>
-          <a:effectLst/>
-        </p:spPr>
-        <p:style>
-          <a:lnRef idx="2">
-            <a:schemeClr val="accent1">
-              <a:shade val="15000"/>
-            </a:schemeClr>
-          </a:lnRef>
-          <a:fillRef idx="1">
-            <a:schemeClr val="accent1"/>
-          </a:fillRef>
-          <a:effectRef idx="0">
-            <a:schemeClr val="accent1"/>
-          </a:effectRef>
-          <a:fontRef idx="minor">
-            <a:schemeClr val="lt1"/>
-          </a:fontRef>
-        </p:style>
-        <p:txBody>
-          <a:bodyPr rtlCol="0" anchor="ctr"/>
-          <a:lstStyle/>
-          <a:p>
-            <a:pPr algn="ctr"/>
-            <a:endParaRPr lang="en-US"/>
-          </a:p>
-        </p:txBody>
-      </p:sp>
-    </p:spTree>
-    <p:extLst>
-      <p:ext uri="{BB962C8B-B14F-4D97-AF65-F5344CB8AC3E}">
-        <p14:creationId xmlns:p14="http://schemas.microsoft.com/office/powerpoint/2010/main" val="3954898101"/>
-      </p:ext>
-    </p:extLst>
-  </p:cSld>
-  <p:clrMapOvr>
-    <a:masterClrMapping/>
-  </p:clrMapOvr>
-  <p:timing>
-    <p:tnLst>
-      <p:par>
-        <p:cTn id="1" dur="indefinite" restart="never" nodeType="tmRoot">
-          <p:childTnLst>
-            <p:seq concurrent="1" nextAc="seek">
-              <p:cTn id="2" dur="indefinite" nodeType="mainSeq">
-                <p:childTnLst>
-                  <p:par>
-                    <p:cTn id="3" fill="hold">
-                      <p:stCondLst>
-                        <p:cond delay="indefinite"/>
-                        <p:cond evt="onBegin" delay="0">
-                          <p:tn val="2"/>
-                        </p:cond>
-                      </p:stCondLst>
-                      <p:childTnLst>
-                        <p:par>
-                          <p:cTn id="4" fill="hold">
-                            <p:stCondLst>
-                              <p:cond delay="0"/>
-                            </p:stCondLst>
-                            <p:childTnLst>
-                              <p:par>
-                                <p:cTn id="5" presetID="10" presetClass="entr" presetSubtype="0" fill="hold" nodeType="withEffect">
-                                  <p:stCondLst>
-                                    <p:cond delay="0"/>
-                                  </p:stCondLst>
-                                  <p:childTnLst>
-                                    <p:set>
-                                      <p:cBhvr>
-                                        <p:cTn id="6" dur="1" fill="hold">
-                                          <p:stCondLst>
-                                            <p:cond delay="0"/>
-                                          </p:stCondLst>
-                                        </p:cTn>
-                                        <p:tgtEl>
-                                          <p:spTgt spid="11"/>
-                                        </p:tgtEl>
-                                        <p:attrNameLst>
-                                          <p:attrName>style.visibility</p:attrName>
-                                        </p:attrNameLst>
-                                      </p:cBhvr>
-                                      <p:to>
-                                        <p:strVal val="visible"/>
-                                      </p:to>
-                                    </p:set>
-                                    <p:animEffect transition="in" filter="fade">
-                                      <p:cBhvr>
-                                        <p:cTn id="7" dur="500"/>
-                                        <p:tgtEl>
-                                          <p:spTgt spid="11"/>
-                                        </p:tgtEl>
-                                      </p:cBhvr>
-                                    </p:animEffect>
-                                  </p:childTnLst>
-                                </p:cTn>
-                              </p:par>
-                            </p:childTnLst>
-                          </p:cTn>
-                        </p:par>
-                      </p:childTnLst>
-                    </p:cTn>
-                  </p:par>
-                  <p:par>
-                    <p:cTn id="8" fill="hold">
-                      <p:stCondLst>
-                        <p:cond delay="indefinite"/>
-                      </p:stCondLst>
-                      <p:childTnLst>
-                        <p:par>
-                          <p:cTn id="9" fill="hold">
-                            <p:stCondLst>
-                              <p:cond delay="0"/>
-                            </p:stCondLst>
-                            <p:childTnLst>
-                              <p:par>
-                                <p:cTn id="10" presetID="16" presetClass="entr" presetSubtype="21" fill="hold" grpId="0" nodeType="clickEffect">
-                                  <p:stCondLst>
-                                    <p:cond delay="0"/>
-                                  </p:stCondLst>
-                                  <p:childTnLst>
-                                    <p:set>
-                                      <p:cBhvr>
-                                        <p:cTn id="11" dur="1" fill="hold">
-                                          <p:stCondLst>
-                                            <p:cond delay="0"/>
-                                          </p:stCondLst>
-                                        </p:cTn>
-                                        <p:tgtEl>
-                                          <p:spTgt spid="2"/>
-                                        </p:tgtEl>
-                                        <p:attrNameLst>
-                                          <p:attrName>style.visibility</p:attrName>
-                                        </p:attrNameLst>
-                                      </p:cBhvr>
-                                      <p:to>
-                                        <p:strVal val="visible"/>
-                                      </p:to>
-                                    </p:set>
-                                    <p:animEffect transition="in" filter="barn(inVertical)">
-                                      <p:cBhvr>
-                                        <p:cTn id="12" dur="500"/>
-                                        <p:tgtEl>
-                                          <p:spTgt spid="2"/>
-                                        </p:tgtEl>
-                                      </p:cBhvr>
-                                    </p:animEffect>
-                                  </p:childTnLst>
-                                </p:cTn>
-                              </p:par>
-                              <p:par>
-                                <p:cTn id="13" presetID="16" presetClass="entr" presetSubtype="21" fill="hold" grpId="0" nodeType="withEffect">
-                                  <p:stCondLst>
-                                    <p:cond delay="0"/>
-                                  </p:stCondLst>
-                                  <p:childTnLst>
-                                    <p:set>
-                                      <p:cBhvr>
-                                        <p:cTn id="14" dur="1" fill="hold">
-                                          <p:stCondLst>
-                                            <p:cond delay="0"/>
-                                          </p:stCondLst>
-                                        </p:cTn>
-                                        <p:tgtEl>
-                                          <p:spTgt spid="4"/>
-                                        </p:tgtEl>
-                                        <p:attrNameLst>
-                                          <p:attrName>style.visibility</p:attrName>
-                                        </p:attrNameLst>
-                                      </p:cBhvr>
-                                      <p:to>
-                                        <p:strVal val="visible"/>
-                                      </p:to>
-                                    </p:set>
-                                    <p:animEffect transition="in" filter="barn(inVertical)">
-                                      <p:cBhvr>
-                                        <p:cTn id="15" dur="500"/>
-                                        <p:tgtEl>
-                                          <p:spTgt spid="4"/>
-                                        </p:tgtEl>
-                                      </p:cBhvr>
-                                    </p:animEffect>
-                                  </p:childTnLst>
-                                </p:cTn>
-                              </p:par>
-                              <p:par>
-                                <p:cTn id="16" presetID="16" presetClass="entr" presetSubtype="21" fill="hold" grpId="0" nodeType="withEffect">
-                                  <p:stCondLst>
-                                    <p:cond delay="0"/>
-                                  </p:stCondLst>
-                                  <p:childTnLst>
-                                    <p:set>
-                                      <p:cBhvr>
-                                        <p:cTn id="17" dur="1" fill="hold">
-                                          <p:stCondLst>
-                                            <p:cond delay="0"/>
-                                          </p:stCondLst>
-                                        </p:cTn>
-                                        <p:tgtEl>
-                                          <p:spTgt spid="5"/>
-                                        </p:tgtEl>
-                                        <p:attrNameLst>
-                                          <p:attrName>style.visibility</p:attrName>
-                                        </p:attrNameLst>
-                                      </p:cBhvr>
-                                      <p:to>
-                                        <p:strVal val="visible"/>
-                                      </p:to>
-                                    </p:set>
-                                    <p:animEffect transition="in" filter="barn(inVertical)">
-                                      <p:cBhvr>
-                                        <p:cTn id="18" dur="500"/>
-                                        <p:tgtEl>
-                                          <p:spTgt spid="5"/>
-                                        </p:tgtEl>
-                                      </p:cBhvr>
-                                    </p:animEffect>
-                                  </p:childTnLst>
-                                </p:cTn>
-                              </p:par>
-                              <p:par>
-                                <p:cTn id="19" presetID="16" presetClass="entr" presetSubtype="21" fill="hold" grpId="0" nodeType="withEffect">
-                                  <p:stCondLst>
-                                    <p:cond delay="0"/>
-                                  </p:stCondLst>
-                                  <p:childTnLst>
-                                    <p:set>
-                                      <p:cBhvr>
-                                        <p:cTn id="20" dur="1" fill="hold">
-                                          <p:stCondLst>
-                                            <p:cond delay="0"/>
-                                          </p:stCondLst>
-                                        </p:cTn>
-                                        <p:tgtEl>
-                                          <p:spTgt spid="6"/>
-                                        </p:tgtEl>
-                                        <p:attrNameLst>
-                                          <p:attrName>style.visibility</p:attrName>
-                                        </p:attrNameLst>
-                                      </p:cBhvr>
-                                      <p:to>
-                                        <p:strVal val="visible"/>
-                                      </p:to>
-                                    </p:set>
-                                    <p:animEffect transition="in" filter="barn(inVertical)">
-                                      <p:cBhvr>
-                                        <p:cTn id="21" dur="500"/>
-                                        <p:tgtEl>
-                                          <p:spTgt spid="6"/>
-                                        </p:tgtEl>
-                                      </p:cBhvr>
-                                    </p:animEffect>
-                                  </p:childTnLst>
-                                </p:cTn>
-                              </p:par>
-                              <p:par>
-                                <p:cTn id="22" presetID="16" presetClass="entr" presetSubtype="21" fill="hold" grpId="0" nodeType="withEffect">
-                                  <p:stCondLst>
-                                    <p:cond delay="0"/>
-                                  </p:stCondLst>
-                                  <p:childTnLst>
-                                    <p:set>
-                                      <p:cBhvr>
-                                        <p:cTn id="23" dur="1" fill="hold">
-                                          <p:stCondLst>
-                                            <p:cond delay="0"/>
-                                          </p:stCondLst>
-                                        </p:cTn>
-                                        <p:tgtEl>
-                                          <p:spTgt spid="7"/>
-                                        </p:tgtEl>
-                                        <p:attrNameLst>
-                                          <p:attrName>style.visibility</p:attrName>
-                                        </p:attrNameLst>
-                                      </p:cBhvr>
-                                      <p:to>
-                                        <p:strVal val="visible"/>
-                                      </p:to>
-                                    </p:set>
-                                    <p:animEffect transition="in" filter="barn(inVertical)">
-                                      <p:cBhvr>
-                                        <p:cTn id="24" dur="500"/>
-                                        <p:tgtEl>
-                                          <p:spTgt spid="7"/>
-                                        </p:tgtEl>
-                                      </p:cBhvr>
-                                    </p:animEffect>
-                                  </p:childTnLst>
-                                </p:cTn>
-                              </p:par>
-                            </p:childTnLst>
-                          </p:cTn>
-                        </p:par>
-                      </p:childTnLst>
-                    </p:cTn>
-                  </p:par>
-                </p:childTnLst>
-              </p:cTn>
-              <p:prevCondLst>
-                <p:cond evt="onPrev" delay="0">
-                  <p:tgtEl>
-                    <p:sldTgt/>
-                  </p:tgtEl>
-                </p:cond>
-              </p:prevCondLst>
-              <p:nextCondLst>
-                <p:cond evt="onNext" delay="0">
-                  <p:tgtEl>
-                    <p:sldTgt/>
-                  </p:tgtEl>
-                </p:cond>
-              </p:nextCondLst>
-            </p:seq>
-          </p:childTnLst>
-        </p:cTn>
-      </p:par>
-    </p:tnLst>
-    <p:bldLst>
-      <p:bldP spid="2" grpId="0" animBg="1"/>
-      <p:bldP spid="4" grpId="0" animBg="1"/>
-      <p:bldP spid="5" grpId="0" animBg="1"/>
-      <p:bldP spid="6" grpId="0" animBg="1"/>
-      <p:bldP spid="7" grpId="0" animBg="1"/>
-    </p:bldLst>
-  </p:timing>
-</p:sld>
-</file>
-
-<file path=ppt/slides/slide9.xml><?xml version="1.0" encoding="utf-8"?>
-<p:sld xmlns:a="http://schemas.openxmlformats.org/drawingml/2006/main" xmlns:r="http://schemas.openxmlformats.org/officeDocument/2006/relationships" xmlns:p="http://schemas.openxmlformats.org/presentationml/2006/main">
-  <p:cSld>
-    <p:bg>
-      <p:bgPr>
-        <a:solidFill>
-          <a:schemeClr val="bg1"/>
-        </a:solidFill>
-        <a:effectLst/>
-      </p:bgPr>
-    </p:bg>
-    <p:spTree>
-      <p:nvGrpSpPr>
-        <p:cNvPr id="1" name=""/>
-        <p:cNvGrpSpPr/>
-        <p:nvPr/>
-      </p:nvGrpSpPr>
-      <p:grpSpPr>
-        <a:xfrm>
-          <a:off x="0" y="0"/>
-          <a:ext cx="0" cy="0"/>
-          <a:chOff x="0" y="0"/>
-          <a:chExt cx="0" cy="0"/>
-        </a:xfrm>
-      </p:grpSpPr>
-      <p:sp>
-        <p:nvSpPr>
-          <p:cNvPr id="34" name="Rectangle 33">
-            <a:extLst>
-              <a:ext uri="{FF2B5EF4-FFF2-40B4-BE49-F238E27FC236}">
-                <a16:creationId xmlns:a16="http://schemas.microsoft.com/office/drawing/2014/main" id="{5F9CFCE6-877F-4858-B8BD-2C52CA8AFBC4}"/>
-              </a:ext>
-              <a:ext uri="{C183D7F6-B498-43B3-948B-1728B52AA6E4}">
-                <adec:decorative xmlns:adec="http://schemas.microsoft.com/office/drawing/2017/decorative" val="1"/>
-              </a:ext>
-            </a:extLst>
-          </p:cNvPr>
-          <p:cNvSpPr>
-            <a:spLocks noGrp="1" noRot="1" noChangeAspect="1" noMove="1" noResize="1" noEditPoints="1" noAdjustHandles="1" noChangeArrowheads="1" noChangeShapeType="1" noTextEdit="1"/>
-          </p:cNvSpPr>
-          <p:nvPr>
-            <p:extLst>
-              <p:ext uri="{386F3935-93C4-4BCD-93E2-E3B085C9AB24}">
-                <p16:designElem xmlns:p16="http://schemas.microsoft.com/office/powerpoint/2015/main" val="1"/>
-              </p:ext>
-            </p:extLst>
-          </p:nvPr>
-        </p:nvSpPr>
-        <p:spPr>
-          <a:xfrm>
-            <a:off x="0" y="0"/>
-            <a:ext cx="12192000" cy="6858000"/>
-          </a:xfrm>
-          <a:prstGeom prst="rect">
-            <a:avLst/>
-          </a:prstGeom>
-          <a:solidFill>
-            <a:srgbClr val="4E4E4E"/>
-          </a:solidFill>
-          <a:ln>
-            <a:noFill/>
-          </a:ln>
-        </p:spPr>
-        <p:style>
-          <a:lnRef idx="2">
-            <a:schemeClr val="accent1">
-              <a:shade val="50000"/>
-            </a:schemeClr>
-          </a:lnRef>
-          <a:fillRef idx="1">
-            <a:schemeClr val="accent1"/>
-          </a:fillRef>
-          <a:effectRef idx="0">
-            <a:schemeClr val="accent1"/>
-          </a:effectRef>
-          <a:fontRef idx="minor">
-            <a:schemeClr val="lt1"/>
-          </a:fontRef>
-        </p:style>
-        <p:txBody>
-          <a:bodyPr rtlCol="0" anchor="ctr"/>
-          <a:lstStyle/>
-          <a:p>
-            <a:pPr algn="ctr"/>
-            <a:endParaRPr lang="en-US"/>
-          </a:p>
-        </p:txBody>
-      </p:sp>
-      <p:sp>
-        <p:nvSpPr>
-          <p:cNvPr id="36" name="Rectangle 35">
-            <a:extLst>
-              <a:ext uri="{FF2B5EF4-FFF2-40B4-BE49-F238E27FC236}">
-                <a16:creationId xmlns:a16="http://schemas.microsoft.com/office/drawing/2014/main" id="{8213F8A0-12AE-4514-8372-0DD766EC28EE}"/>
-              </a:ext>
-              <a:ext uri="{C183D7F6-B498-43B3-948B-1728B52AA6E4}">
-                <adec:decorative xmlns:adec="http://schemas.microsoft.com/office/drawing/2017/decorative" val="1"/>
-              </a:ext>
-            </a:extLst>
-          </p:cNvPr>
-          <p:cNvSpPr>
-            <a:spLocks noGrp="1" noRot="1" noChangeAspect="1" noMove="1" noResize="1" noEditPoints="1" noAdjustHandles="1" noChangeArrowheads="1" noChangeShapeType="1" noTextEdit="1"/>
-          </p:cNvSpPr>
-          <p:nvPr>
-            <p:extLst>
-              <p:ext uri="{386F3935-93C4-4BCD-93E2-E3B085C9AB24}">
-                <p16:designElem xmlns:p16="http://schemas.microsoft.com/office/powerpoint/2015/main" val="1"/>
-              </p:ext>
-            </p:extLst>
-          </p:nvPr>
-        </p:nvSpPr>
-        <p:spPr>
-          <a:xfrm>
-            <a:off x="6256866" y="480060"/>
-            <a:ext cx="5458122" cy="5897880"/>
-          </a:xfrm>
-          <a:prstGeom prst="rect">
-            <a:avLst/>
-          </a:prstGeom>
-          <a:solidFill>
-            <a:srgbClr val="FFFFFF"/>
-          </a:solidFill>
-          <a:ln>
-            <a:noFill/>
-          </a:ln>
-        </p:spPr>
-        <p:style>
-          <a:lnRef idx="2">
-            <a:schemeClr val="accent1">
-              <a:shade val="50000"/>
-            </a:schemeClr>
-          </a:lnRef>
-          <a:fillRef idx="1">
-            <a:schemeClr val="accent1"/>
-          </a:fillRef>
-          <a:effectRef idx="0">
-            <a:schemeClr val="accent1"/>
-          </a:effectRef>
-          <a:fontRef idx="minor">
-            <a:schemeClr val="lt1"/>
-          </a:fontRef>
-        </p:style>
-        <p:txBody>
-          <a:bodyPr rtlCol="0" anchor="ctr"/>
-          <a:lstStyle/>
-          <a:p>
-            <a:pPr algn="ctr"/>
-            <a:endParaRPr lang="en-US"/>
-          </a:p>
-        </p:txBody>
-      </p:sp>
-      <p:sp>
-        <p:nvSpPr>
-          <p:cNvPr id="38" name="Rectangle 37">
-            <a:extLst>
-              <a:ext uri="{FF2B5EF4-FFF2-40B4-BE49-F238E27FC236}">
-                <a16:creationId xmlns:a16="http://schemas.microsoft.com/office/drawing/2014/main" id="{9EFF17D4-9A8C-4CE5-B096-D8CCD4400437}"/>
-              </a:ext>
-              <a:ext uri="{C183D7F6-B498-43B3-948B-1728B52AA6E4}">
-                <adec:decorative xmlns:adec="http://schemas.microsoft.com/office/drawing/2017/decorative" val="1"/>
-              </a:ext>
-            </a:extLst>
-          </p:cNvPr>
-          <p:cNvSpPr>
-            <a:spLocks noGrp="1" noRot="1" noChangeAspect="1" noMove="1" noResize="1" noEditPoints="1" noAdjustHandles="1" noChangeArrowheads="1" noChangeShapeType="1" noTextEdit="1"/>
-          </p:cNvSpPr>
-          <p:nvPr>
-            <p:extLst>
-              <p:ext uri="{386F3935-93C4-4BCD-93E2-E3B085C9AB24}">
-                <p16:designElem xmlns:p16="http://schemas.microsoft.com/office/powerpoint/2015/main" val="1"/>
-              </p:ext>
-            </p:extLst>
-          </p:nvPr>
-        </p:nvSpPr>
-        <p:spPr>
-          <a:xfrm>
-            <a:off x="477012" y="480060"/>
-            <a:ext cx="5458121" cy="5897880"/>
-          </a:xfrm>
-          <a:prstGeom prst="rect">
-            <a:avLst/>
-          </a:prstGeom>
-          <a:solidFill>
-            <a:srgbClr val="FFFFFF"/>
-          </a:solidFill>
-          <a:ln>
-            <a:noFill/>
-          </a:ln>
-        </p:spPr>
-        <p:style>
-          <a:lnRef idx="2">
-            <a:schemeClr val="accent1">
-              <a:shade val="50000"/>
-            </a:schemeClr>
-          </a:lnRef>
-          <a:fillRef idx="1">
-            <a:schemeClr val="accent1"/>
-          </a:fillRef>
-          <a:effectRef idx="0">
-            <a:schemeClr val="accent1"/>
-          </a:effectRef>
-          <a:fontRef idx="minor">
-            <a:schemeClr val="lt1"/>
-          </a:fontRef>
-        </p:style>
-        <p:txBody>
-          <a:bodyPr rtlCol="0" anchor="ctr"/>
-          <a:lstStyle/>
-          <a:p>
-            <a:pPr algn="ctr"/>
-            <a:endParaRPr lang="en-US"/>
-          </a:p>
-        </p:txBody>
-      </p:sp>
-      <p:pic>
-        <p:nvPicPr>
-          <p:cNvPr id="10" name="Content Placeholder 9" descr="A graph of different colored squares&#10;&#10;Description automatically generated">
-            <a:extLst>
-              <a:ext uri="{FF2B5EF4-FFF2-40B4-BE49-F238E27FC236}">
-                <a16:creationId xmlns:a16="http://schemas.microsoft.com/office/drawing/2014/main" id="{DABEF7FA-459A-1981-5F19-7A96095120DB}"/>
-              </a:ext>
-            </a:extLst>
-          </p:cNvPr>
-          <p:cNvPicPr>
-            <a:picLocks noChangeAspect="1"/>
-          </p:cNvPicPr>
-          <p:nvPr/>
-        </p:nvPicPr>
-        <p:blipFill>
-          <a:blip r:embed="rId2">
-            <a:extLst>
-              <a:ext uri="{28A0092B-C50C-407E-A947-70E740481C1C}">
-                <a14:useLocalDpi xmlns:a14="http://schemas.microsoft.com/office/drawing/2010/main" val="0"/>
-              </a:ext>
-            </a:extLst>
-          </a:blip>
-          <a:stretch>
-            <a:fillRect/>
-          </a:stretch>
-        </p:blipFill>
-        <p:spPr>
-          <a:xfrm>
-            <a:off x="6421036" y="1954710"/>
-            <a:ext cx="5129784" cy="3167640"/>
-          </a:xfrm>
-          <a:prstGeom prst="rect">
-            <a:avLst/>
-          </a:prstGeom>
-        </p:spPr>
-      </p:pic>
-      <p:pic>
-        <p:nvPicPr>
-          <p:cNvPr id="8" name="Content Placeholder 7" descr="A graph with colorful boxes&#10;&#10;Description automatically generated with medium confidence">
-            <a:extLst>
-              <a:ext uri="{FF2B5EF4-FFF2-40B4-BE49-F238E27FC236}">
-                <a16:creationId xmlns:a16="http://schemas.microsoft.com/office/drawing/2014/main" id="{CDB7B753-45A9-EB16-72A9-E4A2BC13B832}"/>
-              </a:ext>
-            </a:extLst>
-          </p:cNvPr>
-          <p:cNvPicPr>
-            <a:picLocks noChangeAspect="1"/>
-          </p:cNvPicPr>
-          <p:nvPr/>
-        </p:nvPicPr>
-        <p:blipFill>
-          <a:blip r:embed="rId3">
-            <a:extLst>
-              <a:ext uri="{28A0092B-C50C-407E-A947-70E740481C1C}">
-                <a14:useLocalDpi xmlns:a14="http://schemas.microsoft.com/office/drawing/2010/main" val="0"/>
-              </a:ext>
-            </a:extLst>
-          </a:blip>
-          <a:stretch>
-            <a:fillRect/>
-          </a:stretch>
-        </p:blipFill>
-        <p:spPr>
-          <a:xfrm>
-            <a:off x="641180" y="1954710"/>
-            <a:ext cx="5129784" cy="3167640"/>
-          </a:xfrm>
-          <a:prstGeom prst="rect">
-            <a:avLst/>
-          </a:prstGeom>
-        </p:spPr>
-      </p:pic>
-    </p:spTree>
-    <p:extLst>
-      <p:ext uri="{BB962C8B-B14F-4D97-AF65-F5344CB8AC3E}">
-        <p14:creationId xmlns:p14="http://schemas.microsoft.com/office/powerpoint/2010/main" val="2346076013"/>
-      </p:ext>
-    </p:extLst>
-  </p:cSld>
-  <p:clrMapOvr>
-    <a:masterClrMapping/>
-  </p:clrMapOvr>
-  <p:timing>
-    <p:tnLst>
-      <p:par>
-        <p:cTn id="1" dur="indefinite" restart="never" nodeType="tmRoot">
-          <p:childTnLst>
-            <p:seq concurrent="1" nextAc="seek">
-              <p:cTn id="2" dur="indefinite" nodeType="mainSeq">
-                <p:childTnLst>
-                  <p:par>
-                    <p:cTn id="3" fill="hold">
-                      <p:stCondLst>
-                        <p:cond delay="indefinite"/>
-                      </p:stCondLst>
-                      <p:childTnLst>
-                        <p:par>
-                          <p:cTn id="4" fill="hold">
-                            <p:stCondLst>
-                              <p:cond delay="0"/>
-                            </p:stCondLst>
-                            <p:childTnLst>
-                              <p:par>
-                                <p:cTn id="5" presetID="26" presetClass="emph" presetSubtype="0" fill="hold" nodeType="clickEffect">
-                                  <p:stCondLst>
-                                    <p:cond delay="0"/>
-                                  </p:stCondLst>
-                                  <p:childTnLst>
-                                    <p:animEffect transition="out" filter="fade">
-                                      <p:cBhvr>
-                                        <p:cTn id="6" dur="500" tmFilter="0, 0; .2, .5; .8, .5; 1, 0"/>
-                                        <p:tgtEl>
-                                          <p:spTgt spid="8"/>
-                                        </p:tgtEl>
-                                      </p:cBhvr>
-                                    </p:animEffect>
-                                    <p:animScale>
-                                      <p:cBhvr>
-                                        <p:cTn id="7" dur="250" autoRev="1" fill="hold"/>
-                                        <p:tgtEl>
-                                          <p:spTgt spid="8"/>
-                                        </p:tgtEl>
-                                      </p:cBhvr>
-                                      <p:by x="105000" y="105000"/>
-                                    </p:animScale>
-                                  </p:childTnLst>
-                                </p:cTn>
-                              </p:par>
-                            </p:childTnLst>
-                          </p:cTn>
-                        </p:par>
-                      </p:childTnLst>
-                    </p:cTn>
-                  </p:par>
-                  <p:par>
-                    <p:cTn id="8" fill="hold">
-                      <p:stCondLst>
-                        <p:cond delay="indefinite"/>
-                      </p:stCondLst>
-                      <p:childTnLst>
-                        <p:par>
-                          <p:cTn id="9" fill="hold">
-                            <p:stCondLst>
-                              <p:cond delay="0"/>
-                            </p:stCondLst>
-                            <p:childTnLst>
-                              <p:par>
-                                <p:cTn id="10" presetID="26" presetClass="emph" presetSubtype="0" fill="hold" nodeType="clickEffect">
-                                  <p:stCondLst>
-                                    <p:cond delay="0"/>
-                                  </p:stCondLst>
-                                  <p:childTnLst>
-                                    <p:animEffect transition="out" filter="fade">
-                                      <p:cBhvr>
-                                        <p:cTn id="11" dur="500" tmFilter="0, 0; .2, .5; .8, .5; 1, 0"/>
-                                        <p:tgtEl>
-                                          <p:spTgt spid="10"/>
-                                        </p:tgtEl>
-                                      </p:cBhvr>
-                                    </p:animEffect>
-                                    <p:animScale>
-                                      <p:cBhvr>
-                                        <p:cTn id="12" dur="250" autoRev="1" fill="hold"/>
-                                        <p:tgtEl>
-                                          <p:spTgt spid="10"/>
-                                        </p:tgtEl>
-                                      </p:cBhvr>
-                                      <p:by x="105000" y="105000"/>
-                                    </p:animScale>
-                                  </p:childTnLst>
-                                </p:cTn>
-                              </p:par>
-                            </p:childTnLst>
-                          </p:cTn>
-                        </p:par>
-                      </p:childTnLst>
-                    </p:cTn>
-                  </p:par>
-                </p:childTnLst>
-              </p:cTn>
-              <p:prevCondLst>
-                <p:cond evt="onPrev" delay="0">
-                  <p:tgtEl>
-                    <p:sldTgt/>
-                  </p:tgtEl>
-                </p:cond>
-              </p:prevCondLst>
-              <p:nextCondLst>
-                <p:cond evt="onNext" delay="0">
-                  <p:tgtEl>
-                    <p:sldTgt/>
-                  </p:tgtEl>
-                </p:cond>
-              </p:nextCondLst>
-            </p:seq>
-          </p:childTnLst>
-        </p:cTn>
-      </p:par>
-    </p:tnLst>
   </p:timing>
 </p:sld>
 </file>
